--- a/presentation.pptx
+++ b/presentation.pptx
@@ -4,19 +4,22 @@
   <p:sldMasterIdLst>
     <p:sldMasterId id="2147483648" r:id="rId1"/>
   </p:sldMasterIdLst>
+  <p:notesMasterIdLst>
+    <p:notesMasterId r:id="rId14"/>
+  </p:notesMasterIdLst>
   <p:sldIdLst>
-    <p:sldId id="256" r:id="rId7"/>
-    <p:sldId id="257" r:id="rId8"/>
-    <p:sldId id="258" r:id="rId9"/>
-    <p:sldId id="259" r:id="rId10"/>
-    <p:sldId id="260" r:id="rId11"/>
-    <p:sldId id="261" r:id="rId12"/>
-    <p:sldId id="262" r:id="rId13"/>
-    <p:sldId id="263" r:id="rId14"/>
-    <p:sldId id="264" r:id="rId15"/>
-    <p:sldId id="265" r:id="rId16"/>
-    <p:sldId id="266" r:id="rId17"/>
-    <p:sldId id="267" r:id="rId18"/>
+    <p:sldId id="256" r:id="rId2"/>
+    <p:sldId id="257" r:id="rId3"/>
+    <p:sldId id="258" r:id="rId4"/>
+    <p:sldId id="259" r:id="rId5"/>
+    <p:sldId id="260" r:id="rId6"/>
+    <p:sldId id="268" r:id="rId7"/>
+    <p:sldId id="261" r:id="rId8"/>
+    <p:sldId id="262" r:id="rId9"/>
+    <p:sldId id="263" r:id="rId10"/>
+    <p:sldId id="264" r:id="rId11"/>
+    <p:sldId id="265" r:id="rId12"/>
+    <p:sldId id="267" r:id="rId13"/>
   </p:sldIdLst>
   <p:sldSz cx="9144000" cy="6858000" type="screen4x3"/>
   <p:notesSz cx="6858000" cy="9144000"/>
@@ -115,7 +118,3042 @@
       </a:defRPr>
     </a:lvl9pPr>
   </p:defaultTextStyle>
+  <p:extLst>
+    <p:ext uri="{EFAFB233-063F-42B5-8137-9DF3F51BA10A}">
+      <p15:sldGuideLst xmlns:p15="http://schemas.microsoft.com/office/powerpoint/2012/main">
+        <p15:guide id="1" orient="horz" pos="2160">
+          <p15:clr>
+            <a:srgbClr val="A4A3A4"/>
+          </p15:clr>
+        </p15:guide>
+        <p15:guide id="2" pos="2880">
+          <p15:clr>
+            <a:srgbClr val="A4A3A4"/>
+          </p15:clr>
+        </p15:guide>
+      </p15:sldGuideLst>
+    </p:ext>
+  </p:extLst>
 </p:presentation>
+</file>
+
+<file path=ppt/diagrams/colors1.xml><?xml version="1.0" encoding="utf-8"?>
+<dgm:colorsDef xmlns:dgm="http://schemas.openxmlformats.org/drawingml/2006/diagram" xmlns:a="http://schemas.openxmlformats.org/drawingml/2006/main" uniqueId="urn:microsoft.com/office/officeart/2018/5/colors/Iconchunking_neutralbg_accent1_2">
+  <dgm:title val=""/>
+  <dgm:desc val=""/>
+  <dgm:catLst>
+    <dgm:cat type="accent1" pri="11200"/>
+  </dgm:catLst>
+  <dgm:styleLbl name="node0">
+    <dgm:fillClrLst meth="repeat">
+      <a:schemeClr val="accent1"/>
+    </dgm:fillClrLst>
+    <dgm:linClrLst meth="repeat">
+      <a:schemeClr val="lt1"/>
+    </dgm:linClrLst>
+    <dgm:effectClrLst/>
+    <dgm:txLinClrLst/>
+    <dgm:txFillClrLst/>
+    <dgm:txEffectClrLst/>
+  </dgm:styleLbl>
+  <dgm:styleLbl name="alignNode1">
+    <dgm:fillClrLst meth="repeat">
+      <a:schemeClr val="accent1"/>
+    </dgm:fillClrLst>
+    <dgm:linClrLst meth="repeat">
+      <a:schemeClr val="accent1"/>
+    </dgm:linClrLst>
+    <dgm:effectClrLst/>
+    <dgm:txLinClrLst/>
+    <dgm:txFillClrLst/>
+    <dgm:txEffectClrLst/>
+  </dgm:styleLbl>
+  <dgm:styleLbl name="node1">
+    <dgm:fillClrLst meth="repeat">
+      <a:schemeClr val="accent1"/>
+    </dgm:fillClrLst>
+    <dgm:linClrLst meth="repeat">
+      <a:schemeClr val="lt1">
+        <a:alpha val="0"/>
+      </a:schemeClr>
+    </dgm:linClrLst>
+    <dgm:effectClrLst/>
+    <dgm:txLinClrLst/>
+    <dgm:txFillClrLst/>
+    <dgm:txEffectClrLst/>
+  </dgm:styleLbl>
+  <dgm:styleLbl name="lnNode1">
+    <dgm:fillClrLst meth="repeat">
+      <a:schemeClr val="accent1"/>
+    </dgm:fillClrLst>
+    <dgm:linClrLst meth="repeat">
+      <a:schemeClr val="lt1"/>
+    </dgm:linClrLst>
+    <dgm:effectClrLst/>
+    <dgm:txLinClrLst/>
+    <dgm:txFillClrLst/>
+    <dgm:txEffectClrLst/>
+  </dgm:styleLbl>
+  <dgm:styleLbl name="vennNode1">
+    <dgm:fillClrLst meth="repeat">
+      <a:schemeClr val="accent1">
+        <a:alpha val="50000"/>
+      </a:schemeClr>
+    </dgm:fillClrLst>
+    <dgm:linClrLst meth="repeat">
+      <a:schemeClr val="lt1"/>
+    </dgm:linClrLst>
+    <dgm:effectClrLst/>
+    <dgm:txLinClrLst/>
+    <dgm:txFillClrLst/>
+    <dgm:txEffectClrLst/>
+  </dgm:styleLbl>
+  <dgm:styleLbl name="node2">
+    <dgm:fillClrLst meth="repeat">
+      <a:schemeClr val="accent1"/>
+    </dgm:fillClrLst>
+    <dgm:linClrLst meth="repeat">
+      <a:schemeClr val="lt1"/>
+    </dgm:linClrLst>
+    <dgm:effectClrLst/>
+    <dgm:txLinClrLst/>
+    <dgm:txFillClrLst/>
+    <dgm:txEffectClrLst/>
+  </dgm:styleLbl>
+  <dgm:styleLbl name="node3">
+    <dgm:fillClrLst meth="repeat">
+      <a:schemeClr val="accent1"/>
+    </dgm:fillClrLst>
+    <dgm:linClrLst meth="repeat">
+      <a:schemeClr val="lt1"/>
+    </dgm:linClrLst>
+    <dgm:effectClrLst/>
+    <dgm:txLinClrLst/>
+    <dgm:txFillClrLst/>
+    <dgm:txEffectClrLst/>
+  </dgm:styleLbl>
+  <dgm:styleLbl name="node4">
+    <dgm:fillClrLst meth="repeat">
+      <a:schemeClr val="accent1"/>
+    </dgm:fillClrLst>
+    <dgm:linClrLst meth="repeat">
+      <a:schemeClr val="lt1"/>
+    </dgm:linClrLst>
+    <dgm:effectClrLst/>
+    <dgm:txLinClrLst/>
+    <dgm:txFillClrLst/>
+    <dgm:txEffectClrLst/>
+  </dgm:styleLbl>
+  <dgm:styleLbl name="fgImgPlace1">
+    <dgm:fillClrLst meth="repeat">
+      <a:schemeClr val="accent1">
+        <a:tint val="50000"/>
+      </a:schemeClr>
+    </dgm:fillClrLst>
+    <dgm:linClrLst meth="repeat">
+      <a:schemeClr val="lt1"/>
+    </dgm:linClrLst>
+    <dgm:effectClrLst/>
+    <dgm:txLinClrLst/>
+    <dgm:txFillClrLst meth="repeat">
+      <a:schemeClr val="lt1"/>
+    </dgm:txFillClrLst>
+    <dgm:txEffectClrLst/>
+  </dgm:styleLbl>
+  <dgm:styleLbl name="alignImgPlace1">
+    <dgm:fillClrLst meth="repeat">
+      <a:schemeClr val="accent1">
+        <a:tint val="50000"/>
+      </a:schemeClr>
+    </dgm:fillClrLst>
+    <dgm:linClrLst meth="repeat">
+      <a:schemeClr val="lt1"/>
+    </dgm:linClrLst>
+    <dgm:effectClrLst/>
+    <dgm:txLinClrLst/>
+    <dgm:txFillClrLst meth="repeat">
+      <a:schemeClr val="lt1"/>
+    </dgm:txFillClrLst>
+    <dgm:txEffectClrLst/>
+  </dgm:styleLbl>
+  <dgm:styleLbl name="bgImgPlace1">
+    <dgm:fillClrLst meth="repeat">
+      <a:schemeClr val="accent1">
+        <a:tint val="50000"/>
+      </a:schemeClr>
+    </dgm:fillClrLst>
+    <dgm:linClrLst meth="repeat">
+      <a:schemeClr val="lt1"/>
+    </dgm:linClrLst>
+    <dgm:effectClrLst/>
+    <dgm:txLinClrLst/>
+    <dgm:txFillClrLst meth="repeat">
+      <a:schemeClr val="lt1"/>
+    </dgm:txFillClrLst>
+    <dgm:txEffectClrLst/>
+  </dgm:styleLbl>
+  <dgm:styleLbl name="sibTrans2D1">
+    <dgm:fillClrLst meth="repeat">
+      <a:schemeClr val="accent1">
+        <a:tint val="60000"/>
+      </a:schemeClr>
+    </dgm:fillClrLst>
+    <dgm:linClrLst meth="repeat">
+      <a:schemeClr val="accent1">
+        <a:tint val="60000"/>
+      </a:schemeClr>
+    </dgm:linClrLst>
+    <dgm:effectClrLst/>
+    <dgm:txLinClrLst/>
+    <dgm:txFillClrLst/>
+    <dgm:txEffectClrLst/>
+  </dgm:styleLbl>
+  <dgm:styleLbl name="fgSibTrans2D1">
+    <dgm:fillClrLst meth="repeat">
+      <a:schemeClr val="accent1">
+        <a:tint val="60000"/>
+      </a:schemeClr>
+    </dgm:fillClrLst>
+    <dgm:linClrLst meth="repeat">
+      <a:schemeClr val="accent1">
+        <a:tint val="60000"/>
+      </a:schemeClr>
+    </dgm:linClrLst>
+    <dgm:effectClrLst/>
+    <dgm:txLinClrLst/>
+    <dgm:txFillClrLst/>
+    <dgm:txEffectClrLst/>
+  </dgm:styleLbl>
+  <dgm:styleLbl name="bgSibTrans2D1">
+    <dgm:fillClrLst meth="repeat">
+      <a:schemeClr val="accent1">
+        <a:tint val="60000"/>
+      </a:schemeClr>
+    </dgm:fillClrLst>
+    <dgm:linClrLst meth="repeat">
+      <a:schemeClr val="accent1">
+        <a:tint val="60000"/>
+      </a:schemeClr>
+    </dgm:linClrLst>
+    <dgm:effectClrLst/>
+    <dgm:txLinClrLst/>
+    <dgm:txFillClrLst/>
+    <dgm:txEffectClrLst/>
+  </dgm:styleLbl>
+  <dgm:styleLbl name="sibTrans1D1">
+    <dgm:fillClrLst meth="repeat">
+      <a:schemeClr val="accent1"/>
+    </dgm:fillClrLst>
+    <dgm:linClrLst meth="repeat">
+      <a:schemeClr val="accent1"/>
+    </dgm:linClrLst>
+    <dgm:effectClrLst/>
+    <dgm:txLinClrLst/>
+    <dgm:txFillClrLst meth="repeat">
+      <a:schemeClr val="tx1"/>
+    </dgm:txFillClrLst>
+    <dgm:txEffectClrLst/>
+  </dgm:styleLbl>
+  <dgm:styleLbl name="callout">
+    <dgm:fillClrLst meth="repeat">
+      <a:schemeClr val="accent1"/>
+    </dgm:fillClrLst>
+    <dgm:linClrLst meth="repeat">
+      <a:schemeClr val="accent1">
+        <a:tint val="50000"/>
+      </a:schemeClr>
+    </dgm:linClrLst>
+    <dgm:effectClrLst/>
+    <dgm:txLinClrLst/>
+    <dgm:txFillClrLst meth="repeat">
+      <a:schemeClr val="tx1"/>
+    </dgm:txFillClrLst>
+    <dgm:txEffectClrLst/>
+  </dgm:styleLbl>
+  <dgm:styleLbl name="asst0">
+    <dgm:fillClrLst meth="repeat">
+      <a:schemeClr val="accent1"/>
+    </dgm:fillClrLst>
+    <dgm:linClrLst meth="repeat">
+      <a:schemeClr val="lt1"/>
+    </dgm:linClrLst>
+    <dgm:effectClrLst/>
+    <dgm:txLinClrLst/>
+    <dgm:txFillClrLst/>
+    <dgm:txEffectClrLst/>
+  </dgm:styleLbl>
+  <dgm:styleLbl name="asst1">
+    <dgm:fillClrLst meth="repeat">
+      <a:schemeClr val="accent1"/>
+    </dgm:fillClrLst>
+    <dgm:linClrLst meth="repeat">
+      <a:schemeClr val="lt1"/>
+    </dgm:linClrLst>
+    <dgm:effectClrLst/>
+    <dgm:txLinClrLst/>
+    <dgm:txFillClrLst/>
+    <dgm:txEffectClrLst/>
+  </dgm:styleLbl>
+  <dgm:styleLbl name="asst2">
+    <dgm:fillClrLst meth="repeat">
+      <a:schemeClr val="accent1"/>
+    </dgm:fillClrLst>
+    <dgm:linClrLst meth="repeat">
+      <a:schemeClr val="lt1"/>
+    </dgm:linClrLst>
+    <dgm:effectClrLst/>
+    <dgm:txLinClrLst/>
+    <dgm:txFillClrLst/>
+    <dgm:txEffectClrLst/>
+  </dgm:styleLbl>
+  <dgm:styleLbl name="asst3">
+    <dgm:fillClrLst meth="repeat">
+      <a:schemeClr val="accent1"/>
+    </dgm:fillClrLst>
+    <dgm:linClrLst meth="repeat">
+      <a:schemeClr val="lt1"/>
+    </dgm:linClrLst>
+    <dgm:effectClrLst/>
+    <dgm:txLinClrLst/>
+    <dgm:txFillClrLst/>
+    <dgm:txEffectClrLst/>
+  </dgm:styleLbl>
+  <dgm:styleLbl name="asst4">
+    <dgm:fillClrLst meth="repeat">
+      <a:schemeClr val="accent1"/>
+    </dgm:fillClrLst>
+    <dgm:linClrLst meth="repeat">
+      <a:schemeClr val="lt1"/>
+    </dgm:linClrLst>
+    <dgm:effectClrLst/>
+    <dgm:txLinClrLst/>
+    <dgm:txFillClrLst/>
+    <dgm:txEffectClrLst/>
+  </dgm:styleLbl>
+  <dgm:styleLbl name="parChTrans2D1">
+    <dgm:fillClrLst meth="repeat">
+      <a:schemeClr val="accent1">
+        <a:tint val="60000"/>
+      </a:schemeClr>
+    </dgm:fillClrLst>
+    <dgm:linClrLst meth="repeat">
+      <a:schemeClr val="accent1">
+        <a:tint val="60000"/>
+      </a:schemeClr>
+    </dgm:linClrLst>
+    <dgm:effectClrLst/>
+    <dgm:txLinClrLst/>
+    <dgm:txFillClrLst meth="repeat">
+      <a:schemeClr val="lt1"/>
+    </dgm:txFillClrLst>
+    <dgm:txEffectClrLst/>
+  </dgm:styleLbl>
+  <dgm:styleLbl name="parChTrans2D2">
+    <dgm:fillClrLst meth="repeat">
+      <a:schemeClr val="accent1"/>
+    </dgm:fillClrLst>
+    <dgm:linClrLst meth="repeat">
+      <a:schemeClr val="accent1"/>
+    </dgm:linClrLst>
+    <dgm:effectClrLst/>
+    <dgm:txLinClrLst/>
+    <dgm:txFillClrLst meth="repeat">
+      <a:schemeClr val="lt1"/>
+    </dgm:txFillClrLst>
+    <dgm:txEffectClrLst/>
+  </dgm:styleLbl>
+  <dgm:styleLbl name="parChTrans2D3">
+    <dgm:fillClrLst meth="repeat">
+      <a:schemeClr val="accent1"/>
+    </dgm:fillClrLst>
+    <dgm:linClrLst meth="repeat">
+      <a:schemeClr val="accent1"/>
+    </dgm:linClrLst>
+    <dgm:effectClrLst/>
+    <dgm:txLinClrLst/>
+    <dgm:txFillClrLst meth="repeat">
+      <a:schemeClr val="lt1"/>
+    </dgm:txFillClrLst>
+    <dgm:txEffectClrLst/>
+  </dgm:styleLbl>
+  <dgm:styleLbl name="parChTrans2D4">
+    <dgm:fillClrLst meth="repeat">
+      <a:schemeClr val="accent1"/>
+    </dgm:fillClrLst>
+    <dgm:linClrLst meth="repeat">
+      <a:schemeClr val="accent1"/>
+    </dgm:linClrLst>
+    <dgm:effectClrLst/>
+    <dgm:txLinClrLst/>
+    <dgm:txFillClrLst meth="repeat">
+      <a:schemeClr val="lt1"/>
+    </dgm:txFillClrLst>
+    <dgm:txEffectClrLst/>
+  </dgm:styleLbl>
+  <dgm:styleLbl name="parChTrans1D1">
+    <dgm:fillClrLst meth="repeat">
+      <a:schemeClr val="accent1"/>
+    </dgm:fillClrLst>
+    <dgm:linClrLst meth="repeat">
+      <a:schemeClr val="accent1">
+        <a:shade val="60000"/>
+      </a:schemeClr>
+    </dgm:linClrLst>
+    <dgm:effectClrLst/>
+    <dgm:txLinClrLst/>
+    <dgm:txFillClrLst meth="repeat">
+      <a:schemeClr val="tx1"/>
+    </dgm:txFillClrLst>
+    <dgm:txEffectClrLst/>
+  </dgm:styleLbl>
+  <dgm:styleLbl name="parChTrans1D2">
+    <dgm:fillClrLst meth="repeat">
+      <a:schemeClr val="accent1"/>
+    </dgm:fillClrLst>
+    <dgm:linClrLst meth="repeat">
+      <a:schemeClr val="accent1">
+        <a:shade val="60000"/>
+      </a:schemeClr>
+    </dgm:linClrLst>
+    <dgm:effectClrLst/>
+    <dgm:txLinClrLst/>
+    <dgm:txFillClrLst meth="repeat">
+      <a:schemeClr val="tx1"/>
+    </dgm:txFillClrLst>
+    <dgm:txEffectClrLst/>
+  </dgm:styleLbl>
+  <dgm:styleLbl name="parChTrans1D3">
+    <dgm:fillClrLst meth="repeat">
+      <a:schemeClr val="accent1"/>
+    </dgm:fillClrLst>
+    <dgm:linClrLst meth="repeat">
+      <a:schemeClr val="accent1">
+        <a:shade val="80000"/>
+      </a:schemeClr>
+    </dgm:linClrLst>
+    <dgm:effectClrLst/>
+    <dgm:txLinClrLst/>
+    <dgm:txFillClrLst meth="repeat">
+      <a:schemeClr val="tx1"/>
+    </dgm:txFillClrLst>
+    <dgm:txEffectClrLst/>
+  </dgm:styleLbl>
+  <dgm:styleLbl name="parChTrans1D4">
+    <dgm:fillClrLst meth="repeat">
+      <a:schemeClr val="accent1"/>
+    </dgm:fillClrLst>
+    <dgm:linClrLst meth="repeat">
+      <a:schemeClr val="accent1">
+        <a:shade val="80000"/>
+      </a:schemeClr>
+    </dgm:linClrLst>
+    <dgm:effectClrLst/>
+    <dgm:txLinClrLst/>
+    <dgm:txFillClrLst meth="repeat">
+      <a:schemeClr val="tx1"/>
+    </dgm:txFillClrLst>
+    <dgm:txEffectClrLst/>
+  </dgm:styleLbl>
+  <dgm:styleLbl name="fgAcc1">
+    <dgm:fillClrLst meth="repeat">
+      <a:schemeClr val="lt1">
+        <a:alpha val="90000"/>
+      </a:schemeClr>
+    </dgm:fillClrLst>
+    <dgm:linClrLst meth="repeat">
+      <a:schemeClr val="accent1"/>
+    </dgm:linClrLst>
+    <dgm:effectClrLst/>
+    <dgm:txLinClrLst/>
+    <dgm:txFillClrLst meth="repeat">
+      <a:schemeClr val="dk1"/>
+    </dgm:txFillClrLst>
+    <dgm:txEffectClrLst/>
+  </dgm:styleLbl>
+  <dgm:styleLbl name="conFgAcc1">
+    <dgm:fillClrLst meth="repeat">
+      <a:schemeClr val="lt1">
+        <a:alpha val="90000"/>
+      </a:schemeClr>
+    </dgm:fillClrLst>
+    <dgm:linClrLst meth="repeat">
+      <a:schemeClr val="accent1"/>
+    </dgm:linClrLst>
+    <dgm:effectClrLst/>
+    <dgm:txLinClrLst/>
+    <dgm:txFillClrLst meth="repeat">
+      <a:schemeClr val="dk1"/>
+    </dgm:txFillClrLst>
+    <dgm:txEffectClrLst/>
+  </dgm:styleLbl>
+  <dgm:styleLbl name="alignAcc1">
+    <dgm:fillClrLst meth="repeat">
+      <a:schemeClr val="lt1">
+        <a:alpha val="90000"/>
+      </a:schemeClr>
+    </dgm:fillClrLst>
+    <dgm:linClrLst meth="repeat">
+      <a:schemeClr val="accent1"/>
+    </dgm:linClrLst>
+    <dgm:effectClrLst/>
+    <dgm:txLinClrLst/>
+    <dgm:txFillClrLst meth="repeat">
+      <a:schemeClr val="dk1"/>
+    </dgm:txFillClrLst>
+    <dgm:txEffectClrLst/>
+  </dgm:styleLbl>
+  <dgm:styleLbl name="trAlignAcc1">
+    <dgm:fillClrLst meth="repeat">
+      <a:schemeClr val="lt1">
+        <a:alpha val="40000"/>
+      </a:schemeClr>
+    </dgm:fillClrLst>
+    <dgm:linClrLst meth="repeat">
+      <a:schemeClr val="accent1"/>
+    </dgm:linClrLst>
+    <dgm:effectClrLst/>
+    <dgm:txLinClrLst/>
+    <dgm:txFillClrLst meth="repeat">
+      <a:schemeClr val="dk1"/>
+    </dgm:txFillClrLst>
+    <dgm:txEffectClrLst/>
+  </dgm:styleLbl>
+  <dgm:styleLbl name="bgAcc1">
+    <dgm:fillClrLst meth="repeat">
+      <a:schemeClr val="lt1">
+        <a:alpha val="90000"/>
+      </a:schemeClr>
+    </dgm:fillClrLst>
+    <dgm:linClrLst meth="repeat">
+      <a:schemeClr val="accent1"/>
+    </dgm:linClrLst>
+    <dgm:effectClrLst/>
+    <dgm:txLinClrLst/>
+    <dgm:txFillClrLst meth="repeat">
+      <a:schemeClr val="dk1"/>
+    </dgm:txFillClrLst>
+    <dgm:txEffectClrLst/>
+  </dgm:styleLbl>
+  <dgm:styleLbl name="solidFgAcc1">
+    <dgm:fillClrLst meth="repeat">
+      <a:schemeClr val="lt1"/>
+    </dgm:fillClrLst>
+    <dgm:linClrLst meth="repeat">
+      <a:schemeClr val="accent1"/>
+    </dgm:linClrLst>
+    <dgm:effectClrLst/>
+    <dgm:txLinClrLst/>
+    <dgm:txFillClrLst meth="repeat">
+      <a:schemeClr val="dk1"/>
+    </dgm:txFillClrLst>
+    <dgm:txEffectClrLst/>
+  </dgm:styleLbl>
+  <dgm:styleLbl name="solidAlignAcc1">
+    <dgm:fillClrLst meth="repeat">
+      <a:schemeClr val="lt1"/>
+    </dgm:fillClrLst>
+    <dgm:linClrLst meth="repeat">
+      <a:schemeClr val="accent1"/>
+    </dgm:linClrLst>
+    <dgm:effectClrLst/>
+    <dgm:txLinClrLst/>
+    <dgm:txFillClrLst meth="repeat">
+      <a:schemeClr val="dk1"/>
+    </dgm:txFillClrLst>
+    <dgm:txEffectClrLst/>
+  </dgm:styleLbl>
+  <dgm:styleLbl name="solidBgAcc1">
+    <dgm:fillClrLst meth="repeat">
+      <a:schemeClr val="lt1"/>
+    </dgm:fillClrLst>
+    <dgm:linClrLst meth="repeat">
+      <a:schemeClr val="accent1"/>
+    </dgm:linClrLst>
+    <dgm:effectClrLst/>
+    <dgm:txLinClrLst/>
+    <dgm:txFillClrLst meth="repeat">
+      <a:schemeClr val="dk1"/>
+    </dgm:txFillClrLst>
+    <dgm:txEffectClrLst/>
+  </dgm:styleLbl>
+  <dgm:styleLbl name="fgAccFollowNode1">
+    <dgm:fillClrLst meth="repeat">
+      <a:schemeClr val="accent1">
+        <a:alpha val="90000"/>
+        <a:tint val="40000"/>
+      </a:schemeClr>
+    </dgm:fillClrLst>
+    <dgm:linClrLst meth="repeat">
+      <a:schemeClr val="accent1">
+        <a:alpha val="90000"/>
+        <a:tint val="40000"/>
+      </a:schemeClr>
+    </dgm:linClrLst>
+    <dgm:effectClrLst/>
+    <dgm:txLinClrLst/>
+    <dgm:txFillClrLst meth="repeat">
+      <a:schemeClr val="dk1"/>
+    </dgm:txFillClrLst>
+    <dgm:txEffectClrLst/>
+  </dgm:styleLbl>
+  <dgm:styleLbl name="alignAccFollowNode1">
+    <dgm:fillClrLst meth="repeat">
+      <a:schemeClr val="accent1">
+        <a:alpha val="90000"/>
+        <a:tint val="40000"/>
+      </a:schemeClr>
+    </dgm:fillClrLst>
+    <dgm:linClrLst meth="repeat">
+      <a:schemeClr val="accent1">
+        <a:alpha val="90000"/>
+        <a:tint val="40000"/>
+      </a:schemeClr>
+    </dgm:linClrLst>
+    <dgm:effectClrLst/>
+    <dgm:txLinClrLst/>
+    <dgm:txFillClrLst meth="repeat">
+      <a:schemeClr val="dk1"/>
+    </dgm:txFillClrLst>
+    <dgm:txEffectClrLst/>
+  </dgm:styleLbl>
+  <dgm:styleLbl name="bgAccFollowNode1">
+    <dgm:fillClrLst meth="repeat">
+      <a:schemeClr val="accent1">
+        <a:alpha val="90000"/>
+        <a:tint val="40000"/>
+      </a:schemeClr>
+    </dgm:fillClrLst>
+    <dgm:linClrLst meth="repeat">
+      <a:schemeClr val="accent1">
+        <a:alpha val="90000"/>
+        <a:tint val="40000"/>
+      </a:schemeClr>
+    </dgm:linClrLst>
+    <dgm:effectClrLst/>
+    <dgm:txLinClrLst/>
+    <dgm:txFillClrLst meth="repeat">
+      <a:schemeClr val="dk1"/>
+    </dgm:txFillClrLst>
+    <dgm:txEffectClrLst/>
+  </dgm:styleLbl>
+  <dgm:styleLbl name="fgAcc0">
+    <dgm:fillClrLst meth="repeat">
+      <a:schemeClr val="lt1">
+        <a:alpha val="90000"/>
+      </a:schemeClr>
+    </dgm:fillClrLst>
+    <dgm:linClrLst meth="repeat">
+      <a:schemeClr val="accent1"/>
+    </dgm:linClrLst>
+    <dgm:effectClrLst/>
+    <dgm:txLinClrLst/>
+    <dgm:txFillClrLst meth="repeat">
+      <a:schemeClr val="dk1"/>
+    </dgm:txFillClrLst>
+    <dgm:txEffectClrLst/>
+  </dgm:styleLbl>
+  <dgm:styleLbl name="fgAcc2">
+    <dgm:fillClrLst meth="repeat">
+      <a:schemeClr val="lt1">
+        <a:alpha val="90000"/>
+      </a:schemeClr>
+    </dgm:fillClrLst>
+    <dgm:linClrLst meth="repeat">
+      <a:schemeClr val="accent1"/>
+    </dgm:linClrLst>
+    <dgm:effectClrLst/>
+    <dgm:txLinClrLst/>
+    <dgm:txFillClrLst meth="repeat">
+      <a:schemeClr val="dk1"/>
+    </dgm:txFillClrLst>
+    <dgm:txEffectClrLst/>
+  </dgm:styleLbl>
+  <dgm:styleLbl name="fgAcc3">
+    <dgm:fillClrLst meth="repeat">
+      <a:schemeClr val="lt1">
+        <a:alpha val="90000"/>
+      </a:schemeClr>
+    </dgm:fillClrLst>
+    <dgm:linClrLst meth="repeat">
+      <a:schemeClr val="accent1"/>
+    </dgm:linClrLst>
+    <dgm:effectClrLst/>
+    <dgm:txLinClrLst/>
+    <dgm:txFillClrLst meth="repeat">
+      <a:schemeClr val="dk1"/>
+    </dgm:txFillClrLst>
+    <dgm:txEffectClrLst/>
+  </dgm:styleLbl>
+  <dgm:styleLbl name="fgAcc4">
+    <dgm:fillClrLst meth="repeat">
+      <a:schemeClr val="lt1">
+        <a:alpha val="90000"/>
+      </a:schemeClr>
+    </dgm:fillClrLst>
+    <dgm:linClrLst meth="repeat">
+      <a:schemeClr val="accent1"/>
+    </dgm:linClrLst>
+    <dgm:effectClrLst/>
+    <dgm:txLinClrLst/>
+    <dgm:txFillClrLst meth="repeat">
+      <a:schemeClr val="dk1"/>
+    </dgm:txFillClrLst>
+    <dgm:txEffectClrLst/>
+  </dgm:styleLbl>
+  <dgm:styleLbl name="bgShp">
+    <dgm:fillClrLst meth="repeat">
+      <a:schemeClr val="bg1">
+        <a:lumMod val="95000"/>
+      </a:schemeClr>
+    </dgm:fillClrLst>
+    <dgm:linClrLst meth="repeat">
+      <a:schemeClr val="accent1"/>
+    </dgm:linClrLst>
+    <dgm:effectClrLst/>
+    <dgm:txLinClrLst/>
+    <dgm:txFillClrLst meth="repeat">
+      <a:schemeClr val="dk1"/>
+    </dgm:txFillClrLst>
+    <dgm:txEffectClrLst/>
+  </dgm:styleLbl>
+  <dgm:styleLbl name="dkBgShp">
+    <dgm:fillClrLst meth="repeat">
+      <a:schemeClr val="accent1">
+        <a:shade val="80000"/>
+      </a:schemeClr>
+    </dgm:fillClrLst>
+    <dgm:linClrLst meth="repeat">
+      <a:schemeClr val="accent1"/>
+    </dgm:linClrLst>
+    <dgm:effectClrLst/>
+    <dgm:txLinClrLst/>
+    <dgm:txFillClrLst meth="repeat">
+      <a:schemeClr val="lt1"/>
+    </dgm:txFillClrLst>
+    <dgm:txEffectClrLst/>
+  </dgm:styleLbl>
+  <dgm:styleLbl name="trBgShp">
+    <dgm:fillClrLst meth="repeat">
+      <a:schemeClr val="accent1">
+        <a:tint val="50000"/>
+        <a:alpha val="40000"/>
+      </a:schemeClr>
+    </dgm:fillClrLst>
+    <dgm:linClrLst meth="repeat">
+      <a:schemeClr val="accent1"/>
+    </dgm:linClrLst>
+    <dgm:effectClrLst/>
+    <dgm:txLinClrLst/>
+    <dgm:txFillClrLst meth="repeat">
+      <a:schemeClr val="lt1"/>
+    </dgm:txFillClrLst>
+    <dgm:txEffectClrLst/>
+  </dgm:styleLbl>
+  <dgm:styleLbl name="fgShp">
+    <dgm:fillClrLst meth="repeat">
+      <a:schemeClr val="accent1">
+        <a:tint val="60000"/>
+      </a:schemeClr>
+    </dgm:fillClrLst>
+    <dgm:linClrLst meth="repeat">
+      <a:schemeClr val="lt1"/>
+    </dgm:linClrLst>
+    <dgm:effectClrLst/>
+    <dgm:txLinClrLst/>
+    <dgm:txFillClrLst meth="repeat">
+      <a:schemeClr val="dk1"/>
+    </dgm:txFillClrLst>
+    <dgm:txEffectClrLst/>
+  </dgm:styleLbl>
+  <dgm:styleLbl name="revTx">
+    <dgm:fillClrLst meth="repeat">
+      <a:schemeClr val="lt1">
+        <a:alpha val="0"/>
+      </a:schemeClr>
+    </dgm:fillClrLst>
+    <dgm:linClrLst meth="repeat">
+      <a:schemeClr val="dk1">
+        <a:alpha val="0"/>
+      </a:schemeClr>
+    </dgm:linClrLst>
+    <dgm:effectClrLst/>
+    <dgm:txLinClrLst/>
+    <dgm:txFillClrLst meth="repeat">
+      <a:schemeClr val="tx1"/>
+    </dgm:txFillClrLst>
+    <dgm:txEffectClrLst/>
+  </dgm:styleLbl>
+</dgm:colorsDef>
+</file>
+
+<file path=ppt/diagrams/data1.xml><?xml version="1.0" encoding="utf-8"?>
+<dgm:dataModel xmlns:dgm="http://schemas.openxmlformats.org/drawingml/2006/diagram" xmlns:a="http://schemas.openxmlformats.org/drawingml/2006/main">
+  <dgm:ptLst>
+    <dgm:pt modelId="{37C8ADC4-A60E-124A-8E05-E826530620F6}" type="doc">
+      <dgm:prSet loTypeId="urn:microsoft.com/office/officeart/2018/5/layout/CenteredIconLabelDescriptionList" loCatId="icon" qsTypeId="urn:microsoft.com/office/officeart/2005/8/quickstyle/simple1" qsCatId="simple" csTypeId="urn:microsoft.com/office/officeart/2018/5/colors/Iconchunking_neutralbg_accent1_2" csCatId="accent1" phldr="1"/>
+      <dgm:spPr/>
+      <dgm:t>
+        <a:bodyPr/>
+        <a:lstStyle/>
+        <a:p>
+          <a:endParaRPr lang="en-US"/>
+        </a:p>
+      </dgm:t>
+    </dgm:pt>
+    <dgm:pt modelId="{47F9968B-00D9-ED45-A482-FB856EF11858}">
+      <dgm:prSet phldrT="[Text]"/>
+      <dgm:spPr/>
+      <dgm:t>
+        <a:bodyPr/>
+        <a:lstStyle/>
+        <a:p>
+          <a:pPr>
+            <a:lnSpc>
+              <a:spcPct val="100000"/>
+            </a:lnSpc>
+            <a:defRPr b="1"/>
+          </a:pPr>
+          <a:r>
+            <a:rPr lang="en-US" dirty="0"/>
+            <a:t>Background:</a:t>
+          </a:r>
+        </a:p>
+      </dgm:t>
+    </dgm:pt>
+    <dgm:pt modelId="{3AB6400A-7D18-5D4E-84A6-8E232545A10B}" type="parTrans" cxnId="{78803404-396F-4F4C-BCB9-BC06D0D3A8AB}">
+      <dgm:prSet/>
+      <dgm:spPr/>
+      <dgm:t>
+        <a:bodyPr/>
+        <a:lstStyle/>
+        <a:p>
+          <a:endParaRPr lang="en-US"/>
+        </a:p>
+      </dgm:t>
+    </dgm:pt>
+    <dgm:pt modelId="{A25CDBB1-429B-C742-A908-3ED9999DA34A}" type="sibTrans" cxnId="{78803404-396F-4F4C-BCB9-BC06D0D3A8AB}">
+      <dgm:prSet/>
+      <dgm:spPr/>
+      <dgm:t>
+        <a:bodyPr/>
+        <a:lstStyle/>
+        <a:p>
+          <a:endParaRPr lang="en-US"/>
+        </a:p>
+      </dgm:t>
+    </dgm:pt>
+    <dgm:pt modelId="{6301F84D-15E9-7D44-8327-3373E217A5A8}">
+      <dgm:prSet phldrT="[Text]"/>
+      <dgm:spPr/>
+      <dgm:t>
+        <a:bodyPr/>
+        <a:lstStyle/>
+        <a:p>
+          <a:pPr>
+            <a:lnSpc>
+              <a:spcPct val="100000"/>
+            </a:lnSpc>
+          </a:pPr>
+          <a:r>
+            <a:rPr lang="en-US" dirty="0"/>
+            <a:t>Client attended a predictive analytics conference; interested in intra-session/real-time conversion modeling.</a:t>
+          </a:r>
+        </a:p>
+      </dgm:t>
+    </dgm:pt>
+    <dgm:pt modelId="{FEAA65EE-730A-BC42-8470-5DD5E3A8BF4E}" type="parTrans" cxnId="{2BDCF2E9-F2E7-B84A-8FFC-49E935709FDB}">
+      <dgm:prSet/>
+      <dgm:spPr/>
+      <dgm:t>
+        <a:bodyPr/>
+        <a:lstStyle/>
+        <a:p>
+          <a:endParaRPr lang="en-US"/>
+        </a:p>
+      </dgm:t>
+    </dgm:pt>
+    <dgm:pt modelId="{3CC0E853-B990-2645-9EE5-AFB50653447E}" type="sibTrans" cxnId="{2BDCF2E9-F2E7-B84A-8FFC-49E935709FDB}">
+      <dgm:prSet/>
+      <dgm:spPr/>
+      <dgm:t>
+        <a:bodyPr/>
+        <a:lstStyle/>
+        <a:p>
+          <a:endParaRPr lang="en-US"/>
+        </a:p>
+      </dgm:t>
+    </dgm:pt>
+    <dgm:pt modelId="{416087AF-B3CB-1D45-80CA-6D6B449039D2}">
+      <dgm:prSet phldrT="[Text]"/>
+      <dgm:spPr/>
+      <dgm:t>
+        <a:bodyPr/>
+        <a:lstStyle/>
+        <a:p>
+          <a:pPr>
+            <a:lnSpc>
+              <a:spcPct val="100000"/>
+            </a:lnSpc>
+          </a:pPr>
+          <a:r>
+            <a:rPr lang="en-US" dirty="0"/>
+            <a:t>Provided raw data to build a propensity model and predict transaction likelihood.</a:t>
+          </a:r>
+        </a:p>
+      </dgm:t>
+    </dgm:pt>
+    <dgm:pt modelId="{18A83293-E837-D243-A62B-0F4B8D04B65C}" type="parTrans" cxnId="{953E0F9B-DB0F-9247-B4AB-A986B22CDBAC}">
+      <dgm:prSet/>
+      <dgm:spPr/>
+      <dgm:t>
+        <a:bodyPr/>
+        <a:lstStyle/>
+        <a:p>
+          <a:endParaRPr lang="en-US"/>
+        </a:p>
+      </dgm:t>
+    </dgm:pt>
+    <dgm:pt modelId="{1B898D90-8D85-544C-A519-61750EDAEAD2}" type="sibTrans" cxnId="{953E0F9B-DB0F-9247-B4AB-A986B22CDBAC}">
+      <dgm:prSet/>
+      <dgm:spPr/>
+      <dgm:t>
+        <a:bodyPr/>
+        <a:lstStyle/>
+        <a:p>
+          <a:endParaRPr lang="en-US"/>
+        </a:p>
+      </dgm:t>
+    </dgm:pt>
+    <dgm:pt modelId="{D2883D37-6A86-4F4D-ADCC-CF6AC98D6D79}">
+      <dgm:prSet/>
+      <dgm:spPr/>
+      <dgm:t>
+        <a:bodyPr/>
+        <a:lstStyle/>
+        <a:p>
+          <a:pPr>
+            <a:lnSpc>
+              <a:spcPct val="100000"/>
+            </a:lnSpc>
+            <a:defRPr b="1"/>
+          </a:pPr>
+          <a:r>
+            <a:rPr lang="en-US"/>
+            <a:t>Objectives:</a:t>
+          </a:r>
+        </a:p>
+      </dgm:t>
+    </dgm:pt>
+    <dgm:pt modelId="{12FC6469-DE3E-AD4A-8335-51C25074FF15}" type="parTrans" cxnId="{D0CC7858-0FA9-EB4A-BF3D-52F52AE9A191}">
+      <dgm:prSet/>
+      <dgm:spPr/>
+      <dgm:t>
+        <a:bodyPr/>
+        <a:lstStyle/>
+        <a:p>
+          <a:endParaRPr lang="en-US"/>
+        </a:p>
+      </dgm:t>
+    </dgm:pt>
+    <dgm:pt modelId="{61AD5765-EB00-0347-871F-654D41B048D7}" type="sibTrans" cxnId="{D0CC7858-0FA9-EB4A-BF3D-52F52AE9A191}">
+      <dgm:prSet/>
+      <dgm:spPr/>
+      <dgm:t>
+        <a:bodyPr/>
+        <a:lstStyle/>
+        <a:p>
+          <a:endParaRPr lang="en-US"/>
+        </a:p>
+      </dgm:t>
+    </dgm:pt>
+    <dgm:pt modelId="{410569F7-8F2C-4CDE-A7FD-87607CB5ABE5}" type="pres">
+      <dgm:prSet presAssocID="{37C8ADC4-A60E-124A-8E05-E826530620F6}" presName="root" presStyleCnt="0">
+        <dgm:presLayoutVars>
+          <dgm:dir/>
+          <dgm:resizeHandles val="exact"/>
+        </dgm:presLayoutVars>
+      </dgm:prSet>
+      <dgm:spPr/>
+    </dgm:pt>
+    <dgm:pt modelId="{8E7068CE-8561-4F5E-B58D-ECC90E60210E}" type="pres">
+      <dgm:prSet presAssocID="{47F9968B-00D9-ED45-A482-FB856EF11858}" presName="compNode" presStyleCnt="0"/>
+      <dgm:spPr/>
+    </dgm:pt>
+    <dgm:pt modelId="{104273B4-CFC3-4F48-88B3-0B0AE914EF13}" type="pres">
+      <dgm:prSet presAssocID="{47F9968B-00D9-ED45-A482-FB856EF11858}" presName="iconRect" presStyleLbl="node1" presStyleIdx="0" presStyleCnt="2" custLinFactX="141246" custLinFactNeighborX="200000" custLinFactNeighborY="-8930"/>
+      <dgm:spPr>
+        <a:blipFill rotWithShape="1">
+          <a:blip xmlns:r="http://schemas.openxmlformats.org/officeDocument/2006/relationships" r:embed="rId1">
+            <a:extLst>
+              <a:ext uri="{28A0092B-C50C-407E-A947-70E740481C1C}">
+                <a14:useLocalDpi xmlns:a14="http://schemas.microsoft.com/office/drawing/2010/main" val="0"/>
+              </a:ext>
+              <a:ext uri="{96DAC541-7B7A-43D3-8B79-37D633B846F1}">
+                <asvg:svgBlip xmlns:asvg="http://schemas.microsoft.com/office/drawing/2016/SVG/main" r:embed="rId2"/>
+              </a:ext>
+            </a:extLst>
+          </a:blip>
+          <a:srcRect/>
+          <a:stretch>
+            <a:fillRect/>
+          </a:stretch>
+        </a:blipFill>
+        <a:ln>
+          <a:noFill/>
+        </a:ln>
+      </dgm:spPr>
+    </dgm:pt>
+    <dgm:pt modelId="{98848127-5398-487B-9DEE-57F37AF9CC4E}" type="pres">
+      <dgm:prSet presAssocID="{47F9968B-00D9-ED45-A482-FB856EF11858}" presName="iconSpace" presStyleCnt="0"/>
+      <dgm:spPr/>
+    </dgm:pt>
+    <dgm:pt modelId="{85931157-7D38-4C4C-9328-9963D7DC5E08}" type="pres">
+      <dgm:prSet presAssocID="{47F9968B-00D9-ED45-A482-FB856EF11858}" presName="parTx" presStyleLbl="revTx" presStyleIdx="0" presStyleCnt="4">
+        <dgm:presLayoutVars>
+          <dgm:chMax val="0"/>
+          <dgm:chPref val="0"/>
+        </dgm:presLayoutVars>
+      </dgm:prSet>
+      <dgm:spPr/>
+    </dgm:pt>
+    <dgm:pt modelId="{B5B222C8-58C6-4ECF-9C17-CD8D85F378DF}" type="pres">
+      <dgm:prSet presAssocID="{47F9968B-00D9-ED45-A482-FB856EF11858}" presName="txSpace" presStyleCnt="0"/>
+      <dgm:spPr/>
+    </dgm:pt>
+    <dgm:pt modelId="{1B942084-9AAE-44ED-AE70-2481187C020E}" type="pres">
+      <dgm:prSet presAssocID="{47F9968B-00D9-ED45-A482-FB856EF11858}" presName="desTx" presStyleLbl="revTx" presStyleIdx="1" presStyleCnt="4" custScaleX="97790" custLinFactNeighborX="1476" custLinFactNeighborY="23812">
+        <dgm:presLayoutVars/>
+      </dgm:prSet>
+      <dgm:spPr/>
+    </dgm:pt>
+    <dgm:pt modelId="{FB6E4F61-BD6E-4D8D-9E85-C74FC905FFE3}" type="pres">
+      <dgm:prSet presAssocID="{A25CDBB1-429B-C742-A908-3ED9999DA34A}" presName="sibTrans" presStyleCnt="0"/>
+      <dgm:spPr/>
+    </dgm:pt>
+    <dgm:pt modelId="{FF1D08B6-0CF7-4F8C-BEB1-46AEE15C0239}" type="pres">
+      <dgm:prSet presAssocID="{D2883D37-6A86-4F4D-ADCC-CF6AC98D6D79}" presName="compNode" presStyleCnt="0"/>
+      <dgm:spPr/>
+    </dgm:pt>
+    <dgm:pt modelId="{F39B69E9-2841-4DA5-AA87-EB2CE2C47642}" type="pres">
+      <dgm:prSet presAssocID="{D2883D37-6A86-4F4D-ADCC-CF6AC98D6D79}" presName="iconRect" presStyleLbl="node1" presStyleIdx="1" presStyleCnt="2" custLinFactX="-140560" custLinFactNeighborX="-200000" custLinFactNeighborY="-15114"/>
+      <dgm:spPr>
+        <a:blipFill rotWithShape="1">
+          <a:blip xmlns:r="http://schemas.openxmlformats.org/officeDocument/2006/relationships" r:embed="rId3">
+            <a:extLst>
+              <a:ext uri="{28A0092B-C50C-407E-A947-70E740481C1C}">
+                <a14:useLocalDpi xmlns:a14="http://schemas.microsoft.com/office/drawing/2010/main" val="0"/>
+              </a:ext>
+              <a:ext uri="{96DAC541-7B7A-43D3-8B79-37D633B846F1}">
+                <asvg:svgBlip xmlns:asvg="http://schemas.microsoft.com/office/drawing/2016/SVG/main" r:embed="rId4"/>
+              </a:ext>
+            </a:extLst>
+          </a:blip>
+          <a:srcRect/>
+          <a:stretch>
+            <a:fillRect/>
+          </a:stretch>
+        </a:blipFill>
+        <a:ln>
+          <a:noFill/>
+        </a:ln>
+      </dgm:spPr>
+    </dgm:pt>
+    <dgm:pt modelId="{8F887353-D7C0-4A53-9D37-1B229730B85C}" type="pres">
+      <dgm:prSet presAssocID="{D2883D37-6A86-4F4D-ADCC-CF6AC98D6D79}" presName="iconSpace" presStyleCnt="0"/>
+      <dgm:spPr/>
+    </dgm:pt>
+    <dgm:pt modelId="{CCE6A0D2-4F85-402D-9235-0AAFA390BC9A}" type="pres">
+      <dgm:prSet presAssocID="{D2883D37-6A86-4F4D-ADCC-CF6AC98D6D79}" presName="parTx" presStyleLbl="revTx" presStyleIdx="2" presStyleCnt="4">
+        <dgm:presLayoutVars>
+          <dgm:chMax val="0"/>
+          <dgm:chPref val="0"/>
+        </dgm:presLayoutVars>
+      </dgm:prSet>
+      <dgm:spPr/>
+    </dgm:pt>
+    <dgm:pt modelId="{512059D8-475F-43AF-ACFE-018D023E9CA4}" type="pres">
+      <dgm:prSet presAssocID="{D2883D37-6A86-4F4D-ADCC-CF6AC98D6D79}" presName="txSpace" presStyleCnt="0"/>
+      <dgm:spPr/>
+    </dgm:pt>
+    <dgm:pt modelId="{9FAFE317-F86B-48A9-8B83-D88A19293BAF}" type="pres">
+      <dgm:prSet presAssocID="{D2883D37-6A86-4F4D-ADCC-CF6AC98D6D79}" presName="desTx" presStyleLbl="revTx" presStyleIdx="3" presStyleCnt="4" custLinFactNeighborY="10192">
+        <dgm:presLayoutVars/>
+      </dgm:prSet>
+      <dgm:spPr/>
+    </dgm:pt>
+  </dgm:ptLst>
+  <dgm:cxnLst>
+    <dgm:cxn modelId="{78803404-396F-4F4C-BCB9-BC06D0D3A8AB}" srcId="{37C8ADC4-A60E-124A-8E05-E826530620F6}" destId="{47F9968B-00D9-ED45-A482-FB856EF11858}" srcOrd="0" destOrd="0" parTransId="{3AB6400A-7D18-5D4E-84A6-8E232545A10B}" sibTransId="{A25CDBB1-429B-C742-A908-3ED9999DA34A}"/>
+    <dgm:cxn modelId="{7D3BD044-69E8-C044-B043-7F56D70B0180}" type="presOf" srcId="{D2883D37-6A86-4F4D-ADCC-CF6AC98D6D79}" destId="{CCE6A0D2-4F85-402D-9235-0AAFA390BC9A}" srcOrd="0" destOrd="0" presId="urn:microsoft.com/office/officeart/2018/5/layout/CenteredIconLabelDescriptionList"/>
+    <dgm:cxn modelId="{974E234D-2969-134F-9C35-E133631A263D}" type="presOf" srcId="{416087AF-B3CB-1D45-80CA-6D6B449039D2}" destId="{9FAFE317-F86B-48A9-8B83-D88A19293BAF}" srcOrd="0" destOrd="0" presId="urn:microsoft.com/office/officeart/2018/5/layout/CenteredIconLabelDescriptionList"/>
+    <dgm:cxn modelId="{D0CC7858-0FA9-EB4A-BF3D-52F52AE9A191}" srcId="{37C8ADC4-A60E-124A-8E05-E826530620F6}" destId="{D2883D37-6A86-4F4D-ADCC-CF6AC98D6D79}" srcOrd="1" destOrd="0" parTransId="{12FC6469-DE3E-AD4A-8335-51C25074FF15}" sibTransId="{61AD5765-EB00-0347-871F-654D41B048D7}"/>
+    <dgm:cxn modelId="{C594B359-6A0F-BB4E-81D6-FBF7131FD898}" type="presOf" srcId="{37C8ADC4-A60E-124A-8E05-E826530620F6}" destId="{410569F7-8F2C-4CDE-A7FD-87607CB5ABE5}" srcOrd="0" destOrd="0" presId="urn:microsoft.com/office/officeart/2018/5/layout/CenteredIconLabelDescriptionList"/>
+    <dgm:cxn modelId="{6536BB6F-6B51-B142-94EF-5F6BD8A1946E}" type="presOf" srcId="{6301F84D-15E9-7D44-8327-3373E217A5A8}" destId="{1B942084-9AAE-44ED-AE70-2481187C020E}" srcOrd="0" destOrd="0" presId="urn:microsoft.com/office/officeart/2018/5/layout/CenteredIconLabelDescriptionList"/>
+    <dgm:cxn modelId="{953E0F9B-DB0F-9247-B4AB-A986B22CDBAC}" srcId="{D2883D37-6A86-4F4D-ADCC-CF6AC98D6D79}" destId="{416087AF-B3CB-1D45-80CA-6D6B449039D2}" srcOrd="0" destOrd="0" parTransId="{18A83293-E837-D243-A62B-0F4B8D04B65C}" sibTransId="{1B898D90-8D85-544C-A519-61750EDAEAD2}"/>
+    <dgm:cxn modelId="{2BDCF2E9-F2E7-B84A-8FFC-49E935709FDB}" srcId="{47F9968B-00D9-ED45-A482-FB856EF11858}" destId="{6301F84D-15E9-7D44-8327-3373E217A5A8}" srcOrd="0" destOrd="0" parTransId="{FEAA65EE-730A-BC42-8470-5DD5E3A8BF4E}" sibTransId="{3CC0E853-B990-2645-9EE5-AFB50653447E}"/>
+    <dgm:cxn modelId="{046E45EA-08ED-6547-B362-6663D5A49692}" type="presOf" srcId="{47F9968B-00D9-ED45-A482-FB856EF11858}" destId="{85931157-7D38-4C4C-9328-9963D7DC5E08}" srcOrd="0" destOrd="0" presId="urn:microsoft.com/office/officeart/2018/5/layout/CenteredIconLabelDescriptionList"/>
+    <dgm:cxn modelId="{A4B8D7EA-16C1-5C43-B24D-D999C0B0C449}" type="presParOf" srcId="{410569F7-8F2C-4CDE-A7FD-87607CB5ABE5}" destId="{8E7068CE-8561-4F5E-B58D-ECC90E60210E}" srcOrd="0" destOrd="0" presId="urn:microsoft.com/office/officeart/2018/5/layout/CenteredIconLabelDescriptionList"/>
+    <dgm:cxn modelId="{B5D59542-8D1A-6A40-8A86-4F50853FD43D}" type="presParOf" srcId="{8E7068CE-8561-4F5E-B58D-ECC90E60210E}" destId="{104273B4-CFC3-4F48-88B3-0B0AE914EF13}" srcOrd="0" destOrd="0" presId="urn:microsoft.com/office/officeart/2018/5/layout/CenteredIconLabelDescriptionList"/>
+    <dgm:cxn modelId="{8D4C5049-8490-EA46-80FE-B461F8C2C7F1}" type="presParOf" srcId="{8E7068CE-8561-4F5E-B58D-ECC90E60210E}" destId="{98848127-5398-487B-9DEE-57F37AF9CC4E}" srcOrd="1" destOrd="0" presId="urn:microsoft.com/office/officeart/2018/5/layout/CenteredIconLabelDescriptionList"/>
+    <dgm:cxn modelId="{7EA994C8-F83C-EE48-A21E-37B7ADC2A7ED}" type="presParOf" srcId="{8E7068CE-8561-4F5E-B58D-ECC90E60210E}" destId="{85931157-7D38-4C4C-9328-9963D7DC5E08}" srcOrd="2" destOrd="0" presId="urn:microsoft.com/office/officeart/2018/5/layout/CenteredIconLabelDescriptionList"/>
+    <dgm:cxn modelId="{4E8AFD7F-5AB4-C14A-ABF6-FA4C6CBA40E5}" type="presParOf" srcId="{8E7068CE-8561-4F5E-B58D-ECC90E60210E}" destId="{B5B222C8-58C6-4ECF-9C17-CD8D85F378DF}" srcOrd="3" destOrd="0" presId="urn:microsoft.com/office/officeart/2018/5/layout/CenteredIconLabelDescriptionList"/>
+    <dgm:cxn modelId="{87D7779E-5E4B-D649-95EA-02D6C5ED3910}" type="presParOf" srcId="{8E7068CE-8561-4F5E-B58D-ECC90E60210E}" destId="{1B942084-9AAE-44ED-AE70-2481187C020E}" srcOrd="4" destOrd="0" presId="urn:microsoft.com/office/officeart/2018/5/layout/CenteredIconLabelDescriptionList"/>
+    <dgm:cxn modelId="{CFB45429-E1D9-3743-96B8-DC5B5C890D9A}" type="presParOf" srcId="{410569F7-8F2C-4CDE-A7FD-87607CB5ABE5}" destId="{FB6E4F61-BD6E-4D8D-9E85-C74FC905FFE3}" srcOrd="1" destOrd="0" presId="urn:microsoft.com/office/officeart/2018/5/layout/CenteredIconLabelDescriptionList"/>
+    <dgm:cxn modelId="{5EE708BD-06DC-EB46-9C4F-2ABBD7E00452}" type="presParOf" srcId="{410569F7-8F2C-4CDE-A7FD-87607CB5ABE5}" destId="{FF1D08B6-0CF7-4F8C-BEB1-46AEE15C0239}" srcOrd="2" destOrd="0" presId="urn:microsoft.com/office/officeart/2018/5/layout/CenteredIconLabelDescriptionList"/>
+    <dgm:cxn modelId="{B8235626-E30A-2B4E-ADA9-9D8CAE1BDA3D}" type="presParOf" srcId="{FF1D08B6-0CF7-4F8C-BEB1-46AEE15C0239}" destId="{F39B69E9-2841-4DA5-AA87-EB2CE2C47642}" srcOrd="0" destOrd="0" presId="urn:microsoft.com/office/officeart/2018/5/layout/CenteredIconLabelDescriptionList"/>
+    <dgm:cxn modelId="{48E357AC-FC88-B643-AD05-73DD45B7EABA}" type="presParOf" srcId="{FF1D08B6-0CF7-4F8C-BEB1-46AEE15C0239}" destId="{8F887353-D7C0-4A53-9D37-1B229730B85C}" srcOrd="1" destOrd="0" presId="urn:microsoft.com/office/officeart/2018/5/layout/CenteredIconLabelDescriptionList"/>
+    <dgm:cxn modelId="{2E2CE726-E4C5-CA42-88DC-6C5EEE7F2D40}" type="presParOf" srcId="{FF1D08B6-0CF7-4F8C-BEB1-46AEE15C0239}" destId="{CCE6A0D2-4F85-402D-9235-0AAFA390BC9A}" srcOrd="2" destOrd="0" presId="urn:microsoft.com/office/officeart/2018/5/layout/CenteredIconLabelDescriptionList"/>
+    <dgm:cxn modelId="{7E7EBD4A-4664-4C42-AA99-57629A0E8195}" type="presParOf" srcId="{FF1D08B6-0CF7-4F8C-BEB1-46AEE15C0239}" destId="{512059D8-475F-43AF-ACFE-018D023E9CA4}" srcOrd="3" destOrd="0" presId="urn:microsoft.com/office/officeart/2018/5/layout/CenteredIconLabelDescriptionList"/>
+    <dgm:cxn modelId="{EEFE3983-72A7-FE43-9FC3-A8B935A02F47}" type="presParOf" srcId="{FF1D08B6-0CF7-4F8C-BEB1-46AEE15C0239}" destId="{9FAFE317-F86B-48A9-8B83-D88A19293BAF}" srcOrd="4" destOrd="0" presId="urn:microsoft.com/office/officeart/2018/5/layout/CenteredIconLabelDescriptionList"/>
+  </dgm:cxnLst>
+  <dgm:bg>
+    <a:noFill/>
+  </dgm:bg>
+  <dgm:whole/>
+  <dgm:extLst>
+    <a:ext uri="http://schemas.microsoft.com/office/drawing/2008/diagram">
+      <dsp:dataModelExt xmlns:dsp="http://schemas.microsoft.com/office/drawing/2008/diagram" relId="rId6" minVer="http://schemas.openxmlformats.org/drawingml/2006/diagram"/>
+    </a:ext>
+  </dgm:extLst>
+</dgm:dataModel>
+</file>
+
+<file path=ppt/diagrams/drawing1.xml><?xml version="1.0" encoding="utf-8"?>
+<dsp:drawing xmlns:dgm="http://schemas.openxmlformats.org/drawingml/2006/diagram" xmlns:dsp="http://schemas.microsoft.com/office/drawing/2008/diagram" xmlns:a="http://schemas.openxmlformats.org/drawingml/2006/main">
+  <dsp:spTree>
+    <dsp:nvGrpSpPr>
+      <dsp:cNvPr id="0" name=""/>
+      <dsp:cNvGrpSpPr/>
+    </dsp:nvGrpSpPr>
+    <dsp:grpSpPr/>
+    <dsp:sp modelId="{104273B4-CFC3-4F48-88B3-0B0AE914EF13}">
+      <dsp:nvSpPr>
+        <dsp:cNvPr id="0" name=""/>
+        <dsp:cNvSpPr/>
+      </dsp:nvSpPr>
+      <dsp:spPr>
+        <a:xfrm>
+          <a:off x="5724904" y="622728"/>
+          <a:ext cx="1318570" cy="1318570"/>
+        </a:xfrm>
+        <a:prstGeom prst="rect">
+          <a:avLst/>
+        </a:prstGeom>
+        <a:blipFill rotWithShape="1">
+          <a:blip xmlns:r="http://schemas.openxmlformats.org/officeDocument/2006/relationships" r:embed="rId1">
+            <a:extLst>
+              <a:ext uri="{28A0092B-C50C-407E-A947-70E740481C1C}">
+                <a14:useLocalDpi xmlns:a14="http://schemas.microsoft.com/office/drawing/2010/main" val="0"/>
+              </a:ext>
+              <a:ext uri="{96DAC541-7B7A-43D3-8B79-37D633B846F1}">
+                <asvg:svgBlip xmlns:asvg="http://schemas.microsoft.com/office/drawing/2016/SVG/main" r:embed="rId2"/>
+              </a:ext>
+            </a:extLst>
+          </a:blip>
+          <a:srcRect/>
+          <a:stretch>
+            <a:fillRect/>
+          </a:stretch>
+        </a:blipFill>
+        <a:ln w="25400" cap="flat" cmpd="sng" algn="ctr">
+          <a:noFill/>
+          <a:prstDash val="solid"/>
+        </a:ln>
+        <a:effectLst/>
+      </dsp:spPr>
+      <dsp:style>
+        <a:lnRef idx="2">
+          <a:scrgbClr r="0" g="0" b="0"/>
+        </a:lnRef>
+        <a:fillRef idx="1">
+          <a:scrgbClr r="0" g="0" b="0"/>
+        </a:fillRef>
+        <a:effectRef idx="0">
+          <a:scrgbClr r="0" g="0" b="0"/>
+        </a:effectRef>
+        <a:fontRef idx="minor">
+          <a:schemeClr val="lt1"/>
+        </a:fontRef>
+      </dsp:style>
+    </dsp:sp>
+    <dsp:sp modelId="{85931157-7D38-4C4C-9328-9963D7DC5E08}">
+      <dsp:nvSpPr>
+        <dsp:cNvPr id="0" name=""/>
+        <dsp:cNvSpPr/>
+      </dsp:nvSpPr>
+      <dsp:spPr>
+        <a:xfrm>
+          <a:off x="949" y="2169948"/>
+          <a:ext cx="3767343" cy="565101"/>
+        </a:xfrm>
+        <a:prstGeom prst="rect">
+          <a:avLst/>
+        </a:prstGeom>
+        <a:noFill/>
+        <a:ln>
+          <a:noFill/>
+        </a:ln>
+        <a:effectLst/>
+      </dsp:spPr>
+      <dsp:style>
+        <a:lnRef idx="0">
+          <a:scrgbClr r="0" g="0" b="0"/>
+        </a:lnRef>
+        <a:fillRef idx="0">
+          <a:scrgbClr r="0" g="0" b="0"/>
+        </a:fillRef>
+        <a:effectRef idx="0">
+          <a:scrgbClr r="0" g="0" b="0"/>
+        </a:effectRef>
+        <a:fontRef idx="minor"/>
+      </dsp:style>
+      <dsp:txBody>
+        <a:bodyPr spcFirstLastPara="0" vert="horz" wrap="square" lIns="0" tIns="0" rIns="0" bIns="0" numCol="1" spcCol="1270" anchor="t" anchorCtr="0">
+          <a:noAutofit/>
+        </a:bodyPr>
+        <a:lstStyle/>
+        <a:p>
+          <a:pPr marL="0" lvl="0" indent="0" algn="ctr" defTabSz="1600200">
+            <a:lnSpc>
+              <a:spcPct val="100000"/>
+            </a:lnSpc>
+            <a:spcBef>
+              <a:spcPct val="0"/>
+            </a:spcBef>
+            <a:spcAft>
+              <a:spcPct val="35000"/>
+            </a:spcAft>
+            <a:buNone/>
+            <a:defRPr b="1"/>
+          </a:pPr>
+          <a:r>
+            <a:rPr lang="en-US" sz="3600" kern="1200" dirty="0"/>
+            <a:t>Background:</a:t>
+          </a:r>
+        </a:p>
+      </dsp:txBody>
+      <dsp:txXfrm>
+        <a:off x="949" y="2169948"/>
+        <a:ext cx="3767343" cy="565101"/>
+      </dsp:txXfrm>
+    </dsp:sp>
+    <dsp:sp modelId="{1B942084-9AAE-44ED-AE70-2481187C020E}">
+      <dsp:nvSpPr>
+        <dsp:cNvPr id="0" name=""/>
+        <dsp:cNvSpPr/>
+      </dsp:nvSpPr>
+      <dsp:spPr>
+        <a:xfrm>
+          <a:off x="96035" y="2844020"/>
+          <a:ext cx="3602667" cy="798430"/>
+        </a:xfrm>
+        <a:prstGeom prst="rect">
+          <a:avLst/>
+        </a:prstGeom>
+        <a:noFill/>
+        <a:ln>
+          <a:noFill/>
+        </a:ln>
+        <a:effectLst/>
+      </dsp:spPr>
+      <dsp:style>
+        <a:lnRef idx="0">
+          <a:scrgbClr r="0" g="0" b="0"/>
+        </a:lnRef>
+        <a:fillRef idx="0">
+          <a:scrgbClr r="0" g="0" b="0"/>
+        </a:fillRef>
+        <a:effectRef idx="0">
+          <a:scrgbClr r="0" g="0" b="0"/>
+        </a:effectRef>
+        <a:fontRef idx="minor"/>
+      </dsp:style>
+      <dsp:txBody>
+        <a:bodyPr spcFirstLastPara="0" vert="horz" wrap="square" lIns="0" tIns="0" rIns="0" bIns="0" numCol="1" spcCol="1270" anchor="t" anchorCtr="0">
+          <a:noAutofit/>
+        </a:bodyPr>
+        <a:lstStyle/>
+        <a:p>
+          <a:pPr marL="0" lvl="0" indent="0" algn="ctr" defTabSz="755650">
+            <a:lnSpc>
+              <a:spcPct val="100000"/>
+            </a:lnSpc>
+            <a:spcBef>
+              <a:spcPct val="0"/>
+            </a:spcBef>
+            <a:spcAft>
+              <a:spcPct val="35000"/>
+            </a:spcAft>
+            <a:buNone/>
+          </a:pPr>
+          <a:r>
+            <a:rPr lang="en-US" sz="1700" kern="1200" dirty="0"/>
+            <a:t>Client attended a predictive analytics conference; interested in intra-session/real-time conversion modeling.</a:t>
+          </a:r>
+        </a:p>
+      </dsp:txBody>
+      <dsp:txXfrm>
+        <a:off x="96035" y="2844020"/>
+        <a:ext cx="3602667" cy="798430"/>
+      </dsp:txXfrm>
+    </dsp:sp>
+    <dsp:sp modelId="{F39B69E9-2841-4DA5-AA87-EB2CE2C47642}">
+      <dsp:nvSpPr>
+        <dsp:cNvPr id="0" name=""/>
+        <dsp:cNvSpPr/>
+      </dsp:nvSpPr>
+      <dsp:spPr>
+        <a:xfrm>
+          <a:off x="1161441" y="607555"/>
+          <a:ext cx="1318570" cy="1318570"/>
+        </a:xfrm>
+        <a:prstGeom prst="rect">
+          <a:avLst/>
+        </a:prstGeom>
+        <a:blipFill rotWithShape="1">
+          <a:blip xmlns:r="http://schemas.openxmlformats.org/officeDocument/2006/relationships" r:embed="rId3">
+            <a:extLst>
+              <a:ext uri="{28A0092B-C50C-407E-A947-70E740481C1C}">
+                <a14:useLocalDpi xmlns:a14="http://schemas.microsoft.com/office/drawing/2010/main" val="0"/>
+              </a:ext>
+              <a:ext uri="{96DAC541-7B7A-43D3-8B79-37D633B846F1}">
+                <asvg:svgBlip xmlns:asvg="http://schemas.microsoft.com/office/drawing/2016/SVG/main" r:embed="rId4"/>
+              </a:ext>
+            </a:extLst>
+          </a:blip>
+          <a:srcRect/>
+          <a:stretch>
+            <a:fillRect/>
+          </a:stretch>
+        </a:blipFill>
+        <a:ln w="25400" cap="flat" cmpd="sng" algn="ctr">
+          <a:noFill/>
+          <a:prstDash val="solid"/>
+        </a:ln>
+        <a:effectLst/>
+      </dsp:spPr>
+      <dsp:style>
+        <a:lnRef idx="2">
+          <a:scrgbClr r="0" g="0" b="0"/>
+        </a:lnRef>
+        <a:fillRef idx="1">
+          <a:scrgbClr r="0" g="0" b="0"/>
+        </a:fillRef>
+        <a:effectRef idx="0">
+          <a:scrgbClr r="0" g="0" b="0"/>
+        </a:effectRef>
+        <a:fontRef idx="minor">
+          <a:schemeClr val="lt1"/>
+        </a:fontRef>
+      </dsp:style>
+    </dsp:sp>
+    <dsp:sp modelId="{CCE6A0D2-4F85-402D-9235-0AAFA390BC9A}">
+      <dsp:nvSpPr>
+        <dsp:cNvPr id="0" name=""/>
+        <dsp:cNvSpPr/>
+      </dsp:nvSpPr>
+      <dsp:spPr>
+        <a:xfrm>
+          <a:off x="4427578" y="2236316"/>
+          <a:ext cx="3767343" cy="565101"/>
+        </a:xfrm>
+        <a:prstGeom prst="rect">
+          <a:avLst/>
+        </a:prstGeom>
+        <a:noFill/>
+        <a:ln>
+          <a:noFill/>
+        </a:ln>
+        <a:effectLst/>
+      </dsp:spPr>
+      <dsp:style>
+        <a:lnRef idx="0">
+          <a:scrgbClr r="0" g="0" b="0"/>
+        </a:lnRef>
+        <a:fillRef idx="0">
+          <a:scrgbClr r="0" g="0" b="0"/>
+        </a:fillRef>
+        <a:effectRef idx="0">
+          <a:scrgbClr r="0" g="0" b="0"/>
+        </a:effectRef>
+        <a:fontRef idx="minor"/>
+      </dsp:style>
+      <dsp:txBody>
+        <a:bodyPr spcFirstLastPara="0" vert="horz" wrap="square" lIns="0" tIns="0" rIns="0" bIns="0" numCol="1" spcCol="1270" anchor="t" anchorCtr="0">
+          <a:noAutofit/>
+        </a:bodyPr>
+        <a:lstStyle/>
+        <a:p>
+          <a:pPr marL="0" lvl="0" indent="0" algn="ctr" defTabSz="1600200">
+            <a:lnSpc>
+              <a:spcPct val="100000"/>
+            </a:lnSpc>
+            <a:spcBef>
+              <a:spcPct val="0"/>
+            </a:spcBef>
+            <a:spcAft>
+              <a:spcPct val="35000"/>
+            </a:spcAft>
+            <a:buNone/>
+            <a:defRPr b="1"/>
+          </a:pPr>
+          <a:r>
+            <a:rPr lang="en-US" sz="3600" kern="1200"/>
+            <a:t>Objectives:</a:t>
+          </a:r>
+        </a:p>
+      </dsp:txBody>
+      <dsp:txXfrm>
+        <a:off x="4427578" y="2236316"/>
+        <a:ext cx="3767343" cy="565101"/>
+      </dsp:txXfrm>
+    </dsp:sp>
+    <dsp:sp modelId="{9FAFE317-F86B-48A9-8B83-D88A19293BAF}">
+      <dsp:nvSpPr>
+        <dsp:cNvPr id="0" name=""/>
+        <dsp:cNvSpPr/>
+      </dsp:nvSpPr>
+      <dsp:spPr>
+        <a:xfrm>
+          <a:off x="4427578" y="2907319"/>
+          <a:ext cx="3767343" cy="532961"/>
+        </a:xfrm>
+        <a:prstGeom prst="rect">
+          <a:avLst/>
+        </a:prstGeom>
+        <a:noFill/>
+        <a:ln>
+          <a:noFill/>
+        </a:ln>
+        <a:effectLst/>
+      </dsp:spPr>
+      <dsp:style>
+        <a:lnRef idx="0">
+          <a:scrgbClr r="0" g="0" b="0"/>
+        </a:lnRef>
+        <a:fillRef idx="0">
+          <a:scrgbClr r="0" g="0" b="0"/>
+        </a:fillRef>
+        <a:effectRef idx="0">
+          <a:scrgbClr r="0" g="0" b="0"/>
+        </a:effectRef>
+        <a:fontRef idx="minor"/>
+      </dsp:style>
+      <dsp:txBody>
+        <a:bodyPr spcFirstLastPara="0" vert="horz" wrap="square" lIns="0" tIns="0" rIns="0" bIns="0" numCol="1" spcCol="1270" anchor="t" anchorCtr="0">
+          <a:noAutofit/>
+        </a:bodyPr>
+        <a:lstStyle/>
+        <a:p>
+          <a:pPr marL="0" lvl="0" indent="0" algn="ctr" defTabSz="755650">
+            <a:lnSpc>
+              <a:spcPct val="100000"/>
+            </a:lnSpc>
+            <a:spcBef>
+              <a:spcPct val="0"/>
+            </a:spcBef>
+            <a:spcAft>
+              <a:spcPct val="35000"/>
+            </a:spcAft>
+            <a:buNone/>
+          </a:pPr>
+          <a:r>
+            <a:rPr lang="en-US" sz="1700" kern="1200" dirty="0"/>
+            <a:t>Provided raw data to build a propensity model and predict transaction likelihood.</a:t>
+          </a:r>
+        </a:p>
+      </dsp:txBody>
+      <dsp:txXfrm>
+        <a:off x="4427578" y="2907319"/>
+        <a:ext cx="3767343" cy="532961"/>
+      </dsp:txXfrm>
+    </dsp:sp>
+  </dsp:spTree>
+</dsp:drawing>
+</file>
+
+<file path=ppt/diagrams/layout1.xml><?xml version="1.0" encoding="utf-8"?>
+<dgm:layoutDef xmlns:dgm="http://schemas.openxmlformats.org/drawingml/2006/diagram" xmlns:a="http://schemas.openxmlformats.org/drawingml/2006/main" uniqueId="urn:microsoft.com/office/officeart/2018/5/layout/CenteredIconLabelDescriptionList">
+  <dgm:title val="Centered Icon Label Description List"/>
+  <dgm:desc val="Use to show non-sequential or grouped chunks of information. The placeholder holds an icon or small picture, and corresponding text boxes show Level 1 and Level 2 text respectively. Works well for minimal Level 1 text accompanied by lengthier Level two text."/>
+  <dgm:catLst>
+    <dgm:cat type="icon" pri="500"/>
+  </dgm:catLst>
+  <dgm:sampData useDef="1">
+    <dgm:dataModel>
+      <dgm:ptLst/>
+      <dgm:bg/>
+      <dgm:whole/>
+    </dgm:dataModel>
+  </dgm:sampData>
+  <dgm:styleData useDef="1">
+    <dgm:dataModel>
+      <dgm:ptLst/>
+      <dgm:bg/>
+      <dgm:whole/>
+    </dgm:dataModel>
+  </dgm:styleData>
+  <dgm:clrData useDef="1">
+    <dgm:dataModel>
+      <dgm:ptLst/>
+      <dgm:bg/>
+      <dgm:whole/>
+    </dgm:dataModel>
+  </dgm:clrData>
+  <dgm:layoutNode name="root">
+    <dgm:varLst>
+      <dgm:dir/>
+      <dgm:resizeHandles val="exact"/>
+    </dgm:varLst>
+    <dgm:choose name="Name0">
+      <dgm:if name="Name1" axis="self" func="var" arg="dir" op="equ" val="norm">
+        <dgm:alg type="lin"/>
+      </dgm:if>
+      <dgm:else name="Name2">
+        <dgm:alg type="lin">
+          <dgm:param type="linDir" val="fromR"/>
+        </dgm:alg>
+      </dgm:else>
+    </dgm:choose>
+    <dgm:shape xmlns:r="http://schemas.openxmlformats.org/officeDocument/2006/relationships" r:blip="">
+      <dgm:adjLst/>
+    </dgm:shape>
+    <dgm:presOf/>
+    <dgm:constrLst>
+      <dgm:constr type="h" for="ch" forName="compNode" refType="h" fact="0.45"/>
+      <dgm:constr type="w" for="ch" forName="compNode" val="120"/>
+      <dgm:constr type="w" for="ch" forName="sibTrans" refType="w" refFor="ch" refForName="compNode" fact="0.175"/>
+      <dgm:constr type="primFontSz" for="des" forName="parTx" val="36"/>
+      <dgm:constr type="primFontSz" for="des" forName="desTx" refType="primFontSz" refFor="des" refForName="parTx" op="lte" fact="0.75"/>
+      <dgm:constr type="h" for="des" forName="compNode" op="equ"/>
+      <dgm:constr type="h" for="des" forName="iconRect" op="equ"/>
+      <dgm:constr type="w" for="des" forName="iconRect" op="equ"/>
+      <dgm:constr type="h" for="des" forName="iconSpace" op="equ"/>
+      <dgm:constr type="h" for="des" forName="parTx" op="equ"/>
+      <dgm:constr type="h" for="des" forName="txSpace" op="equ"/>
+      <dgm:constr type="h" for="des" forName="desTx" op="equ"/>
+    </dgm:constrLst>
+    <dgm:ruleLst>
+      <dgm:rule type="w" for="ch" forName="compNode" val="0" fact="NaN" max="NaN"/>
+    </dgm:ruleLst>
+    <dgm:forEach name="Name3" axis="ch" ptType="node">
+      <dgm:layoutNode name="compNode">
+        <dgm:alg type="composite"/>
+        <dgm:shape xmlns:r="http://schemas.openxmlformats.org/officeDocument/2006/relationships" r:blip="">
+          <dgm:adjLst/>
+        </dgm:shape>
+        <dgm:presOf axis="self"/>
+        <dgm:constrLst>
+          <dgm:constr type="w" for="ch" forName="iconRect" refType="w" fact="0.35"/>
+          <dgm:constr type="h" for="ch" forName="iconRect" refType="w" refFor="ch" refForName="iconRect"/>
+          <dgm:constr type="ctrX" for="ch" forName="iconRect" refType="w" fact="0.5"/>
+          <dgm:constr type="t" for="ch" forName="iconRect"/>
+          <dgm:constr type="w" for="ch" forName="iconSpace" refType="w"/>
+          <dgm:constr type="h" for="ch" forName="iconSpace" refType="h" fact="0.043"/>
+          <dgm:constr type="l" for="ch" forName="iconSpace"/>
+          <dgm:constr type="t" for="ch" forName="iconSpace" refType="b" refFor="ch" refForName="iconRect"/>
+          <dgm:constr type="w" for="ch" forName="parTx" refType="w"/>
+          <dgm:constr type="h" for="ch" forName="parTx" refType="w" fact="0.15"/>
+          <dgm:constr type="l" for="ch" forName="parTx"/>
+          <dgm:constr type="t" for="ch" forName="parTx" refType="b" refFor="ch" refForName="iconSpace"/>
+          <dgm:constr type="h" for="ch" forName="txSpace" refType="h" fact="0.02"/>
+          <dgm:constr type="w" for="ch" forName="txSpace" refType="w"/>
+          <dgm:constr type="l" for="ch" forName="txSpace"/>
+          <dgm:constr type="t" for="ch" forName="txSpace" refType="b" refFor="ch" refForName="parTx"/>
+          <dgm:constr type="w" for="ch" forName="desTx" refType="w"/>
+          <dgm:constr type="l" for="ch" forName="desTx"/>
+          <dgm:constr type="t" for="ch" forName="desTx" refType="b" refFor="ch" refForName="txSpace"/>
+        </dgm:constrLst>
+        <dgm:ruleLst>
+          <dgm:rule type="h" val="INF" fact="NaN" max="NaN"/>
+        </dgm:ruleLst>
+        <dgm:layoutNode name="iconRect" styleLbl="node1">
+          <dgm:alg type="sp"/>
+          <dgm:shape xmlns:r="http://schemas.openxmlformats.org/officeDocument/2006/relationships" type="rect" r:blip="" blipPhldr="1">
+            <dgm:adjLst/>
+          </dgm:shape>
+          <dgm:presOf/>
+          <dgm:constrLst/>
+          <dgm:ruleLst/>
+        </dgm:layoutNode>
+        <dgm:layoutNode name="iconSpace">
+          <dgm:alg type="sp"/>
+          <dgm:shape xmlns:r="http://schemas.openxmlformats.org/officeDocument/2006/relationships" r:blip="">
+            <dgm:adjLst/>
+          </dgm:shape>
+          <dgm:presOf/>
+          <dgm:constrLst/>
+          <dgm:ruleLst/>
+        </dgm:layoutNode>
+        <dgm:layoutNode name="parTx" styleLbl="revTx">
+          <dgm:varLst>
+            <dgm:chMax val="0"/>
+            <dgm:chPref val="0"/>
+          </dgm:varLst>
+          <dgm:alg type="tx">
+            <dgm:param type="txAnchorVert" val="t"/>
+          </dgm:alg>
+          <dgm:shape xmlns:r="http://schemas.openxmlformats.org/officeDocument/2006/relationships" type="rect" r:blip="">
+            <dgm:adjLst/>
+          </dgm:shape>
+          <dgm:presOf axis="self" ptType="node"/>
+          <dgm:constrLst>
+            <dgm:constr type="lMarg"/>
+            <dgm:constr type="rMarg"/>
+            <dgm:constr type="tMarg"/>
+            <dgm:constr type="bMarg"/>
+          </dgm:constrLst>
+          <dgm:ruleLst>
+            <dgm:rule type="primFontSz" val="14" fact="NaN" max="NaN"/>
+            <dgm:rule type="h" val="INF" fact="NaN" max="NaN"/>
+          </dgm:ruleLst>
+        </dgm:layoutNode>
+        <dgm:layoutNode name="txSpace">
+          <dgm:alg type="sp"/>
+          <dgm:shape xmlns:r="http://schemas.openxmlformats.org/officeDocument/2006/relationships" r:blip="">
+            <dgm:adjLst/>
+          </dgm:shape>
+          <dgm:presOf/>
+          <dgm:constrLst/>
+          <dgm:ruleLst/>
+        </dgm:layoutNode>
+        <dgm:layoutNode name="desTx" styleLbl="revTx">
+          <dgm:varLst/>
+          <dgm:alg type="tx">
+            <dgm:param type="stBulletLvl" val="0"/>
+            <dgm:param type="txAnchorVert" val="t"/>
+          </dgm:alg>
+          <dgm:shape xmlns:r="http://schemas.openxmlformats.org/officeDocument/2006/relationships" type="rect" r:blip="">
+            <dgm:adjLst/>
+          </dgm:shape>
+          <dgm:presOf axis="des" ptType="node"/>
+          <dgm:constrLst>
+            <dgm:constr type="secFontSz" refType="primFontSz"/>
+            <dgm:constr type="lMarg"/>
+            <dgm:constr type="rMarg"/>
+            <dgm:constr type="tMarg"/>
+            <dgm:constr type="bMarg"/>
+          </dgm:constrLst>
+          <dgm:ruleLst>
+            <dgm:rule type="primFontSz" val="NaN" fact="NaN" max="17"/>
+            <dgm:rule type="h" val="INF" fact="NaN" max="NaN"/>
+          </dgm:ruleLst>
+        </dgm:layoutNode>
+      </dgm:layoutNode>
+      <dgm:forEach name="Name4" axis="followSib" ptType="sibTrans" cnt="1">
+        <dgm:layoutNode name="sibTrans">
+          <dgm:alg type="sp"/>
+          <dgm:shape xmlns:r="http://schemas.openxmlformats.org/officeDocument/2006/relationships" r:blip="">
+            <dgm:adjLst/>
+          </dgm:shape>
+          <dgm:presOf axis="self"/>
+          <dgm:constrLst/>
+          <dgm:ruleLst/>
+        </dgm:layoutNode>
+      </dgm:forEach>
+    </dgm:forEach>
+  </dgm:layoutNode>
+  <dgm:extLst>
+    <a:ext uri="{68A01E43-0DF5-4B5B-8FA6-DAF915123BFB}">
+      <dgm1612:lstStyle xmlns:dgm1612="http://schemas.microsoft.com/office/drawing/2016/12/diagram">
+        <a:lvl1pPr>
+          <a:lnSpc>
+            <a:spcPct val="100000"/>
+          </a:lnSpc>
+          <a:defRPr b="1"/>
+        </a:lvl1pPr>
+        <a:lvl2pPr>
+          <a:lnSpc>
+            <a:spcPct val="100000"/>
+          </a:lnSpc>
+        </a:lvl2pPr>
+      </dgm1612:lstStyle>
+    </a:ext>
+  </dgm:extLst>
+</dgm:layoutDef>
+</file>
+
+<file path=ppt/diagrams/quickStyle1.xml><?xml version="1.0" encoding="utf-8"?>
+<dgm:styleDef xmlns:dgm="http://schemas.openxmlformats.org/drawingml/2006/diagram" xmlns:a="http://schemas.openxmlformats.org/drawingml/2006/main" uniqueId="urn:microsoft.com/office/officeart/2005/8/quickstyle/simple1">
+  <dgm:title val=""/>
+  <dgm:desc val=""/>
+  <dgm:catLst>
+    <dgm:cat type="simple" pri="10100"/>
+  </dgm:catLst>
+  <dgm:scene3d>
+    <a:camera prst="orthographicFront"/>
+    <a:lightRig rig="threePt" dir="t"/>
+  </dgm:scene3d>
+  <dgm:styleLbl name="node0">
+    <dgm:scene3d>
+      <a:camera prst="orthographicFront"/>
+      <a:lightRig rig="threePt" dir="t"/>
+    </dgm:scene3d>
+    <dgm:sp3d/>
+    <dgm:txPr/>
+    <dgm:style>
+      <a:lnRef idx="2">
+        <a:scrgbClr r="0" g="0" b="0"/>
+      </a:lnRef>
+      <a:fillRef idx="1">
+        <a:scrgbClr r="0" g="0" b="0"/>
+      </a:fillRef>
+      <a:effectRef idx="0">
+        <a:scrgbClr r="0" g="0" b="0"/>
+      </a:effectRef>
+      <a:fontRef idx="minor">
+        <a:schemeClr val="lt1"/>
+      </a:fontRef>
+    </dgm:style>
+  </dgm:styleLbl>
+  <dgm:styleLbl name="lnNode1">
+    <dgm:scene3d>
+      <a:camera prst="orthographicFront"/>
+      <a:lightRig rig="threePt" dir="t"/>
+    </dgm:scene3d>
+    <dgm:sp3d/>
+    <dgm:txPr/>
+    <dgm:style>
+      <a:lnRef idx="2">
+        <a:scrgbClr r="0" g="0" b="0"/>
+      </a:lnRef>
+      <a:fillRef idx="1">
+        <a:scrgbClr r="0" g="0" b="0"/>
+      </a:fillRef>
+      <a:effectRef idx="0">
+        <a:scrgbClr r="0" g="0" b="0"/>
+      </a:effectRef>
+      <a:fontRef idx="minor">
+        <a:schemeClr val="lt1"/>
+      </a:fontRef>
+    </dgm:style>
+  </dgm:styleLbl>
+  <dgm:styleLbl name="vennNode1">
+    <dgm:scene3d>
+      <a:camera prst="orthographicFront"/>
+      <a:lightRig rig="threePt" dir="t"/>
+    </dgm:scene3d>
+    <dgm:sp3d/>
+    <dgm:txPr/>
+    <dgm:style>
+      <a:lnRef idx="2">
+        <a:scrgbClr r="0" g="0" b="0"/>
+      </a:lnRef>
+      <a:fillRef idx="1">
+        <a:scrgbClr r="0" g="0" b="0"/>
+      </a:fillRef>
+      <a:effectRef idx="0">
+        <a:scrgbClr r="0" g="0" b="0"/>
+      </a:effectRef>
+      <a:fontRef idx="minor">
+        <a:schemeClr val="tx1"/>
+      </a:fontRef>
+    </dgm:style>
+  </dgm:styleLbl>
+  <dgm:styleLbl name="alignNode1">
+    <dgm:scene3d>
+      <a:camera prst="orthographicFront"/>
+      <a:lightRig rig="threePt" dir="t"/>
+    </dgm:scene3d>
+    <dgm:sp3d/>
+    <dgm:txPr/>
+    <dgm:style>
+      <a:lnRef idx="2">
+        <a:scrgbClr r="0" g="0" b="0"/>
+      </a:lnRef>
+      <a:fillRef idx="1">
+        <a:scrgbClr r="0" g="0" b="0"/>
+      </a:fillRef>
+      <a:effectRef idx="0">
+        <a:scrgbClr r="0" g="0" b="0"/>
+      </a:effectRef>
+      <a:fontRef idx="minor">
+        <a:schemeClr val="lt1"/>
+      </a:fontRef>
+    </dgm:style>
+  </dgm:styleLbl>
+  <dgm:styleLbl name="node1">
+    <dgm:scene3d>
+      <a:camera prst="orthographicFront"/>
+      <a:lightRig rig="threePt" dir="t"/>
+    </dgm:scene3d>
+    <dgm:sp3d/>
+    <dgm:txPr/>
+    <dgm:style>
+      <a:lnRef idx="2">
+        <a:scrgbClr r="0" g="0" b="0"/>
+      </a:lnRef>
+      <a:fillRef idx="1">
+        <a:scrgbClr r="0" g="0" b="0"/>
+      </a:fillRef>
+      <a:effectRef idx="0">
+        <a:scrgbClr r="0" g="0" b="0"/>
+      </a:effectRef>
+      <a:fontRef idx="minor">
+        <a:schemeClr val="lt1"/>
+      </a:fontRef>
+    </dgm:style>
+  </dgm:styleLbl>
+  <dgm:styleLbl name="node2">
+    <dgm:scene3d>
+      <a:camera prst="orthographicFront"/>
+      <a:lightRig rig="threePt" dir="t"/>
+    </dgm:scene3d>
+    <dgm:sp3d/>
+    <dgm:txPr/>
+    <dgm:style>
+      <a:lnRef idx="2">
+        <a:scrgbClr r="0" g="0" b="0"/>
+      </a:lnRef>
+      <a:fillRef idx="1">
+        <a:scrgbClr r="0" g="0" b="0"/>
+      </a:fillRef>
+      <a:effectRef idx="0">
+        <a:scrgbClr r="0" g="0" b="0"/>
+      </a:effectRef>
+      <a:fontRef idx="minor">
+        <a:schemeClr val="lt1"/>
+      </a:fontRef>
+    </dgm:style>
+  </dgm:styleLbl>
+  <dgm:styleLbl name="node3">
+    <dgm:scene3d>
+      <a:camera prst="orthographicFront"/>
+      <a:lightRig rig="threePt" dir="t"/>
+    </dgm:scene3d>
+    <dgm:sp3d/>
+    <dgm:txPr/>
+    <dgm:style>
+      <a:lnRef idx="2">
+        <a:scrgbClr r="0" g="0" b="0"/>
+      </a:lnRef>
+      <a:fillRef idx="1">
+        <a:scrgbClr r="0" g="0" b="0"/>
+      </a:fillRef>
+      <a:effectRef idx="0">
+        <a:scrgbClr r="0" g="0" b="0"/>
+      </a:effectRef>
+      <a:fontRef idx="minor">
+        <a:schemeClr val="lt1"/>
+      </a:fontRef>
+    </dgm:style>
+  </dgm:styleLbl>
+  <dgm:styleLbl name="node4">
+    <dgm:scene3d>
+      <a:camera prst="orthographicFront"/>
+      <a:lightRig rig="threePt" dir="t"/>
+    </dgm:scene3d>
+    <dgm:sp3d/>
+    <dgm:txPr/>
+    <dgm:style>
+      <a:lnRef idx="2">
+        <a:scrgbClr r="0" g="0" b="0"/>
+      </a:lnRef>
+      <a:fillRef idx="1">
+        <a:scrgbClr r="0" g="0" b="0"/>
+      </a:fillRef>
+      <a:effectRef idx="0">
+        <a:scrgbClr r="0" g="0" b="0"/>
+      </a:effectRef>
+      <a:fontRef idx="minor">
+        <a:schemeClr val="lt1"/>
+      </a:fontRef>
+    </dgm:style>
+  </dgm:styleLbl>
+  <dgm:styleLbl name="fgImgPlace1">
+    <dgm:scene3d>
+      <a:camera prst="orthographicFront"/>
+      <a:lightRig rig="threePt" dir="t"/>
+    </dgm:scene3d>
+    <dgm:sp3d/>
+    <dgm:txPr/>
+    <dgm:style>
+      <a:lnRef idx="2">
+        <a:scrgbClr r="0" g="0" b="0"/>
+      </a:lnRef>
+      <a:fillRef idx="1">
+        <a:scrgbClr r="0" g="0" b="0"/>
+      </a:fillRef>
+      <a:effectRef idx="0">
+        <a:scrgbClr r="0" g="0" b="0"/>
+      </a:effectRef>
+      <a:fontRef idx="minor"/>
+    </dgm:style>
+  </dgm:styleLbl>
+  <dgm:styleLbl name="alignImgPlace1">
+    <dgm:scene3d>
+      <a:camera prst="orthographicFront"/>
+      <a:lightRig rig="threePt" dir="t"/>
+    </dgm:scene3d>
+    <dgm:sp3d/>
+    <dgm:txPr/>
+    <dgm:style>
+      <a:lnRef idx="2">
+        <a:scrgbClr r="0" g="0" b="0"/>
+      </a:lnRef>
+      <a:fillRef idx="1">
+        <a:scrgbClr r="0" g="0" b="0"/>
+      </a:fillRef>
+      <a:effectRef idx="0">
+        <a:scrgbClr r="0" g="0" b="0"/>
+      </a:effectRef>
+      <a:fontRef idx="minor"/>
+    </dgm:style>
+  </dgm:styleLbl>
+  <dgm:styleLbl name="bgImgPlace1">
+    <dgm:scene3d>
+      <a:camera prst="orthographicFront"/>
+      <a:lightRig rig="threePt" dir="t"/>
+    </dgm:scene3d>
+    <dgm:sp3d/>
+    <dgm:txPr/>
+    <dgm:style>
+      <a:lnRef idx="2">
+        <a:scrgbClr r="0" g="0" b="0"/>
+      </a:lnRef>
+      <a:fillRef idx="1">
+        <a:scrgbClr r="0" g="0" b="0"/>
+      </a:fillRef>
+      <a:effectRef idx="0">
+        <a:scrgbClr r="0" g="0" b="0"/>
+      </a:effectRef>
+      <a:fontRef idx="minor"/>
+    </dgm:style>
+  </dgm:styleLbl>
+  <dgm:styleLbl name="sibTrans2D1">
+    <dgm:scene3d>
+      <a:camera prst="orthographicFront"/>
+      <a:lightRig rig="threePt" dir="t"/>
+    </dgm:scene3d>
+    <dgm:sp3d/>
+    <dgm:txPr/>
+    <dgm:style>
+      <a:lnRef idx="0">
+        <a:scrgbClr r="0" g="0" b="0"/>
+      </a:lnRef>
+      <a:fillRef idx="1">
+        <a:scrgbClr r="0" g="0" b="0"/>
+      </a:fillRef>
+      <a:effectRef idx="0">
+        <a:scrgbClr r="0" g="0" b="0"/>
+      </a:effectRef>
+      <a:fontRef idx="minor">
+        <a:schemeClr val="lt1"/>
+      </a:fontRef>
+    </dgm:style>
+  </dgm:styleLbl>
+  <dgm:styleLbl name="fgSibTrans2D1">
+    <dgm:scene3d>
+      <a:camera prst="orthographicFront"/>
+      <a:lightRig rig="threePt" dir="t"/>
+    </dgm:scene3d>
+    <dgm:sp3d/>
+    <dgm:txPr/>
+    <dgm:style>
+      <a:lnRef idx="0">
+        <a:scrgbClr r="0" g="0" b="0"/>
+      </a:lnRef>
+      <a:fillRef idx="1">
+        <a:scrgbClr r="0" g="0" b="0"/>
+      </a:fillRef>
+      <a:effectRef idx="0">
+        <a:scrgbClr r="0" g="0" b="0"/>
+      </a:effectRef>
+      <a:fontRef idx="minor">
+        <a:schemeClr val="lt1"/>
+      </a:fontRef>
+    </dgm:style>
+  </dgm:styleLbl>
+  <dgm:styleLbl name="bgSibTrans2D1">
+    <dgm:scene3d>
+      <a:camera prst="orthographicFront"/>
+      <a:lightRig rig="threePt" dir="t"/>
+    </dgm:scene3d>
+    <dgm:sp3d/>
+    <dgm:txPr/>
+    <dgm:style>
+      <a:lnRef idx="0">
+        <a:scrgbClr r="0" g="0" b="0"/>
+      </a:lnRef>
+      <a:fillRef idx="1">
+        <a:scrgbClr r="0" g="0" b="0"/>
+      </a:fillRef>
+      <a:effectRef idx="0">
+        <a:scrgbClr r="0" g="0" b="0"/>
+      </a:effectRef>
+      <a:fontRef idx="minor">
+        <a:schemeClr val="lt1"/>
+      </a:fontRef>
+    </dgm:style>
+  </dgm:styleLbl>
+  <dgm:styleLbl name="sibTrans1D1">
+    <dgm:scene3d>
+      <a:camera prst="orthographicFront"/>
+      <a:lightRig rig="threePt" dir="t"/>
+    </dgm:scene3d>
+    <dgm:sp3d/>
+    <dgm:txPr/>
+    <dgm:style>
+      <a:lnRef idx="1">
+        <a:scrgbClr r="0" g="0" b="0"/>
+      </a:lnRef>
+      <a:fillRef idx="0">
+        <a:scrgbClr r="0" g="0" b="0"/>
+      </a:fillRef>
+      <a:effectRef idx="0">
+        <a:scrgbClr r="0" g="0" b="0"/>
+      </a:effectRef>
+      <a:fontRef idx="minor"/>
+    </dgm:style>
+  </dgm:styleLbl>
+  <dgm:styleLbl name="callout">
+    <dgm:scene3d>
+      <a:camera prst="orthographicFront"/>
+      <a:lightRig rig="threePt" dir="t"/>
+    </dgm:scene3d>
+    <dgm:sp3d/>
+    <dgm:txPr/>
+    <dgm:style>
+      <a:lnRef idx="2">
+        <a:scrgbClr r="0" g="0" b="0"/>
+      </a:lnRef>
+      <a:fillRef idx="1">
+        <a:scrgbClr r="0" g="0" b="0"/>
+      </a:fillRef>
+      <a:effectRef idx="0">
+        <a:scrgbClr r="0" g="0" b="0"/>
+      </a:effectRef>
+      <a:fontRef idx="minor"/>
+    </dgm:style>
+  </dgm:styleLbl>
+  <dgm:styleLbl name="asst0">
+    <dgm:scene3d>
+      <a:camera prst="orthographicFront"/>
+      <a:lightRig rig="threePt" dir="t"/>
+    </dgm:scene3d>
+    <dgm:sp3d/>
+    <dgm:txPr/>
+    <dgm:style>
+      <a:lnRef idx="2">
+        <a:scrgbClr r="0" g="0" b="0"/>
+      </a:lnRef>
+      <a:fillRef idx="1">
+        <a:scrgbClr r="0" g="0" b="0"/>
+      </a:fillRef>
+      <a:effectRef idx="0">
+        <a:scrgbClr r="0" g="0" b="0"/>
+      </a:effectRef>
+      <a:fontRef idx="minor">
+        <a:schemeClr val="lt1"/>
+      </a:fontRef>
+    </dgm:style>
+  </dgm:styleLbl>
+  <dgm:styleLbl name="asst1">
+    <dgm:scene3d>
+      <a:camera prst="orthographicFront"/>
+      <a:lightRig rig="threePt" dir="t"/>
+    </dgm:scene3d>
+    <dgm:sp3d/>
+    <dgm:txPr/>
+    <dgm:style>
+      <a:lnRef idx="2">
+        <a:scrgbClr r="0" g="0" b="0"/>
+      </a:lnRef>
+      <a:fillRef idx="1">
+        <a:scrgbClr r="0" g="0" b="0"/>
+      </a:fillRef>
+      <a:effectRef idx="0">
+        <a:scrgbClr r="0" g="0" b="0"/>
+      </a:effectRef>
+      <a:fontRef idx="minor">
+        <a:schemeClr val="lt1"/>
+      </a:fontRef>
+    </dgm:style>
+  </dgm:styleLbl>
+  <dgm:styleLbl name="asst2">
+    <dgm:scene3d>
+      <a:camera prst="orthographicFront"/>
+      <a:lightRig rig="threePt" dir="t"/>
+    </dgm:scene3d>
+    <dgm:sp3d/>
+    <dgm:txPr/>
+    <dgm:style>
+      <a:lnRef idx="2">
+        <a:scrgbClr r="0" g="0" b="0"/>
+      </a:lnRef>
+      <a:fillRef idx="1">
+        <a:scrgbClr r="0" g="0" b="0"/>
+      </a:fillRef>
+      <a:effectRef idx="0">
+        <a:scrgbClr r="0" g="0" b="0"/>
+      </a:effectRef>
+      <a:fontRef idx="minor">
+        <a:schemeClr val="lt1"/>
+      </a:fontRef>
+    </dgm:style>
+  </dgm:styleLbl>
+  <dgm:styleLbl name="asst3">
+    <dgm:scene3d>
+      <a:camera prst="orthographicFront"/>
+      <a:lightRig rig="threePt" dir="t"/>
+    </dgm:scene3d>
+    <dgm:sp3d/>
+    <dgm:txPr/>
+    <dgm:style>
+      <a:lnRef idx="2">
+        <a:scrgbClr r="0" g="0" b="0"/>
+      </a:lnRef>
+      <a:fillRef idx="1">
+        <a:scrgbClr r="0" g="0" b="0"/>
+      </a:fillRef>
+      <a:effectRef idx="0">
+        <a:scrgbClr r="0" g="0" b="0"/>
+      </a:effectRef>
+      <a:fontRef idx="minor">
+        <a:schemeClr val="lt1"/>
+      </a:fontRef>
+    </dgm:style>
+  </dgm:styleLbl>
+  <dgm:styleLbl name="asst4">
+    <dgm:scene3d>
+      <a:camera prst="orthographicFront"/>
+      <a:lightRig rig="threePt" dir="t"/>
+    </dgm:scene3d>
+    <dgm:sp3d/>
+    <dgm:txPr/>
+    <dgm:style>
+      <a:lnRef idx="2">
+        <a:scrgbClr r="0" g="0" b="0"/>
+      </a:lnRef>
+      <a:fillRef idx="1">
+        <a:scrgbClr r="0" g="0" b="0"/>
+      </a:fillRef>
+      <a:effectRef idx="0">
+        <a:scrgbClr r="0" g="0" b="0"/>
+      </a:effectRef>
+      <a:fontRef idx="minor">
+        <a:schemeClr val="lt1"/>
+      </a:fontRef>
+    </dgm:style>
+  </dgm:styleLbl>
+  <dgm:styleLbl name="parChTrans2D1">
+    <dgm:scene3d>
+      <a:camera prst="orthographicFront"/>
+      <a:lightRig rig="threePt" dir="t"/>
+    </dgm:scene3d>
+    <dgm:sp3d/>
+    <dgm:txPr/>
+    <dgm:style>
+      <a:lnRef idx="2">
+        <a:scrgbClr r="0" g="0" b="0"/>
+      </a:lnRef>
+      <a:fillRef idx="1">
+        <a:scrgbClr r="0" g="0" b="0"/>
+      </a:fillRef>
+      <a:effectRef idx="0">
+        <a:scrgbClr r="0" g="0" b="0"/>
+      </a:effectRef>
+      <a:fontRef idx="minor">
+        <a:schemeClr val="lt1"/>
+      </a:fontRef>
+    </dgm:style>
+  </dgm:styleLbl>
+  <dgm:styleLbl name="parChTrans2D2">
+    <dgm:scene3d>
+      <a:camera prst="orthographicFront"/>
+      <a:lightRig rig="threePt" dir="t"/>
+    </dgm:scene3d>
+    <dgm:sp3d/>
+    <dgm:txPr/>
+    <dgm:style>
+      <a:lnRef idx="2">
+        <a:scrgbClr r="0" g="0" b="0"/>
+      </a:lnRef>
+      <a:fillRef idx="1">
+        <a:scrgbClr r="0" g="0" b="0"/>
+      </a:fillRef>
+      <a:effectRef idx="0">
+        <a:scrgbClr r="0" g="0" b="0"/>
+      </a:effectRef>
+      <a:fontRef idx="minor">
+        <a:schemeClr val="lt1"/>
+      </a:fontRef>
+    </dgm:style>
+  </dgm:styleLbl>
+  <dgm:styleLbl name="parChTrans2D3">
+    <dgm:scene3d>
+      <a:camera prst="orthographicFront"/>
+      <a:lightRig rig="threePt" dir="t"/>
+    </dgm:scene3d>
+    <dgm:sp3d/>
+    <dgm:txPr/>
+    <dgm:style>
+      <a:lnRef idx="2">
+        <a:scrgbClr r="0" g="0" b="0"/>
+      </a:lnRef>
+      <a:fillRef idx="1">
+        <a:scrgbClr r="0" g="0" b="0"/>
+      </a:fillRef>
+      <a:effectRef idx="0">
+        <a:scrgbClr r="0" g="0" b="0"/>
+      </a:effectRef>
+      <a:fontRef idx="minor">
+        <a:schemeClr val="lt1"/>
+      </a:fontRef>
+    </dgm:style>
+  </dgm:styleLbl>
+  <dgm:styleLbl name="parChTrans2D4">
+    <dgm:scene3d>
+      <a:camera prst="orthographicFront"/>
+      <a:lightRig rig="threePt" dir="t"/>
+    </dgm:scene3d>
+    <dgm:sp3d/>
+    <dgm:txPr/>
+    <dgm:style>
+      <a:lnRef idx="2">
+        <a:scrgbClr r="0" g="0" b="0"/>
+      </a:lnRef>
+      <a:fillRef idx="1">
+        <a:scrgbClr r="0" g="0" b="0"/>
+      </a:fillRef>
+      <a:effectRef idx="0">
+        <a:scrgbClr r="0" g="0" b="0"/>
+      </a:effectRef>
+      <a:fontRef idx="minor">
+        <a:schemeClr val="lt1"/>
+      </a:fontRef>
+    </dgm:style>
+  </dgm:styleLbl>
+  <dgm:styleLbl name="parChTrans1D1">
+    <dgm:scene3d>
+      <a:camera prst="orthographicFront"/>
+      <a:lightRig rig="threePt" dir="t"/>
+    </dgm:scene3d>
+    <dgm:sp3d/>
+    <dgm:txPr/>
+    <dgm:style>
+      <a:lnRef idx="2">
+        <a:scrgbClr r="0" g="0" b="0"/>
+      </a:lnRef>
+      <a:fillRef idx="0">
+        <a:scrgbClr r="0" g="0" b="0"/>
+      </a:fillRef>
+      <a:effectRef idx="0">
+        <a:scrgbClr r="0" g="0" b="0"/>
+      </a:effectRef>
+      <a:fontRef idx="minor"/>
+    </dgm:style>
+  </dgm:styleLbl>
+  <dgm:styleLbl name="parChTrans1D2">
+    <dgm:scene3d>
+      <a:camera prst="orthographicFront"/>
+      <a:lightRig rig="threePt" dir="t"/>
+    </dgm:scene3d>
+    <dgm:sp3d/>
+    <dgm:txPr/>
+    <dgm:style>
+      <a:lnRef idx="2">
+        <a:scrgbClr r="0" g="0" b="0"/>
+      </a:lnRef>
+      <a:fillRef idx="0">
+        <a:scrgbClr r="0" g="0" b="0"/>
+      </a:fillRef>
+      <a:effectRef idx="0">
+        <a:scrgbClr r="0" g="0" b="0"/>
+      </a:effectRef>
+      <a:fontRef idx="minor"/>
+    </dgm:style>
+  </dgm:styleLbl>
+  <dgm:styleLbl name="parChTrans1D3">
+    <dgm:scene3d>
+      <a:camera prst="orthographicFront"/>
+      <a:lightRig rig="threePt" dir="t"/>
+    </dgm:scene3d>
+    <dgm:sp3d/>
+    <dgm:txPr/>
+    <dgm:style>
+      <a:lnRef idx="2">
+        <a:scrgbClr r="0" g="0" b="0"/>
+      </a:lnRef>
+      <a:fillRef idx="0">
+        <a:scrgbClr r="0" g="0" b="0"/>
+      </a:fillRef>
+      <a:effectRef idx="0">
+        <a:scrgbClr r="0" g="0" b="0"/>
+      </a:effectRef>
+      <a:fontRef idx="minor"/>
+    </dgm:style>
+  </dgm:styleLbl>
+  <dgm:styleLbl name="parChTrans1D4">
+    <dgm:scene3d>
+      <a:camera prst="orthographicFront"/>
+      <a:lightRig rig="threePt" dir="t"/>
+    </dgm:scene3d>
+    <dgm:sp3d/>
+    <dgm:txPr/>
+    <dgm:style>
+      <a:lnRef idx="2">
+        <a:scrgbClr r="0" g="0" b="0"/>
+      </a:lnRef>
+      <a:fillRef idx="0">
+        <a:scrgbClr r="0" g="0" b="0"/>
+      </a:fillRef>
+      <a:effectRef idx="0">
+        <a:scrgbClr r="0" g="0" b="0"/>
+      </a:effectRef>
+      <a:fontRef idx="minor"/>
+    </dgm:style>
+  </dgm:styleLbl>
+  <dgm:styleLbl name="fgAcc1">
+    <dgm:scene3d>
+      <a:camera prst="orthographicFront"/>
+      <a:lightRig rig="threePt" dir="t"/>
+    </dgm:scene3d>
+    <dgm:sp3d/>
+    <dgm:txPr/>
+    <dgm:style>
+      <a:lnRef idx="2">
+        <a:scrgbClr r="0" g="0" b="0"/>
+      </a:lnRef>
+      <a:fillRef idx="1">
+        <a:scrgbClr r="0" g="0" b="0"/>
+      </a:fillRef>
+      <a:effectRef idx="0">
+        <a:scrgbClr r="0" g="0" b="0"/>
+      </a:effectRef>
+      <a:fontRef idx="minor"/>
+    </dgm:style>
+  </dgm:styleLbl>
+  <dgm:styleLbl name="conFgAcc1">
+    <dgm:scene3d>
+      <a:camera prst="orthographicFront"/>
+      <a:lightRig rig="threePt" dir="t"/>
+    </dgm:scene3d>
+    <dgm:sp3d/>
+    <dgm:txPr/>
+    <dgm:style>
+      <a:lnRef idx="2">
+        <a:scrgbClr r="0" g="0" b="0"/>
+      </a:lnRef>
+      <a:fillRef idx="1">
+        <a:scrgbClr r="0" g="0" b="0"/>
+      </a:fillRef>
+      <a:effectRef idx="0">
+        <a:scrgbClr r="0" g="0" b="0"/>
+      </a:effectRef>
+      <a:fontRef idx="minor"/>
+    </dgm:style>
+  </dgm:styleLbl>
+  <dgm:styleLbl name="alignAcc1">
+    <dgm:scene3d>
+      <a:camera prst="orthographicFront"/>
+      <a:lightRig rig="threePt" dir="t"/>
+    </dgm:scene3d>
+    <dgm:sp3d/>
+    <dgm:txPr/>
+    <dgm:style>
+      <a:lnRef idx="2">
+        <a:scrgbClr r="0" g="0" b="0"/>
+      </a:lnRef>
+      <a:fillRef idx="1">
+        <a:scrgbClr r="0" g="0" b="0"/>
+      </a:fillRef>
+      <a:effectRef idx="0">
+        <a:scrgbClr r="0" g="0" b="0"/>
+      </a:effectRef>
+      <a:fontRef idx="minor"/>
+    </dgm:style>
+  </dgm:styleLbl>
+  <dgm:styleLbl name="trAlignAcc1">
+    <dgm:scene3d>
+      <a:camera prst="orthographicFront"/>
+      <a:lightRig rig="threePt" dir="t"/>
+    </dgm:scene3d>
+    <dgm:sp3d/>
+    <dgm:txPr/>
+    <dgm:style>
+      <a:lnRef idx="1">
+        <a:scrgbClr r="0" g="0" b="0"/>
+      </a:lnRef>
+      <a:fillRef idx="1">
+        <a:scrgbClr r="0" g="0" b="0"/>
+      </a:fillRef>
+      <a:effectRef idx="0">
+        <a:scrgbClr r="0" g="0" b="0"/>
+      </a:effectRef>
+      <a:fontRef idx="minor"/>
+    </dgm:style>
+  </dgm:styleLbl>
+  <dgm:styleLbl name="bgAcc1">
+    <dgm:scene3d>
+      <a:camera prst="orthographicFront"/>
+      <a:lightRig rig="threePt" dir="t"/>
+    </dgm:scene3d>
+    <dgm:sp3d/>
+    <dgm:txPr/>
+    <dgm:style>
+      <a:lnRef idx="2">
+        <a:scrgbClr r="0" g="0" b="0"/>
+      </a:lnRef>
+      <a:fillRef idx="1">
+        <a:scrgbClr r="0" g="0" b="0"/>
+      </a:fillRef>
+      <a:effectRef idx="0">
+        <a:scrgbClr r="0" g="0" b="0"/>
+      </a:effectRef>
+      <a:fontRef idx="minor"/>
+    </dgm:style>
+  </dgm:styleLbl>
+  <dgm:styleLbl name="solidFgAcc1">
+    <dgm:scene3d>
+      <a:camera prst="orthographicFront"/>
+      <a:lightRig rig="threePt" dir="t"/>
+    </dgm:scene3d>
+    <dgm:sp3d/>
+    <dgm:txPr/>
+    <dgm:style>
+      <a:lnRef idx="2">
+        <a:scrgbClr r="0" g="0" b="0"/>
+      </a:lnRef>
+      <a:fillRef idx="1">
+        <a:scrgbClr r="0" g="0" b="0"/>
+      </a:fillRef>
+      <a:effectRef idx="0">
+        <a:scrgbClr r="0" g="0" b="0"/>
+      </a:effectRef>
+      <a:fontRef idx="minor"/>
+    </dgm:style>
+  </dgm:styleLbl>
+  <dgm:styleLbl name="solidAlignAcc1">
+    <dgm:scene3d>
+      <a:camera prst="orthographicFront"/>
+      <a:lightRig rig="threePt" dir="t"/>
+    </dgm:scene3d>
+    <dgm:sp3d/>
+    <dgm:txPr/>
+    <dgm:style>
+      <a:lnRef idx="2">
+        <a:scrgbClr r="0" g="0" b="0"/>
+      </a:lnRef>
+      <a:fillRef idx="1">
+        <a:scrgbClr r="0" g="0" b="0"/>
+      </a:fillRef>
+      <a:effectRef idx="0">
+        <a:scrgbClr r="0" g="0" b="0"/>
+      </a:effectRef>
+      <a:fontRef idx="minor"/>
+    </dgm:style>
+  </dgm:styleLbl>
+  <dgm:styleLbl name="solidBgAcc1">
+    <dgm:scene3d>
+      <a:camera prst="orthographicFront"/>
+      <a:lightRig rig="threePt" dir="t"/>
+    </dgm:scene3d>
+    <dgm:sp3d/>
+    <dgm:txPr/>
+    <dgm:style>
+      <a:lnRef idx="2">
+        <a:scrgbClr r="0" g="0" b="0"/>
+      </a:lnRef>
+      <a:fillRef idx="1">
+        <a:scrgbClr r="0" g="0" b="0"/>
+      </a:fillRef>
+      <a:effectRef idx="0">
+        <a:scrgbClr r="0" g="0" b="0"/>
+      </a:effectRef>
+      <a:fontRef idx="minor"/>
+    </dgm:style>
+  </dgm:styleLbl>
+  <dgm:styleLbl name="fgAccFollowNode1">
+    <dgm:scene3d>
+      <a:camera prst="orthographicFront"/>
+      <a:lightRig rig="threePt" dir="t"/>
+    </dgm:scene3d>
+    <dgm:sp3d/>
+    <dgm:txPr/>
+    <dgm:style>
+      <a:lnRef idx="2">
+        <a:scrgbClr r="0" g="0" b="0"/>
+      </a:lnRef>
+      <a:fillRef idx="1">
+        <a:scrgbClr r="0" g="0" b="0"/>
+      </a:fillRef>
+      <a:effectRef idx="0">
+        <a:scrgbClr r="0" g="0" b="0"/>
+      </a:effectRef>
+      <a:fontRef idx="minor"/>
+    </dgm:style>
+  </dgm:styleLbl>
+  <dgm:styleLbl name="alignAccFollowNode1">
+    <dgm:scene3d>
+      <a:camera prst="orthographicFront"/>
+      <a:lightRig rig="threePt" dir="t"/>
+    </dgm:scene3d>
+    <dgm:sp3d/>
+    <dgm:txPr/>
+    <dgm:style>
+      <a:lnRef idx="2">
+        <a:scrgbClr r="0" g="0" b="0"/>
+      </a:lnRef>
+      <a:fillRef idx="1">
+        <a:scrgbClr r="0" g="0" b="0"/>
+      </a:fillRef>
+      <a:effectRef idx="0">
+        <a:scrgbClr r="0" g="0" b="0"/>
+      </a:effectRef>
+      <a:fontRef idx="minor"/>
+    </dgm:style>
+  </dgm:styleLbl>
+  <dgm:styleLbl name="bgAccFollowNode1">
+    <dgm:scene3d>
+      <a:camera prst="orthographicFront"/>
+      <a:lightRig rig="threePt" dir="t"/>
+    </dgm:scene3d>
+    <dgm:sp3d/>
+    <dgm:txPr/>
+    <dgm:style>
+      <a:lnRef idx="2">
+        <a:scrgbClr r="0" g="0" b="0"/>
+      </a:lnRef>
+      <a:fillRef idx="1">
+        <a:scrgbClr r="0" g="0" b="0"/>
+      </a:fillRef>
+      <a:effectRef idx="0">
+        <a:scrgbClr r="0" g="0" b="0"/>
+      </a:effectRef>
+      <a:fontRef idx="minor"/>
+    </dgm:style>
+  </dgm:styleLbl>
+  <dgm:styleLbl name="fgAcc0">
+    <dgm:scene3d>
+      <a:camera prst="orthographicFront"/>
+      <a:lightRig rig="threePt" dir="t"/>
+    </dgm:scene3d>
+    <dgm:sp3d/>
+    <dgm:txPr/>
+    <dgm:style>
+      <a:lnRef idx="2">
+        <a:scrgbClr r="0" g="0" b="0"/>
+      </a:lnRef>
+      <a:fillRef idx="1">
+        <a:scrgbClr r="0" g="0" b="0"/>
+      </a:fillRef>
+      <a:effectRef idx="0">
+        <a:scrgbClr r="0" g="0" b="0"/>
+      </a:effectRef>
+      <a:fontRef idx="minor"/>
+    </dgm:style>
+  </dgm:styleLbl>
+  <dgm:styleLbl name="fgAcc2">
+    <dgm:scene3d>
+      <a:camera prst="orthographicFront"/>
+      <a:lightRig rig="threePt" dir="t"/>
+    </dgm:scene3d>
+    <dgm:sp3d/>
+    <dgm:txPr/>
+    <dgm:style>
+      <a:lnRef idx="2">
+        <a:scrgbClr r="0" g="0" b="0"/>
+      </a:lnRef>
+      <a:fillRef idx="1">
+        <a:scrgbClr r="0" g="0" b="0"/>
+      </a:fillRef>
+      <a:effectRef idx="0">
+        <a:scrgbClr r="0" g="0" b="0"/>
+      </a:effectRef>
+      <a:fontRef idx="minor"/>
+    </dgm:style>
+  </dgm:styleLbl>
+  <dgm:styleLbl name="fgAcc3">
+    <dgm:scene3d>
+      <a:camera prst="orthographicFront"/>
+      <a:lightRig rig="threePt" dir="t"/>
+    </dgm:scene3d>
+    <dgm:sp3d/>
+    <dgm:txPr/>
+    <dgm:style>
+      <a:lnRef idx="2">
+        <a:scrgbClr r="0" g="0" b="0"/>
+      </a:lnRef>
+      <a:fillRef idx="1">
+        <a:scrgbClr r="0" g="0" b="0"/>
+      </a:fillRef>
+      <a:effectRef idx="0">
+        <a:scrgbClr r="0" g="0" b="0"/>
+      </a:effectRef>
+      <a:fontRef idx="minor"/>
+    </dgm:style>
+  </dgm:styleLbl>
+  <dgm:styleLbl name="fgAcc4">
+    <dgm:scene3d>
+      <a:camera prst="orthographicFront"/>
+      <a:lightRig rig="threePt" dir="t"/>
+    </dgm:scene3d>
+    <dgm:sp3d/>
+    <dgm:txPr/>
+    <dgm:style>
+      <a:lnRef idx="2">
+        <a:scrgbClr r="0" g="0" b="0"/>
+      </a:lnRef>
+      <a:fillRef idx="1">
+        <a:scrgbClr r="0" g="0" b="0"/>
+      </a:fillRef>
+      <a:effectRef idx="0">
+        <a:scrgbClr r="0" g="0" b="0"/>
+      </a:effectRef>
+      <a:fontRef idx="minor"/>
+    </dgm:style>
+  </dgm:styleLbl>
+  <dgm:styleLbl name="bgShp">
+    <dgm:scene3d>
+      <a:camera prst="orthographicFront"/>
+      <a:lightRig rig="threePt" dir="t"/>
+    </dgm:scene3d>
+    <dgm:sp3d/>
+    <dgm:txPr/>
+    <dgm:style>
+      <a:lnRef idx="0">
+        <a:scrgbClr r="0" g="0" b="0"/>
+      </a:lnRef>
+      <a:fillRef idx="1">
+        <a:scrgbClr r="0" g="0" b="0"/>
+      </a:fillRef>
+      <a:effectRef idx="0">
+        <a:scrgbClr r="0" g="0" b="0"/>
+      </a:effectRef>
+      <a:fontRef idx="minor"/>
+    </dgm:style>
+  </dgm:styleLbl>
+  <dgm:styleLbl name="dkBgShp">
+    <dgm:scene3d>
+      <a:camera prst="orthographicFront"/>
+      <a:lightRig rig="threePt" dir="t"/>
+    </dgm:scene3d>
+    <dgm:sp3d/>
+    <dgm:txPr/>
+    <dgm:style>
+      <a:lnRef idx="0">
+        <a:scrgbClr r="0" g="0" b="0"/>
+      </a:lnRef>
+      <a:fillRef idx="1">
+        <a:scrgbClr r="0" g="0" b="0"/>
+      </a:fillRef>
+      <a:effectRef idx="0">
+        <a:scrgbClr r="0" g="0" b="0"/>
+      </a:effectRef>
+      <a:fontRef idx="minor"/>
+    </dgm:style>
+  </dgm:styleLbl>
+  <dgm:styleLbl name="trBgShp">
+    <dgm:scene3d>
+      <a:camera prst="orthographicFront"/>
+      <a:lightRig rig="threePt" dir="t"/>
+    </dgm:scene3d>
+    <dgm:sp3d/>
+    <dgm:txPr/>
+    <dgm:style>
+      <a:lnRef idx="0">
+        <a:scrgbClr r="0" g="0" b="0"/>
+      </a:lnRef>
+      <a:fillRef idx="1">
+        <a:scrgbClr r="0" g="0" b="0"/>
+      </a:fillRef>
+      <a:effectRef idx="0">
+        <a:scrgbClr r="0" g="0" b="0"/>
+      </a:effectRef>
+      <a:fontRef idx="minor"/>
+    </dgm:style>
+  </dgm:styleLbl>
+  <dgm:styleLbl name="fgShp">
+    <dgm:scene3d>
+      <a:camera prst="orthographicFront"/>
+      <a:lightRig rig="threePt" dir="t"/>
+    </dgm:scene3d>
+    <dgm:sp3d/>
+    <dgm:txPr/>
+    <dgm:style>
+      <a:lnRef idx="2">
+        <a:scrgbClr r="0" g="0" b="0"/>
+      </a:lnRef>
+      <a:fillRef idx="1">
+        <a:scrgbClr r="0" g="0" b="0"/>
+      </a:fillRef>
+      <a:effectRef idx="0">
+        <a:scrgbClr r="0" g="0" b="0"/>
+      </a:effectRef>
+      <a:fontRef idx="minor"/>
+    </dgm:style>
+  </dgm:styleLbl>
+  <dgm:styleLbl name="revTx">
+    <dgm:scene3d>
+      <a:camera prst="orthographicFront"/>
+      <a:lightRig rig="threePt" dir="t"/>
+    </dgm:scene3d>
+    <dgm:sp3d/>
+    <dgm:txPr/>
+    <dgm:style>
+      <a:lnRef idx="0">
+        <a:scrgbClr r="0" g="0" b="0"/>
+      </a:lnRef>
+      <a:fillRef idx="0">
+        <a:scrgbClr r="0" g="0" b="0"/>
+      </a:fillRef>
+      <a:effectRef idx="0">
+        <a:scrgbClr r="0" g="0" b="0"/>
+      </a:effectRef>
+      <a:fontRef idx="minor"/>
+    </dgm:style>
+  </dgm:styleLbl>
+</dgm:styleDef>
+</file>
+
+<file path=ppt/notesMasters/notesMaster1.xml><?xml version="1.0" encoding="utf-8"?>
+<p:notesMaster xmlns:a="http://schemas.openxmlformats.org/drawingml/2006/main" xmlns:r="http://schemas.openxmlformats.org/officeDocument/2006/relationships" xmlns:p="http://schemas.openxmlformats.org/presentationml/2006/main">
+  <p:cSld>
+    <p:bg>
+      <p:bgRef idx="1001">
+        <a:schemeClr val="bg1"/>
+      </p:bgRef>
+    </p:bg>
+    <p:spTree>
+      <p:nvGrpSpPr>
+        <p:cNvPr id="1" name=""/>
+        <p:cNvGrpSpPr/>
+        <p:nvPr/>
+      </p:nvGrpSpPr>
+      <p:grpSpPr>
+        <a:xfrm>
+          <a:off x="0" y="0"/>
+          <a:ext cx="0" cy="0"/>
+          <a:chOff x="0" y="0"/>
+          <a:chExt cx="0" cy="0"/>
+        </a:xfrm>
+      </p:grpSpPr>
+      <p:sp>
+        <p:nvSpPr>
+          <p:cNvPr id="2" name="Header Placeholder 1"/>
+          <p:cNvSpPr>
+            <a:spLocks noGrp="1"/>
+          </p:cNvSpPr>
+          <p:nvPr>
+            <p:ph type="hdr" sz="quarter"/>
+          </p:nvPr>
+        </p:nvSpPr>
+        <p:spPr>
+          <a:xfrm>
+            <a:off x="0" y="0"/>
+            <a:ext cx="2971800" cy="458788"/>
+          </a:xfrm>
+          <a:prstGeom prst="rect">
+            <a:avLst/>
+          </a:prstGeom>
+        </p:spPr>
+        <p:txBody>
+          <a:bodyPr vert="horz" lIns="91440" tIns="45720" rIns="91440" bIns="45720" rtlCol="0"/>
+          <a:lstStyle>
+            <a:lvl1pPr algn="l">
+              <a:defRPr sz="1200"/>
+            </a:lvl1pPr>
+          </a:lstStyle>
+          <a:p>
+            <a:endParaRPr lang="en-US"/>
+          </a:p>
+        </p:txBody>
+      </p:sp>
+      <p:sp>
+        <p:nvSpPr>
+          <p:cNvPr id="3" name="Date Placeholder 2"/>
+          <p:cNvSpPr>
+            <a:spLocks noGrp="1"/>
+          </p:cNvSpPr>
+          <p:nvPr>
+            <p:ph type="dt" idx="1"/>
+          </p:nvPr>
+        </p:nvSpPr>
+        <p:spPr>
+          <a:xfrm>
+            <a:off x="3884613" y="0"/>
+            <a:ext cx="2971800" cy="458788"/>
+          </a:xfrm>
+          <a:prstGeom prst="rect">
+            <a:avLst/>
+          </a:prstGeom>
+        </p:spPr>
+        <p:txBody>
+          <a:bodyPr vert="horz" lIns="91440" tIns="45720" rIns="91440" bIns="45720" rtlCol="0"/>
+          <a:lstStyle>
+            <a:lvl1pPr algn="r">
+              <a:defRPr sz="1200"/>
+            </a:lvl1pPr>
+          </a:lstStyle>
+          <a:p>
+            <a:fld id="{DCA9E78E-5977-4D48-ACF5-FAD3B2D24AD3}" type="datetimeFigureOut">
+              <a:rPr lang="en-US" smtClean="0"/>
+              <a:t>10/30/24</a:t>
+            </a:fld>
+            <a:endParaRPr lang="en-US"/>
+          </a:p>
+        </p:txBody>
+      </p:sp>
+      <p:sp>
+        <p:nvSpPr>
+          <p:cNvPr id="4" name="Slide Image Placeholder 3"/>
+          <p:cNvSpPr>
+            <a:spLocks noGrp="1" noRot="1" noChangeAspect="1"/>
+          </p:cNvSpPr>
+          <p:nvPr>
+            <p:ph type="sldImg" idx="2"/>
+          </p:nvPr>
+        </p:nvSpPr>
+        <p:spPr>
+          <a:xfrm>
+            <a:off x="1371600" y="1143000"/>
+            <a:ext cx="4114800" cy="3086100"/>
+          </a:xfrm>
+          <a:prstGeom prst="rect">
+            <a:avLst/>
+          </a:prstGeom>
+          <a:noFill/>
+          <a:ln w="12700">
+            <a:solidFill>
+              <a:prstClr val="black"/>
+            </a:solidFill>
+          </a:ln>
+        </p:spPr>
+        <p:txBody>
+          <a:bodyPr vert="horz" lIns="91440" tIns="45720" rIns="91440" bIns="45720" rtlCol="0" anchor="ctr"/>
+          <a:lstStyle/>
+          <a:p>
+            <a:endParaRPr lang="en-US"/>
+          </a:p>
+        </p:txBody>
+      </p:sp>
+      <p:sp>
+        <p:nvSpPr>
+          <p:cNvPr id="5" name="Notes Placeholder 4"/>
+          <p:cNvSpPr>
+            <a:spLocks noGrp="1"/>
+          </p:cNvSpPr>
+          <p:nvPr>
+            <p:ph type="body" sz="quarter" idx="3"/>
+          </p:nvPr>
+        </p:nvSpPr>
+        <p:spPr>
+          <a:xfrm>
+            <a:off x="685800" y="4400550"/>
+            <a:ext cx="5486400" cy="3600450"/>
+          </a:xfrm>
+          <a:prstGeom prst="rect">
+            <a:avLst/>
+          </a:prstGeom>
+        </p:spPr>
+        <p:txBody>
+          <a:bodyPr vert="horz" lIns="91440" tIns="45720" rIns="91440" bIns="45720" rtlCol="0"/>
+          <a:lstStyle/>
+          <a:p>
+            <a:pPr lvl="0"/>
+            <a:r>
+              <a:rPr lang="en-US"/>
+              <a:t>Click to edit Master text styles</a:t>
+            </a:r>
+          </a:p>
+          <a:p>
+            <a:pPr lvl="1"/>
+            <a:r>
+              <a:rPr lang="en-US"/>
+              <a:t>Second level</a:t>
+            </a:r>
+          </a:p>
+          <a:p>
+            <a:pPr lvl="2"/>
+            <a:r>
+              <a:rPr lang="en-US"/>
+              <a:t>Third level</a:t>
+            </a:r>
+          </a:p>
+          <a:p>
+            <a:pPr lvl="3"/>
+            <a:r>
+              <a:rPr lang="en-US"/>
+              <a:t>Fourth level</a:t>
+            </a:r>
+          </a:p>
+          <a:p>
+            <a:pPr lvl="4"/>
+            <a:r>
+              <a:rPr lang="en-US"/>
+              <a:t>Fifth level</a:t>
+            </a:r>
+          </a:p>
+        </p:txBody>
+      </p:sp>
+      <p:sp>
+        <p:nvSpPr>
+          <p:cNvPr id="6" name="Footer Placeholder 5"/>
+          <p:cNvSpPr>
+            <a:spLocks noGrp="1"/>
+          </p:cNvSpPr>
+          <p:nvPr>
+            <p:ph type="ftr" sz="quarter" idx="4"/>
+          </p:nvPr>
+        </p:nvSpPr>
+        <p:spPr>
+          <a:xfrm>
+            <a:off x="0" y="8685213"/>
+            <a:ext cx="2971800" cy="458787"/>
+          </a:xfrm>
+          <a:prstGeom prst="rect">
+            <a:avLst/>
+          </a:prstGeom>
+        </p:spPr>
+        <p:txBody>
+          <a:bodyPr vert="horz" lIns="91440" tIns="45720" rIns="91440" bIns="45720" rtlCol="0" anchor="b"/>
+          <a:lstStyle>
+            <a:lvl1pPr algn="l">
+              <a:defRPr sz="1200"/>
+            </a:lvl1pPr>
+          </a:lstStyle>
+          <a:p>
+            <a:endParaRPr lang="en-US"/>
+          </a:p>
+        </p:txBody>
+      </p:sp>
+      <p:sp>
+        <p:nvSpPr>
+          <p:cNvPr id="7" name="Slide Number Placeholder 6"/>
+          <p:cNvSpPr>
+            <a:spLocks noGrp="1"/>
+          </p:cNvSpPr>
+          <p:nvPr>
+            <p:ph type="sldNum" sz="quarter" idx="5"/>
+          </p:nvPr>
+        </p:nvSpPr>
+        <p:spPr>
+          <a:xfrm>
+            <a:off x="3884613" y="8685213"/>
+            <a:ext cx="2971800" cy="458787"/>
+          </a:xfrm>
+          <a:prstGeom prst="rect">
+            <a:avLst/>
+          </a:prstGeom>
+        </p:spPr>
+        <p:txBody>
+          <a:bodyPr vert="horz" lIns="91440" tIns="45720" rIns="91440" bIns="45720" rtlCol="0" anchor="b"/>
+          <a:lstStyle>
+            <a:lvl1pPr algn="r">
+              <a:defRPr sz="1200"/>
+            </a:lvl1pPr>
+          </a:lstStyle>
+          <a:p>
+            <a:fld id="{954A017C-7C31-0B4A-A393-F82B80211E36}" type="slidenum">
+              <a:rPr lang="en-US" smtClean="0"/>
+              <a:t>‹#›</a:t>
+            </a:fld>
+            <a:endParaRPr lang="en-US"/>
+          </a:p>
+        </p:txBody>
+      </p:sp>
+    </p:spTree>
+    <p:extLst>
+      <p:ext uri="{BB962C8B-B14F-4D97-AF65-F5344CB8AC3E}">
+        <p14:creationId xmlns:p14="http://schemas.microsoft.com/office/powerpoint/2010/main" val="232185042"/>
+      </p:ext>
+    </p:extLst>
+  </p:cSld>
+  <p:clrMap bg1="lt1" tx1="dk1" bg2="lt2" tx2="dk2" accent1="accent1" accent2="accent2" accent3="accent3" accent4="accent4" accent5="accent5" accent6="accent6" hlink="hlink" folHlink="folHlink"/>
+  <p:notesStyle>
+    <a:lvl1pPr marL="0" algn="l" defTabSz="914400" rtl="0" eaLnBrk="1" latinLnBrk="0" hangingPunct="1">
+      <a:defRPr sz="1200" kern="1200">
+        <a:solidFill>
+          <a:schemeClr val="tx1"/>
+        </a:solidFill>
+        <a:latin typeface="+mn-lt"/>
+        <a:ea typeface="+mn-ea"/>
+        <a:cs typeface="+mn-cs"/>
+      </a:defRPr>
+    </a:lvl1pPr>
+    <a:lvl2pPr marL="457200" algn="l" defTabSz="914400" rtl="0" eaLnBrk="1" latinLnBrk="0" hangingPunct="1">
+      <a:defRPr sz="1200" kern="1200">
+        <a:solidFill>
+          <a:schemeClr val="tx1"/>
+        </a:solidFill>
+        <a:latin typeface="+mn-lt"/>
+        <a:ea typeface="+mn-ea"/>
+        <a:cs typeface="+mn-cs"/>
+      </a:defRPr>
+    </a:lvl2pPr>
+    <a:lvl3pPr marL="914400" algn="l" defTabSz="914400" rtl="0" eaLnBrk="1" latinLnBrk="0" hangingPunct="1">
+      <a:defRPr sz="1200" kern="1200">
+        <a:solidFill>
+          <a:schemeClr val="tx1"/>
+        </a:solidFill>
+        <a:latin typeface="+mn-lt"/>
+        <a:ea typeface="+mn-ea"/>
+        <a:cs typeface="+mn-cs"/>
+      </a:defRPr>
+    </a:lvl3pPr>
+    <a:lvl4pPr marL="1371600" algn="l" defTabSz="914400" rtl="0" eaLnBrk="1" latinLnBrk="0" hangingPunct="1">
+      <a:defRPr sz="1200" kern="1200">
+        <a:solidFill>
+          <a:schemeClr val="tx1"/>
+        </a:solidFill>
+        <a:latin typeface="+mn-lt"/>
+        <a:ea typeface="+mn-ea"/>
+        <a:cs typeface="+mn-cs"/>
+      </a:defRPr>
+    </a:lvl4pPr>
+    <a:lvl5pPr marL="1828800" algn="l" defTabSz="914400" rtl="0" eaLnBrk="1" latinLnBrk="0" hangingPunct="1">
+      <a:defRPr sz="1200" kern="1200">
+        <a:solidFill>
+          <a:schemeClr val="tx1"/>
+        </a:solidFill>
+        <a:latin typeface="+mn-lt"/>
+        <a:ea typeface="+mn-ea"/>
+        <a:cs typeface="+mn-cs"/>
+      </a:defRPr>
+    </a:lvl5pPr>
+    <a:lvl6pPr marL="2286000" algn="l" defTabSz="914400" rtl="0" eaLnBrk="1" latinLnBrk="0" hangingPunct="1">
+      <a:defRPr sz="1200" kern="1200">
+        <a:solidFill>
+          <a:schemeClr val="tx1"/>
+        </a:solidFill>
+        <a:latin typeface="+mn-lt"/>
+        <a:ea typeface="+mn-ea"/>
+        <a:cs typeface="+mn-cs"/>
+      </a:defRPr>
+    </a:lvl6pPr>
+    <a:lvl7pPr marL="2743200" algn="l" defTabSz="914400" rtl="0" eaLnBrk="1" latinLnBrk="0" hangingPunct="1">
+      <a:defRPr sz="1200" kern="1200">
+        <a:solidFill>
+          <a:schemeClr val="tx1"/>
+        </a:solidFill>
+        <a:latin typeface="+mn-lt"/>
+        <a:ea typeface="+mn-ea"/>
+        <a:cs typeface="+mn-cs"/>
+      </a:defRPr>
+    </a:lvl7pPr>
+    <a:lvl8pPr marL="3200400" algn="l" defTabSz="914400" rtl="0" eaLnBrk="1" latinLnBrk="0" hangingPunct="1">
+      <a:defRPr sz="1200" kern="1200">
+        <a:solidFill>
+          <a:schemeClr val="tx1"/>
+        </a:solidFill>
+        <a:latin typeface="+mn-lt"/>
+        <a:ea typeface="+mn-ea"/>
+        <a:cs typeface="+mn-cs"/>
+      </a:defRPr>
+    </a:lvl8pPr>
+    <a:lvl9pPr marL="3657600" algn="l" defTabSz="914400" rtl="0" eaLnBrk="1" latinLnBrk="0" hangingPunct="1">
+      <a:defRPr sz="1200" kern="1200">
+        <a:solidFill>
+          <a:schemeClr val="tx1"/>
+        </a:solidFill>
+        <a:latin typeface="+mn-lt"/>
+        <a:ea typeface="+mn-ea"/>
+        <a:cs typeface="+mn-cs"/>
+      </a:defRPr>
+    </a:lvl9pPr>
+  </p:notesStyle>
+</p:notesMaster>
 </file>
 
 <file path=ppt/slideLayouts/slideLayout1.xml><?xml version="1.0" encoding="utf-8"?>
@@ -156,10 +3194,9 @@
           <a:lstStyle/>
           <a:p>
             <a:r>
-              <a:rPr lang="en-US" smtClean="0"/>
+              <a:rPr lang="en-US"/>
               <a:t>Click to edit Master title style</a:t>
             </a:r>
-            <a:endParaRPr lang="en-US"/>
           </a:p>
         </p:txBody>
       </p:sp>
@@ -275,10 +3312,9 @@
           </a:lstStyle>
           <a:p>
             <a:r>
-              <a:rPr lang="en-US" smtClean="0"/>
+              <a:rPr lang="en-US"/>
               <a:t>Click to edit Master subtitle style</a:t>
             </a:r>
-            <a:endParaRPr lang="en-US"/>
           </a:p>
         </p:txBody>
       </p:sp>
@@ -299,7 +3335,7 @@
           <a:p>
             <a:fld id="{5BCAD085-E8A6-8845-BD4E-CB4CCA059FC4}" type="datetimeFigureOut">
               <a:rPr lang="en-US" smtClean="0"/>
-              <a:t>1/27/13</a:t>
+              <a:t>10/30/24</a:t>
             </a:fld>
             <a:endParaRPr lang="en-US"/>
           </a:p>
@@ -393,10 +3429,9 @@
           <a:lstStyle/>
           <a:p>
             <a:r>
-              <a:rPr lang="en-US" smtClean="0"/>
+              <a:rPr lang="en-US"/>
               <a:t>Click to edit Master title style</a:t>
             </a:r>
-            <a:endParaRPr lang="en-US"/>
           </a:p>
         </p:txBody>
       </p:sp>
@@ -417,38 +3452,37 @@
           <a:p>
             <a:pPr lvl="0"/>
             <a:r>
-              <a:rPr lang="en-US" smtClean="0"/>
+              <a:rPr lang="en-US"/>
               <a:t>Click to edit Master text styles</a:t>
             </a:r>
           </a:p>
           <a:p>
             <a:pPr lvl="1"/>
             <a:r>
-              <a:rPr lang="en-US" smtClean="0"/>
+              <a:rPr lang="en-US"/>
               <a:t>Second level</a:t>
             </a:r>
           </a:p>
           <a:p>
             <a:pPr lvl="2"/>
             <a:r>
-              <a:rPr lang="en-US" smtClean="0"/>
+              <a:rPr lang="en-US"/>
               <a:t>Third level</a:t>
             </a:r>
           </a:p>
           <a:p>
             <a:pPr lvl="3"/>
             <a:r>
-              <a:rPr lang="en-US" smtClean="0"/>
+              <a:rPr lang="en-US"/>
               <a:t>Fourth level</a:t>
             </a:r>
           </a:p>
           <a:p>
             <a:pPr lvl="4"/>
             <a:r>
-              <a:rPr lang="en-US" smtClean="0"/>
+              <a:rPr lang="en-US"/>
               <a:t>Fifth level</a:t>
             </a:r>
-            <a:endParaRPr lang="en-US"/>
           </a:p>
         </p:txBody>
       </p:sp>
@@ -469,7 +3503,7 @@
           <a:p>
             <a:fld id="{5BCAD085-E8A6-8845-BD4E-CB4CCA059FC4}" type="datetimeFigureOut">
               <a:rPr lang="en-US" smtClean="0"/>
-              <a:t>1/27/13</a:t>
+              <a:t>10/30/24</a:t>
             </a:fld>
             <a:endParaRPr lang="en-US"/>
           </a:p>
@@ -568,10 +3602,9 @@
           <a:lstStyle/>
           <a:p>
             <a:r>
-              <a:rPr lang="en-US" smtClean="0"/>
+              <a:rPr lang="en-US"/>
               <a:t>Click to edit Master title style</a:t>
             </a:r>
-            <a:endParaRPr lang="en-US"/>
           </a:p>
         </p:txBody>
       </p:sp>
@@ -597,38 +3630,37 @@
           <a:p>
             <a:pPr lvl="0"/>
             <a:r>
-              <a:rPr lang="en-US" smtClean="0"/>
+              <a:rPr lang="en-US"/>
               <a:t>Click to edit Master text styles</a:t>
             </a:r>
           </a:p>
           <a:p>
             <a:pPr lvl="1"/>
             <a:r>
-              <a:rPr lang="en-US" smtClean="0"/>
+              <a:rPr lang="en-US"/>
               <a:t>Second level</a:t>
             </a:r>
           </a:p>
           <a:p>
             <a:pPr lvl="2"/>
             <a:r>
-              <a:rPr lang="en-US" smtClean="0"/>
+              <a:rPr lang="en-US"/>
               <a:t>Third level</a:t>
             </a:r>
           </a:p>
           <a:p>
             <a:pPr lvl="3"/>
             <a:r>
-              <a:rPr lang="en-US" smtClean="0"/>
+              <a:rPr lang="en-US"/>
               <a:t>Fourth level</a:t>
             </a:r>
           </a:p>
           <a:p>
             <a:pPr lvl="4"/>
             <a:r>
-              <a:rPr lang="en-US" smtClean="0"/>
+              <a:rPr lang="en-US"/>
               <a:t>Fifth level</a:t>
             </a:r>
-            <a:endParaRPr lang="en-US"/>
           </a:p>
         </p:txBody>
       </p:sp>
@@ -649,7 +3681,7 @@
           <a:p>
             <a:fld id="{5BCAD085-E8A6-8845-BD4E-CB4CCA059FC4}" type="datetimeFigureOut">
               <a:rPr lang="en-US" smtClean="0"/>
-              <a:t>1/27/13</a:t>
+              <a:t>10/30/24</a:t>
             </a:fld>
             <a:endParaRPr lang="en-US"/>
           </a:p>
@@ -743,10 +3775,9 @@
           <a:lstStyle/>
           <a:p>
             <a:r>
-              <a:rPr lang="en-US" smtClean="0"/>
+              <a:rPr lang="en-US"/>
               <a:t>Click to edit Master title style</a:t>
             </a:r>
-            <a:endParaRPr lang="en-US"/>
           </a:p>
         </p:txBody>
       </p:sp>
@@ -767,38 +3798,37 @@
           <a:p>
             <a:pPr lvl="0"/>
             <a:r>
-              <a:rPr lang="en-US" smtClean="0"/>
+              <a:rPr lang="en-US"/>
               <a:t>Click to edit Master text styles</a:t>
             </a:r>
           </a:p>
           <a:p>
             <a:pPr lvl="1"/>
             <a:r>
-              <a:rPr lang="en-US" smtClean="0"/>
+              <a:rPr lang="en-US"/>
               <a:t>Second level</a:t>
             </a:r>
           </a:p>
           <a:p>
             <a:pPr lvl="2"/>
             <a:r>
-              <a:rPr lang="en-US" smtClean="0"/>
+              <a:rPr lang="en-US"/>
               <a:t>Third level</a:t>
             </a:r>
           </a:p>
           <a:p>
             <a:pPr lvl="3"/>
             <a:r>
-              <a:rPr lang="en-US" smtClean="0"/>
+              <a:rPr lang="en-US"/>
               <a:t>Fourth level</a:t>
             </a:r>
           </a:p>
           <a:p>
             <a:pPr lvl="4"/>
             <a:r>
-              <a:rPr lang="en-US" smtClean="0"/>
+              <a:rPr lang="en-US"/>
               <a:t>Fifth level</a:t>
             </a:r>
-            <a:endParaRPr lang="en-US"/>
           </a:p>
         </p:txBody>
       </p:sp>
@@ -819,7 +3849,7 @@
           <a:p>
             <a:fld id="{5BCAD085-E8A6-8845-BD4E-CB4CCA059FC4}" type="datetimeFigureOut">
               <a:rPr lang="en-US" smtClean="0"/>
-              <a:t>1/27/13</a:t>
+              <a:t>10/30/24</a:t>
             </a:fld>
             <a:endParaRPr lang="en-US"/>
           </a:p>
@@ -922,10 +3952,9 @@
           </a:lstStyle>
           <a:p>
             <a:r>
-              <a:rPr lang="en-US" smtClean="0"/>
+              <a:rPr lang="en-US"/>
               <a:t>Click to edit Master title style</a:t>
             </a:r>
-            <a:endParaRPr lang="en-US"/>
           </a:p>
         </p:txBody>
       </p:sp>
@@ -1042,7 +4071,7 @@
           <a:p>
             <a:pPr lvl="0"/>
             <a:r>
-              <a:rPr lang="en-US" smtClean="0"/>
+              <a:rPr lang="en-US"/>
               <a:t>Click to edit Master text styles</a:t>
             </a:r>
           </a:p>
@@ -1065,7 +4094,7 @@
           <a:p>
             <a:fld id="{5BCAD085-E8A6-8845-BD4E-CB4CCA059FC4}" type="datetimeFigureOut">
               <a:rPr lang="en-US" smtClean="0"/>
-              <a:t>1/27/13</a:t>
+              <a:t>10/30/24</a:t>
             </a:fld>
             <a:endParaRPr lang="en-US"/>
           </a:p>
@@ -1159,10 +4188,9 @@
           <a:lstStyle/>
           <a:p>
             <a:r>
-              <a:rPr lang="en-US" smtClean="0"/>
+              <a:rPr lang="en-US"/>
               <a:t>Click to edit Master title style</a:t>
             </a:r>
-            <a:endParaRPr lang="en-US"/>
           </a:p>
         </p:txBody>
       </p:sp>
@@ -1216,38 +4244,37 @@
           <a:p>
             <a:pPr lvl="0"/>
             <a:r>
-              <a:rPr lang="en-US" smtClean="0"/>
+              <a:rPr lang="en-US"/>
               <a:t>Click to edit Master text styles</a:t>
             </a:r>
           </a:p>
           <a:p>
             <a:pPr lvl="1"/>
             <a:r>
-              <a:rPr lang="en-US" smtClean="0"/>
+              <a:rPr lang="en-US"/>
               <a:t>Second level</a:t>
             </a:r>
           </a:p>
           <a:p>
             <a:pPr lvl="2"/>
             <a:r>
-              <a:rPr lang="en-US" smtClean="0"/>
+              <a:rPr lang="en-US"/>
               <a:t>Third level</a:t>
             </a:r>
           </a:p>
           <a:p>
             <a:pPr lvl="3"/>
             <a:r>
-              <a:rPr lang="en-US" smtClean="0"/>
+              <a:rPr lang="en-US"/>
               <a:t>Fourth level</a:t>
             </a:r>
           </a:p>
           <a:p>
             <a:pPr lvl="4"/>
             <a:r>
-              <a:rPr lang="en-US" smtClean="0"/>
+              <a:rPr lang="en-US"/>
               <a:t>Fifth level</a:t>
             </a:r>
-            <a:endParaRPr lang="en-US"/>
           </a:p>
         </p:txBody>
       </p:sp>
@@ -1301,38 +4328,37 @@
           <a:p>
             <a:pPr lvl="0"/>
             <a:r>
-              <a:rPr lang="en-US" smtClean="0"/>
+              <a:rPr lang="en-US"/>
               <a:t>Click to edit Master text styles</a:t>
             </a:r>
           </a:p>
           <a:p>
             <a:pPr lvl="1"/>
             <a:r>
-              <a:rPr lang="en-US" smtClean="0"/>
+              <a:rPr lang="en-US"/>
               <a:t>Second level</a:t>
             </a:r>
           </a:p>
           <a:p>
             <a:pPr lvl="2"/>
             <a:r>
-              <a:rPr lang="en-US" smtClean="0"/>
+              <a:rPr lang="en-US"/>
               <a:t>Third level</a:t>
             </a:r>
           </a:p>
           <a:p>
             <a:pPr lvl="3"/>
             <a:r>
-              <a:rPr lang="en-US" smtClean="0"/>
+              <a:rPr lang="en-US"/>
               <a:t>Fourth level</a:t>
             </a:r>
           </a:p>
           <a:p>
             <a:pPr lvl="4"/>
             <a:r>
-              <a:rPr lang="en-US" smtClean="0"/>
+              <a:rPr lang="en-US"/>
               <a:t>Fifth level</a:t>
             </a:r>
-            <a:endParaRPr lang="en-US"/>
           </a:p>
         </p:txBody>
       </p:sp>
@@ -1353,7 +4379,7 @@
           <a:p>
             <a:fld id="{5BCAD085-E8A6-8845-BD4E-CB4CCA059FC4}" type="datetimeFigureOut">
               <a:rPr lang="en-US" smtClean="0"/>
-              <a:t>1/27/13</a:t>
+              <a:t>10/30/24</a:t>
             </a:fld>
             <a:endParaRPr lang="en-US"/>
           </a:p>
@@ -1451,10 +4477,9 @@
           </a:lstStyle>
           <a:p>
             <a:r>
-              <a:rPr lang="en-US" smtClean="0"/>
+              <a:rPr lang="en-US"/>
               <a:t>Click to edit Master title style</a:t>
             </a:r>
-            <a:endParaRPr lang="en-US"/>
           </a:p>
         </p:txBody>
       </p:sp>
@@ -1517,7 +4542,7 @@
           <a:p>
             <a:pPr lvl="0"/>
             <a:r>
-              <a:rPr lang="en-US" smtClean="0"/>
+              <a:rPr lang="en-US"/>
               <a:t>Click to edit Master text styles</a:t>
             </a:r>
           </a:p>
@@ -1573,38 +4598,37 @@
           <a:p>
             <a:pPr lvl="0"/>
             <a:r>
-              <a:rPr lang="en-US" smtClean="0"/>
+              <a:rPr lang="en-US"/>
               <a:t>Click to edit Master text styles</a:t>
             </a:r>
           </a:p>
           <a:p>
             <a:pPr lvl="1"/>
             <a:r>
-              <a:rPr lang="en-US" smtClean="0"/>
+              <a:rPr lang="en-US"/>
               <a:t>Second level</a:t>
             </a:r>
           </a:p>
           <a:p>
             <a:pPr lvl="2"/>
             <a:r>
-              <a:rPr lang="en-US" smtClean="0"/>
+              <a:rPr lang="en-US"/>
               <a:t>Third level</a:t>
             </a:r>
           </a:p>
           <a:p>
             <a:pPr lvl="3"/>
             <a:r>
-              <a:rPr lang="en-US" smtClean="0"/>
+              <a:rPr lang="en-US"/>
               <a:t>Fourth level</a:t>
             </a:r>
           </a:p>
           <a:p>
             <a:pPr lvl="4"/>
             <a:r>
-              <a:rPr lang="en-US" smtClean="0"/>
+              <a:rPr lang="en-US"/>
               <a:t>Fifth level</a:t>
             </a:r>
-            <a:endParaRPr lang="en-US"/>
           </a:p>
         </p:txBody>
       </p:sp>
@@ -1667,7 +4691,7 @@
           <a:p>
             <a:pPr lvl="0"/>
             <a:r>
-              <a:rPr lang="en-US" smtClean="0"/>
+              <a:rPr lang="en-US"/>
               <a:t>Click to edit Master text styles</a:t>
             </a:r>
           </a:p>
@@ -1723,38 +4747,37 @@
           <a:p>
             <a:pPr lvl="0"/>
             <a:r>
-              <a:rPr lang="en-US" smtClean="0"/>
+              <a:rPr lang="en-US"/>
               <a:t>Click to edit Master text styles</a:t>
             </a:r>
           </a:p>
           <a:p>
             <a:pPr lvl="1"/>
             <a:r>
-              <a:rPr lang="en-US" smtClean="0"/>
+              <a:rPr lang="en-US"/>
               <a:t>Second level</a:t>
             </a:r>
           </a:p>
           <a:p>
             <a:pPr lvl="2"/>
             <a:r>
-              <a:rPr lang="en-US" smtClean="0"/>
+              <a:rPr lang="en-US"/>
               <a:t>Third level</a:t>
             </a:r>
           </a:p>
           <a:p>
             <a:pPr lvl="3"/>
             <a:r>
-              <a:rPr lang="en-US" smtClean="0"/>
+              <a:rPr lang="en-US"/>
               <a:t>Fourth level</a:t>
             </a:r>
           </a:p>
           <a:p>
             <a:pPr lvl="4"/>
             <a:r>
-              <a:rPr lang="en-US" smtClean="0"/>
+              <a:rPr lang="en-US"/>
               <a:t>Fifth level</a:t>
             </a:r>
-            <a:endParaRPr lang="en-US"/>
           </a:p>
         </p:txBody>
       </p:sp>
@@ -1775,7 +4798,7 @@
           <a:p>
             <a:fld id="{5BCAD085-E8A6-8845-BD4E-CB4CCA059FC4}" type="datetimeFigureOut">
               <a:rPr lang="en-US" smtClean="0"/>
-              <a:t>1/27/13</a:t>
+              <a:t>10/30/24</a:t>
             </a:fld>
             <a:endParaRPr lang="en-US"/>
           </a:p>
@@ -1869,10 +4892,9 @@
           <a:lstStyle/>
           <a:p>
             <a:r>
-              <a:rPr lang="en-US" smtClean="0"/>
+              <a:rPr lang="en-US"/>
               <a:t>Click to edit Master title style</a:t>
             </a:r>
-            <a:endParaRPr lang="en-US"/>
           </a:p>
         </p:txBody>
       </p:sp>
@@ -1893,7 +4915,7 @@
           <a:p>
             <a:fld id="{5BCAD085-E8A6-8845-BD4E-CB4CCA059FC4}" type="datetimeFigureOut">
               <a:rPr lang="en-US" smtClean="0"/>
-              <a:t>1/27/13</a:t>
+              <a:t>10/30/24</a:t>
             </a:fld>
             <a:endParaRPr lang="en-US"/>
           </a:p>
@@ -1988,7 +5010,7 @@
           <a:p>
             <a:fld id="{5BCAD085-E8A6-8845-BD4E-CB4CCA059FC4}" type="datetimeFigureOut">
               <a:rPr lang="en-US" smtClean="0"/>
-              <a:t>1/27/13</a:t>
+              <a:t>10/30/24</a:t>
             </a:fld>
             <a:endParaRPr lang="en-US"/>
           </a:p>
@@ -2091,10 +5113,9 @@
           </a:lstStyle>
           <a:p>
             <a:r>
-              <a:rPr lang="en-US" smtClean="0"/>
+              <a:rPr lang="en-US"/>
               <a:t>Click to edit Master title style</a:t>
             </a:r>
-            <a:endParaRPr lang="en-US"/>
           </a:p>
         </p:txBody>
       </p:sp>
@@ -2148,38 +5169,37 @@
           <a:p>
             <a:pPr lvl="0"/>
             <a:r>
-              <a:rPr lang="en-US" smtClean="0"/>
+              <a:rPr lang="en-US"/>
               <a:t>Click to edit Master text styles</a:t>
             </a:r>
           </a:p>
           <a:p>
             <a:pPr lvl="1"/>
             <a:r>
-              <a:rPr lang="en-US" smtClean="0"/>
+              <a:rPr lang="en-US"/>
               <a:t>Second level</a:t>
             </a:r>
           </a:p>
           <a:p>
             <a:pPr lvl="2"/>
             <a:r>
-              <a:rPr lang="en-US" smtClean="0"/>
+              <a:rPr lang="en-US"/>
               <a:t>Third level</a:t>
             </a:r>
           </a:p>
           <a:p>
             <a:pPr lvl="3"/>
             <a:r>
-              <a:rPr lang="en-US" smtClean="0"/>
+              <a:rPr lang="en-US"/>
               <a:t>Fourth level</a:t>
             </a:r>
           </a:p>
           <a:p>
             <a:pPr lvl="4"/>
             <a:r>
-              <a:rPr lang="en-US" smtClean="0"/>
+              <a:rPr lang="en-US"/>
               <a:t>Fifth level</a:t>
             </a:r>
-            <a:endParaRPr lang="en-US"/>
           </a:p>
         </p:txBody>
       </p:sp>
@@ -2242,7 +5262,7 @@
           <a:p>
             <a:pPr lvl="0"/>
             <a:r>
-              <a:rPr lang="en-US" smtClean="0"/>
+              <a:rPr lang="en-US"/>
               <a:t>Click to edit Master text styles</a:t>
             </a:r>
           </a:p>
@@ -2265,7 +5285,7 @@
           <a:p>
             <a:fld id="{5BCAD085-E8A6-8845-BD4E-CB4CCA059FC4}" type="datetimeFigureOut">
               <a:rPr lang="en-US" smtClean="0"/>
-              <a:t>1/27/13</a:t>
+              <a:t>10/30/24</a:t>
             </a:fld>
             <a:endParaRPr lang="en-US"/>
           </a:p>
@@ -2368,10 +5388,9 @@
           </a:lstStyle>
           <a:p>
             <a:r>
-              <a:rPr lang="en-US" smtClean="0"/>
+              <a:rPr lang="en-US"/>
               <a:t>Click to edit Master title style</a:t>
             </a:r>
-            <a:endParaRPr lang="en-US"/>
           </a:p>
         </p:txBody>
       </p:sp>
@@ -2495,7 +5514,7 @@
           <a:p>
             <a:pPr lvl="0"/>
             <a:r>
-              <a:rPr lang="en-US" smtClean="0"/>
+              <a:rPr lang="en-US"/>
               <a:t>Click to edit Master text styles</a:t>
             </a:r>
           </a:p>
@@ -2518,7 +5537,7 @@
           <a:p>
             <a:fld id="{5BCAD085-E8A6-8845-BD4E-CB4CCA059FC4}" type="datetimeFigureOut">
               <a:rPr lang="en-US" smtClean="0"/>
-              <a:t>1/27/13</a:t>
+              <a:t>10/30/24</a:t>
             </a:fld>
             <a:endParaRPr lang="en-US"/>
           </a:p>
@@ -2627,10 +5646,9 @@
           <a:lstStyle/>
           <a:p>
             <a:r>
-              <a:rPr lang="en-US" smtClean="0"/>
+              <a:rPr lang="en-US"/>
               <a:t>Click to edit Master title style</a:t>
             </a:r>
-            <a:endParaRPr lang="en-US"/>
           </a:p>
         </p:txBody>
       </p:sp>
@@ -2661,38 +5679,37 @@
           <a:p>
             <a:pPr lvl="0"/>
             <a:r>
-              <a:rPr lang="en-US" smtClean="0"/>
+              <a:rPr lang="en-US"/>
               <a:t>Click to edit Master text styles</a:t>
             </a:r>
           </a:p>
           <a:p>
             <a:pPr lvl="1"/>
             <a:r>
-              <a:rPr lang="en-US" smtClean="0"/>
+              <a:rPr lang="en-US"/>
               <a:t>Second level</a:t>
             </a:r>
           </a:p>
           <a:p>
             <a:pPr lvl="2"/>
             <a:r>
-              <a:rPr lang="en-US" smtClean="0"/>
+              <a:rPr lang="en-US"/>
               <a:t>Third level</a:t>
             </a:r>
           </a:p>
           <a:p>
             <a:pPr lvl="3"/>
             <a:r>
-              <a:rPr lang="en-US" smtClean="0"/>
+              <a:rPr lang="en-US"/>
               <a:t>Fourth level</a:t>
             </a:r>
           </a:p>
           <a:p>
             <a:pPr lvl="4"/>
             <a:r>
-              <a:rPr lang="en-US" smtClean="0"/>
+              <a:rPr lang="en-US"/>
               <a:t>Fifth level</a:t>
             </a:r>
-            <a:endParaRPr lang="en-US"/>
           </a:p>
         </p:txBody>
       </p:sp>
@@ -2731,7 +5748,7 @@
           <a:p>
             <a:fld id="{5BCAD085-E8A6-8845-BD4E-CB4CCA059FC4}" type="datetimeFigureOut">
               <a:rPr lang="en-US" smtClean="0"/>
-              <a:t>1/27/13</a:t>
+              <a:t>10/30/24</a:t>
             </a:fld>
             <a:endParaRPr lang="en-US"/>
           </a:p>
@@ -3090,7 +6107,619 @@
 </file>
 
 <file path=ppt/slides/slide1.xml><?xml version="1.0" encoding="utf-8"?>
-<p:sld xmlns:a="http://schemas.openxmlformats.org/drawingml/2006/main" xmlns:p="http://schemas.openxmlformats.org/presentationml/2006/main" xmlns:r="http://schemas.openxmlformats.org/officeDocument/2006/relationships">
+<p:sld xmlns:a="http://schemas.openxmlformats.org/drawingml/2006/main" xmlns:r="http://schemas.openxmlformats.org/officeDocument/2006/relationships" xmlns:p="http://schemas.openxmlformats.org/presentationml/2006/main">
+  <p:cSld>
+    <p:bg>
+      <p:bgPr>
+        <a:solidFill>
+          <a:schemeClr val="bg1"/>
+        </a:solidFill>
+        <a:effectLst/>
+      </p:bgPr>
+    </p:bg>
+    <p:spTree>
+      <p:nvGrpSpPr>
+        <p:cNvPr id="1" name=""/>
+        <p:cNvGrpSpPr/>
+        <p:nvPr/>
+      </p:nvGrpSpPr>
+      <p:grpSpPr>
+        <a:xfrm>
+          <a:off x="0" y="0"/>
+          <a:ext cx="0" cy="0"/>
+          <a:chOff x="0" y="0"/>
+          <a:chExt cx="0" cy="0"/>
+        </a:xfrm>
+      </p:grpSpPr>
+      <p:sp useBgFill="1">
+        <p:nvSpPr>
+          <p:cNvPr id="16" name="Rectangle 15">
+            <a:extLst>
+              <a:ext uri="{FF2B5EF4-FFF2-40B4-BE49-F238E27FC236}">
+                <a16:creationId xmlns:a16="http://schemas.microsoft.com/office/drawing/2014/main" id="{337940BB-FBC4-492E-BD92-3B7B914D0EAE}"/>
+              </a:ext>
+              <a:ext uri="{C183D7F6-B498-43B3-948B-1728B52AA6E4}">
+                <adec:decorative xmlns:adec="http://schemas.microsoft.com/office/drawing/2017/decorative" val="1"/>
+              </a:ext>
+            </a:extLst>
+          </p:cNvPr>
+          <p:cNvSpPr>
+            <a:spLocks noGrp="1" noRot="1" noChangeAspect="1" noMove="1" noResize="1" noEditPoints="1" noAdjustHandles="1" noChangeArrowheads="1" noChangeShapeType="1" noTextEdit="1"/>
+          </p:cNvSpPr>
+          <p:nvPr>
+            <p:extLst>
+              <p:ext uri="{386F3935-93C4-4BCD-93E2-E3B085C9AB24}">
+                <p16:designElem xmlns:p16="http://schemas.microsoft.com/office/powerpoint/2015/main" val="1"/>
+              </p:ext>
+            </p:extLst>
+          </p:nvPr>
+        </p:nvSpPr>
+        <p:spPr>
+          <a:xfrm>
+            <a:off x="0" y="0"/>
+            <a:ext cx="9144000" cy="6858000"/>
+          </a:xfrm>
+          <a:prstGeom prst="rect">
+            <a:avLst/>
+          </a:prstGeom>
+          <a:ln>
+            <a:noFill/>
+          </a:ln>
+        </p:spPr>
+        <p:style>
+          <a:lnRef idx="2">
+            <a:schemeClr val="accent1">
+              <a:shade val="50000"/>
+            </a:schemeClr>
+          </a:lnRef>
+          <a:fillRef idx="1">
+            <a:schemeClr val="accent1"/>
+          </a:fillRef>
+          <a:effectRef idx="0">
+            <a:schemeClr val="accent1"/>
+          </a:effectRef>
+          <a:fontRef idx="minor">
+            <a:schemeClr val="lt1"/>
+          </a:fontRef>
+        </p:style>
+        <p:txBody>
+          <a:bodyPr rtlCol="0" anchor="ctr"/>
+          <a:lstStyle/>
+          <a:p>
+            <a:pPr algn="ctr"/>
+            <a:endParaRPr lang="en-US"/>
+          </a:p>
+        </p:txBody>
+      </p:sp>
+      <p:sp>
+        <p:nvSpPr>
+          <p:cNvPr id="2" name="Title 1"/>
+          <p:cNvSpPr>
+            <a:spLocks noGrp="1"/>
+          </p:cNvSpPr>
+          <p:nvPr>
+            <p:ph type="ctrTitle"/>
+          </p:nvPr>
+        </p:nvSpPr>
+        <p:spPr>
+          <a:xfrm>
+            <a:off x="3640491" y="320041"/>
+            <a:ext cx="5030313" cy="3892668"/>
+          </a:xfrm>
+        </p:spPr>
+        <p:txBody>
+          <a:bodyPr>
+            <a:normAutofit/>
+          </a:bodyPr>
+          <a:lstStyle/>
+          <a:p>
+            <a:pPr algn="l"/>
+            <a:r>
+              <a:rPr lang="en-US" sz="5700"/>
+              <a:t>Propensity Model for Predicting User Conversion</a:t>
+            </a:r>
+          </a:p>
+        </p:txBody>
+      </p:sp>
+      <p:sp>
+        <p:nvSpPr>
+          <p:cNvPr id="3" name="Subtitle 2"/>
+          <p:cNvSpPr>
+            <a:spLocks noGrp="1"/>
+          </p:cNvSpPr>
+          <p:nvPr>
+            <p:ph type="subTitle" idx="1"/>
+          </p:nvPr>
+        </p:nvSpPr>
+        <p:spPr>
+          <a:xfrm>
+            <a:off x="3640274" y="4631161"/>
+            <a:ext cx="5030524" cy="1569486"/>
+          </a:xfrm>
+        </p:spPr>
+        <p:txBody>
+          <a:bodyPr>
+            <a:normAutofit/>
+          </a:bodyPr>
+          <a:lstStyle/>
+          <a:p>
+            <a:pPr algn="l"/>
+            <a:r>
+              <a:rPr lang="en-US" dirty="0"/>
+              <a:t>Applications in Google Marketing Platform</a:t>
+            </a:r>
+          </a:p>
+        </p:txBody>
+      </p:sp>
+      <p:sp>
+        <p:nvSpPr>
+          <p:cNvPr id="18" name="sketch line">
+            <a:extLst>
+              <a:ext uri="{FF2B5EF4-FFF2-40B4-BE49-F238E27FC236}">
+                <a16:creationId xmlns:a16="http://schemas.microsoft.com/office/drawing/2014/main" id="{3FCFB1DE-0B7E-48CC-BA90-B2AB0889F9D6}"/>
+              </a:ext>
+              <a:ext uri="{C183D7F6-B498-43B3-948B-1728B52AA6E4}">
+                <adec:decorative xmlns:adec="http://schemas.microsoft.com/office/drawing/2017/decorative" val="1"/>
+              </a:ext>
+            </a:extLst>
+          </p:cNvPr>
+          <p:cNvSpPr>
+            <a:spLocks noGrp="1" noRot="1" noChangeAspect="1" noMove="1" noResize="1" noEditPoints="1" noAdjustHandles="1" noChangeArrowheads="1" noChangeShapeType="1" noTextEdit="1"/>
+          </p:cNvSpPr>
+          <p:nvPr>
+            <p:extLst>
+              <p:ext uri="{386F3935-93C4-4BCD-93E2-E3B085C9AB24}">
+                <p16:designElem xmlns:p16="http://schemas.microsoft.com/office/powerpoint/2015/main" val="1"/>
+              </p:ext>
+            </p:extLst>
+          </p:nvPr>
+        </p:nvSpPr>
+        <p:spPr>
+          <a:xfrm>
+            <a:off x="3640490" y="4409267"/>
+            <a:ext cx="3182692" cy="27432"/>
+          </a:xfrm>
+          <a:custGeom>
+            <a:avLst/>
+            <a:gdLst>
+              <a:gd name="connsiteX0" fmla="*/ 0 w 3182692"/>
+              <a:gd name="connsiteY0" fmla="*/ 0 h 27432"/>
+              <a:gd name="connsiteX1" fmla="*/ 604711 w 3182692"/>
+              <a:gd name="connsiteY1" fmla="*/ 0 h 27432"/>
+              <a:gd name="connsiteX2" fmla="*/ 1241250 w 3182692"/>
+              <a:gd name="connsiteY2" fmla="*/ 0 h 27432"/>
+              <a:gd name="connsiteX3" fmla="*/ 1909615 w 3182692"/>
+              <a:gd name="connsiteY3" fmla="*/ 0 h 27432"/>
+              <a:gd name="connsiteX4" fmla="*/ 2577981 w 3182692"/>
+              <a:gd name="connsiteY4" fmla="*/ 0 h 27432"/>
+              <a:gd name="connsiteX5" fmla="*/ 3182692 w 3182692"/>
+              <a:gd name="connsiteY5" fmla="*/ 0 h 27432"/>
+              <a:gd name="connsiteX6" fmla="*/ 3182692 w 3182692"/>
+              <a:gd name="connsiteY6" fmla="*/ 27432 h 27432"/>
+              <a:gd name="connsiteX7" fmla="*/ 2482500 w 3182692"/>
+              <a:gd name="connsiteY7" fmla="*/ 27432 h 27432"/>
+              <a:gd name="connsiteX8" fmla="*/ 1782308 w 3182692"/>
+              <a:gd name="connsiteY8" fmla="*/ 27432 h 27432"/>
+              <a:gd name="connsiteX9" fmla="*/ 1145769 w 3182692"/>
+              <a:gd name="connsiteY9" fmla="*/ 27432 h 27432"/>
+              <a:gd name="connsiteX10" fmla="*/ 0 w 3182692"/>
+              <a:gd name="connsiteY10" fmla="*/ 27432 h 27432"/>
+              <a:gd name="connsiteX11" fmla="*/ 0 w 3182692"/>
+              <a:gd name="connsiteY11" fmla="*/ 0 h 27432"/>
+            </a:gdLst>
+            <a:ahLst/>
+            <a:cxnLst>
+              <a:cxn ang="0">
+                <a:pos x="connsiteX0" y="connsiteY0"/>
+              </a:cxn>
+              <a:cxn ang="0">
+                <a:pos x="connsiteX1" y="connsiteY1"/>
+              </a:cxn>
+              <a:cxn ang="0">
+                <a:pos x="connsiteX2" y="connsiteY2"/>
+              </a:cxn>
+              <a:cxn ang="0">
+                <a:pos x="connsiteX3" y="connsiteY3"/>
+              </a:cxn>
+              <a:cxn ang="0">
+                <a:pos x="connsiteX4" y="connsiteY4"/>
+              </a:cxn>
+              <a:cxn ang="0">
+                <a:pos x="connsiteX5" y="connsiteY5"/>
+              </a:cxn>
+              <a:cxn ang="0">
+                <a:pos x="connsiteX6" y="connsiteY6"/>
+              </a:cxn>
+              <a:cxn ang="0">
+                <a:pos x="connsiteX7" y="connsiteY7"/>
+              </a:cxn>
+              <a:cxn ang="0">
+                <a:pos x="connsiteX8" y="connsiteY8"/>
+              </a:cxn>
+              <a:cxn ang="0">
+                <a:pos x="connsiteX9" y="connsiteY9"/>
+              </a:cxn>
+              <a:cxn ang="0">
+                <a:pos x="connsiteX10" y="connsiteY10"/>
+              </a:cxn>
+              <a:cxn ang="0">
+                <a:pos x="connsiteX11" y="connsiteY11"/>
+              </a:cxn>
+            </a:cxnLst>
+            <a:rect l="l" t="t" r="r" b="b"/>
+            <a:pathLst>
+              <a:path w="3182692" h="27432" fill="none" extrusionOk="0">
+                <a:moveTo>
+                  <a:pt x="0" y="0"/>
+                </a:moveTo>
+                <a:cubicBezTo>
+                  <a:pt x="126686" y="-21366"/>
+                  <a:pt x="467788" y="9025"/>
+                  <a:pt x="604711" y="0"/>
+                </a:cubicBezTo>
+                <a:cubicBezTo>
+                  <a:pt x="741634" y="-9025"/>
+                  <a:pt x="1061620" y="6814"/>
+                  <a:pt x="1241250" y="0"/>
+                </a:cubicBezTo>
+                <a:cubicBezTo>
+                  <a:pt x="1420880" y="-6814"/>
+                  <a:pt x="1713773" y="13383"/>
+                  <a:pt x="1909615" y="0"/>
+                </a:cubicBezTo>
+                <a:cubicBezTo>
+                  <a:pt x="2105457" y="-13383"/>
+                  <a:pt x="2257256" y="13567"/>
+                  <a:pt x="2577981" y="0"/>
+                </a:cubicBezTo>
+                <a:cubicBezTo>
+                  <a:pt x="2898706" y="-13567"/>
+                  <a:pt x="3026063" y="6328"/>
+                  <a:pt x="3182692" y="0"/>
+                </a:cubicBezTo>
+                <a:cubicBezTo>
+                  <a:pt x="3181526" y="7395"/>
+                  <a:pt x="3182737" y="21864"/>
+                  <a:pt x="3182692" y="27432"/>
+                </a:cubicBezTo>
+                <a:cubicBezTo>
+                  <a:pt x="2998421" y="30886"/>
+                  <a:pt x="2675038" y="28158"/>
+                  <a:pt x="2482500" y="27432"/>
+                </a:cubicBezTo>
+                <a:cubicBezTo>
+                  <a:pt x="2289962" y="26706"/>
+                  <a:pt x="1930644" y="15978"/>
+                  <a:pt x="1782308" y="27432"/>
+                </a:cubicBezTo>
+                <a:cubicBezTo>
+                  <a:pt x="1633972" y="38886"/>
+                  <a:pt x="1287388" y="7152"/>
+                  <a:pt x="1145769" y="27432"/>
+                </a:cubicBezTo>
+                <a:cubicBezTo>
+                  <a:pt x="1004150" y="47712"/>
+                  <a:pt x="256377" y="-28294"/>
+                  <a:pt x="0" y="27432"/>
+                </a:cubicBezTo>
+                <a:cubicBezTo>
+                  <a:pt x="-503" y="20663"/>
+                  <a:pt x="1168" y="5855"/>
+                  <a:pt x="0" y="0"/>
+                </a:cubicBezTo>
+                <a:close/>
+              </a:path>
+              <a:path w="3182692" h="27432" stroke="0" extrusionOk="0">
+                <a:moveTo>
+                  <a:pt x="0" y="0"/>
+                </a:moveTo>
+                <a:cubicBezTo>
+                  <a:pt x="283446" y="18201"/>
+                  <a:pt x="432812" y="7290"/>
+                  <a:pt x="604711" y="0"/>
+                </a:cubicBezTo>
+                <a:cubicBezTo>
+                  <a:pt x="776610" y="-7290"/>
+                  <a:pt x="982253" y="15478"/>
+                  <a:pt x="1145769" y="0"/>
+                </a:cubicBezTo>
+                <a:cubicBezTo>
+                  <a:pt x="1309285" y="-15478"/>
+                  <a:pt x="1514247" y="-25520"/>
+                  <a:pt x="1845961" y="0"/>
+                </a:cubicBezTo>
+                <a:cubicBezTo>
+                  <a:pt x="2177675" y="25520"/>
+                  <a:pt x="2297588" y="16646"/>
+                  <a:pt x="2450673" y="0"/>
+                </a:cubicBezTo>
+                <a:cubicBezTo>
+                  <a:pt x="2603758" y="-16646"/>
+                  <a:pt x="3023048" y="-21196"/>
+                  <a:pt x="3182692" y="0"/>
+                </a:cubicBezTo>
+                <a:cubicBezTo>
+                  <a:pt x="3182885" y="12649"/>
+                  <a:pt x="3181704" y="17989"/>
+                  <a:pt x="3182692" y="27432"/>
+                </a:cubicBezTo>
+                <a:cubicBezTo>
+                  <a:pt x="3039109" y="-3557"/>
+                  <a:pt x="2823860" y="22992"/>
+                  <a:pt x="2546154" y="27432"/>
+                </a:cubicBezTo>
+                <a:cubicBezTo>
+                  <a:pt x="2268448" y="31872"/>
+                  <a:pt x="2098674" y="14435"/>
+                  <a:pt x="1845961" y="27432"/>
+                </a:cubicBezTo>
+                <a:cubicBezTo>
+                  <a:pt x="1593248" y="40429"/>
+                  <a:pt x="1456743" y="36704"/>
+                  <a:pt x="1304904" y="27432"/>
+                </a:cubicBezTo>
+                <a:cubicBezTo>
+                  <a:pt x="1153065" y="18160"/>
+                  <a:pt x="947204" y="20270"/>
+                  <a:pt x="668365" y="27432"/>
+                </a:cubicBezTo>
+                <a:cubicBezTo>
+                  <a:pt x="389526" y="34594"/>
+                  <a:pt x="288244" y="4516"/>
+                  <a:pt x="0" y="27432"/>
+                </a:cubicBezTo>
+                <a:cubicBezTo>
+                  <a:pt x="1300" y="19678"/>
+                  <a:pt x="-86" y="12044"/>
+                  <a:pt x="0" y="0"/>
+                </a:cubicBezTo>
+                <a:close/>
+              </a:path>
+            </a:pathLst>
+          </a:custGeom>
+          <a:solidFill>
+            <a:schemeClr val="accent2"/>
+          </a:solidFill>
+          <a:ln w="41275" cap="rnd">
+            <a:solidFill>
+              <a:schemeClr val="accent2"/>
+            </a:solidFill>
+            <a:round/>
+            <a:extLst>
+              <a:ext uri="{C807C97D-BFC1-408E-A445-0C87EB9F89A2}">
+                <ask:lineSketchStyleProps xmlns:ask="http://schemas.microsoft.com/office/drawing/2018/sketchyshapes" sd="1219033472">
+                  <a:prstGeom prst="rect">
+                    <a:avLst/>
+                  </a:prstGeom>
+                  <ask:type>
+                    <ask:lineSketchFreehand/>
+                  </ask:type>
+                </ask:lineSketchStyleProps>
+              </a:ext>
+            </a:extLst>
+          </a:ln>
+        </p:spPr>
+        <p:style>
+          <a:lnRef idx="2">
+            <a:schemeClr val="accent1">
+              <a:shade val="50000"/>
+            </a:schemeClr>
+          </a:lnRef>
+          <a:fillRef idx="1">
+            <a:schemeClr val="accent1"/>
+          </a:fillRef>
+          <a:effectRef idx="0">
+            <a:schemeClr val="accent1"/>
+          </a:effectRef>
+          <a:fontRef idx="minor">
+            <a:schemeClr val="lt1"/>
+          </a:fontRef>
+        </p:style>
+        <p:txBody>
+          <a:bodyPr rtlCol="0" anchor="ctr"/>
+          <a:lstStyle/>
+          <a:p>
+            <a:pPr algn="ctr"/>
+            <a:endParaRPr lang="en-US"/>
+          </a:p>
+        </p:txBody>
+      </p:sp>
+      <p:pic>
+        <p:nvPicPr>
+          <p:cNvPr id="1028" name="Picture 4" descr="Propensity Models - Get Multi-sourced In-market and Behavioral Models">
+            <a:extLst>
+              <a:ext uri="{FF2B5EF4-FFF2-40B4-BE49-F238E27FC236}">
+                <a16:creationId xmlns:a16="http://schemas.microsoft.com/office/drawing/2014/main" id="{30C5652C-C4B4-D468-2C22-BC35FB1D7811}"/>
+              </a:ext>
+            </a:extLst>
+          </p:cNvPr>
+          <p:cNvPicPr>
+            <a:picLocks noChangeAspect="1" noChangeArrowheads="1"/>
+          </p:cNvPicPr>
+          <p:nvPr/>
+        </p:nvPicPr>
+        <p:blipFill>
+          <a:blip r:embed="rId2">
+            <a:extLst>
+              <a:ext uri="{28A0092B-C50C-407E-A947-70E740481C1C}">
+                <a14:useLocalDpi xmlns:a14="http://schemas.microsoft.com/office/drawing/2010/main" val="0"/>
+              </a:ext>
+            </a:extLst>
+          </a:blip>
+          <a:srcRect/>
+          <a:stretch>
+            <a:fillRect/>
+          </a:stretch>
+        </p:blipFill>
+        <p:spPr bwMode="auto">
+          <a:xfrm>
+            <a:off x="382944" y="1382915"/>
+            <a:ext cx="3026352" cy="3026352"/>
+          </a:xfrm>
+          <a:prstGeom prst="rect">
+            <a:avLst/>
+          </a:prstGeom>
+          <a:noFill/>
+          <a:extLst>
+            <a:ext uri="{909E8E84-426E-40DD-AFC4-6F175D3DCCD1}">
+              <a14:hiddenFill xmlns:a14="http://schemas.microsoft.com/office/drawing/2010/main">
+                <a:solidFill>
+                  <a:srgbClr val="FFFFFF"/>
+                </a:solidFill>
+              </a14:hiddenFill>
+            </a:ext>
+          </a:extLst>
+        </p:spPr>
+      </p:pic>
+    </p:spTree>
+  </p:cSld>
+  <p:clrMapOvr>
+    <a:masterClrMapping/>
+  </p:clrMapOvr>
+  <p:timing>
+    <p:tnLst>
+      <p:par>
+        <p:cTn id="1" dur="indefinite" restart="never" nodeType="tmRoot">
+          <p:childTnLst>
+            <p:seq concurrent="1" nextAc="seek">
+              <p:cTn id="2" dur="indefinite" nodeType="mainSeq">
+                <p:childTnLst>
+                  <p:par>
+                    <p:cTn id="3" fill="hold">
+                      <p:stCondLst>
+                        <p:cond delay="indefinite"/>
+                        <p:cond evt="onBegin" delay="0">
+                          <p:tn val="2"/>
+                        </p:cond>
+                      </p:stCondLst>
+                      <p:childTnLst>
+                        <p:par>
+                          <p:cTn id="4" fill="hold">
+                            <p:stCondLst>
+                              <p:cond delay="0"/>
+                            </p:stCondLst>
+                            <p:childTnLst>
+                              <p:par>
+                                <p:cTn id="5" presetID="10" presetClass="entr" presetSubtype="0" fill="hold" grpId="0" nodeType="withEffect">
+                                  <p:stCondLst>
+                                    <p:cond delay="1000"/>
+                                  </p:stCondLst>
+                                  <p:iterate type="lt">
+                                    <p:tmPct val="10000"/>
+                                  </p:iterate>
+                                  <p:childTnLst>
+                                    <p:set>
+                                      <p:cBhvr>
+                                        <p:cTn id="6" dur="1" fill="hold">
+                                          <p:stCondLst>
+                                            <p:cond delay="0"/>
+                                          </p:stCondLst>
+                                        </p:cTn>
+                                        <p:tgtEl>
+                                          <p:spTgt spid="2"/>
+                                        </p:tgtEl>
+                                        <p:attrNameLst>
+                                          <p:attrName>style.visibility</p:attrName>
+                                        </p:attrNameLst>
+                                      </p:cBhvr>
+                                      <p:to>
+                                        <p:strVal val="visible"/>
+                                      </p:to>
+                                    </p:set>
+                                    <p:animEffect transition="in" filter="fade">
+                                      <p:cBhvr>
+                                        <p:cTn id="7" dur="400"/>
+                                        <p:tgtEl>
+                                          <p:spTgt spid="2"/>
+                                        </p:tgtEl>
+                                      </p:cBhvr>
+                                    </p:animEffect>
+                                  </p:childTnLst>
+                                </p:cTn>
+                              </p:par>
+                              <p:par>
+                                <p:cTn id="8" presetID="10" presetClass="entr" presetSubtype="0" fill="hold" grpId="0" nodeType="withEffect">
+                                  <p:stCondLst>
+                                    <p:cond delay="2000"/>
+                                  </p:stCondLst>
+                                  <p:iterate type="lt">
+                                    <p:tmPct val="10000"/>
+                                  </p:iterate>
+                                  <p:childTnLst>
+                                    <p:set>
+                                      <p:cBhvr>
+                                        <p:cTn id="9" dur="1" fill="hold">
+                                          <p:stCondLst>
+                                            <p:cond delay="0"/>
+                                          </p:stCondLst>
+                                        </p:cTn>
+                                        <p:tgtEl>
+                                          <p:spTgt spid="3">
+                                            <p:txEl>
+                                              <p:pRg st="0" end="0"/>
+                                            </p:txEl>
+                                          </p:spTgt>
+                                        </p:tgtEl>
+                                        <p:attrNameLst>
+                                          <p:attrName>style.visibility</p:attrName>
+                                        </p:attrNameLst>
+                                      </p:cBhvr>
+                                      <p:to>
+                                        <p:strVal val="visible"/>
+                                      </p:to>
+                                    </p:set>
+                                    <p:animEffect transition="in" filter="fade">
+                                      <p:cBhvr>
+                                        <p:cTn id="10" dur="400"/>
+                                        <p:tgtEl>
+                                          <p:spTgt spid="3">
+                                            <p:txEl>
+                                              <p:pRg st="0" end="0"/>
+                                            </p:txEl>
+                                          </p:spTgt>
+                                        </p:tgtEl>
+                                      </p:cBhvr>
+                                    </p:animEffect>
+                                  </p:childTnLst>
+                                </p:cTn>
+                              </p:par>
+                            </p:childTnLst>
+                          </p:cTn>
+                        </p:par>
+                      </p:childTnLst>
+                    </p:cTn>
+                  </p:par>
+                </p:childTnLst>
+              </p:cTn>
+              <p:prevCondLst>
+                <p:cond evt="onPrev" delay="0">
+                  <p:tgtEl>
+                    <p:sldTgt/>
+                  </p:tgtEl>
+                </p:cond>
+              </p:prevCondLst>
+              <p:nextCondLst>
+                <p:cond evt="onNext" delay="0">
+                  <p:tgtEl>
+                    <p:sldTgt/>
+                  </p:tgtEl>
+                </p:cond>
+              </p:nextCondLst>
+            </p:seq>
+          </p:childTnLst>
+        </p:cTn>
+      </p:par>
+    </p:tnLst>
+    <p:bldLst>
+      <p:bldP spid="2" grpId="0"/>
+      <p:bldP spid="3" grpId="0" build="p"/>
+    </p:bldLst>
+  </p:timing>
+</p:sld>
+</file>
+
+<file path=ppt/slides/slide10.xml><?xml version="1.0" encoding="utf-8"?>
+<p:sld xmlns:a="http://schemas.openxmlformats.org/drawingml/2006/main" xmlns:r="http://schemas.openxmlformats.org/officeDocument/2006/relationships" xmlns:p="http://schemas.openxmlformats.org/presentationml/2006/main">
   <p:cSld>
     <p:spTree>
       <p:nvGrpSpPr>
@@ -3098,7 +6727,14 @@
         <p:cNvGrpSpPr/>
         <p:nvPr/>
       </p:nvGrpSpPr>
-      <p:grpSpPr/>
+      <p:grpSpPr>
+        <a:xfrm>
+          <a:off x="0" y="0"/>
+          <a:ext cx="0" cy="0"/>
+          <a:chOff x="0" y="0"/>
+          <a:chExt cx="0" cy="0"/>
+        </a:xfrm>
+      </p:grpSpPr>
       <p:sp>
         <p:nvSpPr>
           <p:cNvPr id="2" name="Title 1"/>
@@ -3106,7 +6742,7 @@
             <a:spLocks noGrp="1"/>
           </p:cNvSpPr>
           <p:nvPr>
-            <p:ph type="ctrTitle"/>
+            <p:ph type="title"/>
           </p:nvPr>
         </p:nvSpPr>
         <p:spPr/>
@@ -3115,109 +6751,70 @@
           <a:lstStyle/>
           <a:p>
             <a:r>
-              <a:t>Propensity Model for Predicting User Conversion</a:t>
-            </a:r>
-          </a:p>
-        </p:txBody>
-      </p:sp>
-      <p:sp>
-        <p:nvSpPr>
-          <p:cNvPr id="3" name="Subtitle 2"/>
+              <a:t>Model Training and Results</a:t>
+            </a:r>
+          </a:p>
+        </p:txBody>
+      </p:sp>
+      <p:sp>
+        <p:nvSpPr>
+          <p:cNvPr id="3" name="Content Placeholder 2"/>
           <p:cNvSpPr>
             <a:spLocks noGrp="1"/>
           </p:cNvSpPr>
           <p:nvPr>
-            <p:ph type="subTitle" idx="1"/>
+            <p:ph idx="1"/>
           </p:nvPr>
         </p:nvSpPr>
         <p:spPr/>
         <p:txBody>
-          <a:bodyPr/>
+          <a:bodyPr>
+            <a:normAutofit fontScale="92500" lnSpcReduction="20000"/>
+          </a:bodyPr>
           <a:lstStyle/>
           <a:p>
             <a:r>
-              <a:t>Applications in Google Ads Spend and Budget Optimization</a:t>
-            </a:r>
-          </a:p>
-        </p:txBody>
-      </p:sp>
-    </p:spTree>
-  </p:cSld>
-  <p:clrMapOvr>
-    <a:masterClrMapping/>
-  </p:clrMapOvr>
-</p:sld>
-</file>
-
-<file path=ppt/slides/slide10.xml><?xml version="1.0" encoding="utf-8"?>
-<p:sld xmlns:a="http://schemas.openxmlformats.org/drawingml/2006/main" xmlns:p="http://schemas.openxmlformats.org/presentationml/2006/main" xmlns:r="http://schemas.openxmlformats.org/officeDocument/2006/relationships">
-  <p:cSld>
-    <p:spTree>
-      <p:nvGrpSpPr>
-        <p:cNvPr id="1" name=""/>
-        <p:cNvGrpSpPr/>
-        <p:nvPr/>
-      </p:nvGrpSpPr>
-      <p:grpSpPr/>
-      <p:sp>
-        <p:nvSpPr>
-          <p:cNvPr id="2" name="Title 1"/>
-          <p:cNvSpPr>
-            <a:spLocks noGrp="1"/>
-          </p:cNvSpPr>
-          <p:nvPr>
-            <p:ph type="title"/>
-          </p:nvPr>
-        </p:nvSpPr>
-        <p:spPr/>
-        <p:txBody>
-          <a:bodyPr/>
-          <a:lstStyle/>
-          <a:p>
-            <a:r>
-              <a:t>Model Evaluation on Test Data</a:t>
-            </a:r>
-          </a:p>
-        </p:txBody>
-      </p:sp>
-      <p:sp>
-        <p:nvSpPr>
-          <p:cNvPr id="3" name="Content Placeholder 2"/>
-          <p:cNvSpPr>
-            <a:spLocks noGrp="1"/>
-          </p:cNvSpPr>
-          <p:nvPr>
-            <p:ph idx="1"/>
-          </p:nvPr>
-        </p:nvSpPr>
-        <p:spPr/>
-        <p:txBody>
-          <a:bodyPr/>
-          <a:lstStyle/>
-          <a:p>
-            <a:r>
-              <a:t>Evaluation Metrics:</a:t>
-            </a:r>
-          </a:p>
-          <a:p>
-            <a:r>
-              <a:t>- Test Precision, Recall, F1 Score, and AUC.</a:t>
-            </a:r>
-          </a:p>
-          <a:p/>
-          <a:p>
-            <a:r>
-              <a:t>Precision-Recall Tradeoff:</a:t>
-            </a:r>
-          </a:p>
-          <a:p>
-            <a:r>
-              <a:t>- Model performance for precise targeting vs. broader recall.</a:t>
-            </a:r>
-          </a:p>
-          <a:p>
-            <a:r>
-              <a:t>- Precision-Recall Curve and AUC interpretation.</a:t>
+              <a:rPr dirty="0"/>
+              <a:t>Training Model:</a:t>
+            </a:r>
+          </a:p>
+          <a:p>
+            <a:pPr lvl="1"/>
+            <a:r>
+              <a:rPr dirty="0"/>
+              <a:t>Random Forest on resampled data.</a:t>
+            </a:r>
+          </a:p>
+          <a:p>
+            <a:endParaRPr dirty="0"/>
+          </a:p>
+          <a:p>
+            <a:r>
+              <a:rPr dirty="0"/>
+              <a:t>Evaluation on Training Set:</a:t>
+            </a:r>
+          </a:p>
+          <a:p>
+            <a:pPr lvl="1"/>
+            <a:r>
+              <a:rPr dirty="0"/>
+              <a:t>Precision, Recall, F1 Score, AUC.</a:t>
+            </a:r>
+          </a:p>
+          <a:p>
+            <a:endParaRPr dirty="0"/>
+          </a:p>
+          <a:p>
+            <a:r>
+              <a:rPr dirty="0"/>
+              <a:t>Observations:</a:t>
+            </a:r>
+          </a:p>
+          <a:p>
+            <a:pPr lvl="1"/>
+            <a:r>
+              <a:rPr dirty="0"/>
+              <a:t>Model precision and recall scores indicating potential for both targeted spend and broader budget strategies.</a:t>
             </a:r>
           </a:p>
         </p:txBody>
@@ -3231,7 +6828,7 @@
 </file>
 
 <file path=ppt/slides/slide11.xml><?xml version="1.0" encoding="utf-8"?>
-<p:sld xmlns:a="http://schemas.openxmlformats.org/drawingml/2006/main" xmlns:p="http://schemas.openxmlformats.org/presentationml/2006/main" xmlns:r="http://schemas.openxmlformats.org/officeDocument/2006/relationships">
+<p:sld xmlns:a="http://schemas.openxmlformats.org/drawingml/2006/main" xmlns:r="http://schemas.openxmlformats.org/officeDocument/2006/relationships" xmlns:p="http://schemas.openxmlformats.org/presentationml/2006/main">
   <p:cSld>
     <p:spTree>
       <p:nvGrpSpPr>
@@ -3239,7 +6836,14 @@
         <p:cNvGrpSpPr/>
         <p:nvPr/>
       </p:nvGrpSpPr>
-      <p:grpSpPr/>
+      <p:grpSpPr>
+        <a:xfrm>
+          <a:off x="0" y="0"/>
+          <a:ext cx="0" cy="0"/>
+          <a:chOff x="0" y="0"/>
+          <a:chExt cx="0" cy="0"/>
+        </a:xfrm>
+      </p:grpSpPr>
       <p:sp>
         <p:nvSpPr>
           <p:cNvPr id="2" name="Title 1"/>
@@ -3256,7 +6860,7 @@
           <a:lstStyle/>
           <a:p>
             <a:r>
-              <a:t>Google Ads Applications</a:t>
+              <a:t>Model Evaluation on Test Data</a:t>
             </a:r>
           </a:p>
         </p:txBody>
@@ -3277,39 +6881,30 @@
           <a:lstStyle/>
           <a:p>
             <a:r>
-              <a:t>Spend Optimization:</a:t>
-            </a:r>
-          </a:p>
-          <a:p>
-            <a:r>
-              <a:t>- Target high-propensity users.</a:t>
-            </a:r>
-          </a:p>
-          <a:p>
-            <a:r>
-              <a:t>- Adjust bidding strategy based on model precision.</a:t>
-            </a:r>
-          </a:p>
-          <a:p/>
-          <a:p>
-            <a:r>
-              <a:t>Budget Optimization:</a:t>
-            </a:r>
-          </a:p>
-          <a:p>
-            <a:r>
-              <a:t>- Segment users and prioritize ad spend for higher-recall.</a:t>
-            </a:r>
-          </a:p>
-          <a:p/>
-          <a:p>
-            <a:r>
-              <a:t>Hybrid Strategy:</a:t>
-            </a:r>
-          </a:p>
-          <a:p>
-            <a:r>
-              <a:t>- Combined strategy for retargeting users based on model outcomes.</a:t>
+              <a:t>Evaluation Metrics:</a:t>
+            </a:r>
+          </a:p>
+          <a:p>
+            <a:r>
+              <a:t>- Test Precision, Recall, F1 Score, and AUC.</a:t>
+            </a:r>
+          </a:p>
+          <a:p>
+            <a:endParaRPr/>
+          </a:p>
+          <a:p>
+            <a:r>
+              <a:t>Precision-Recall Tradeoff:</a:t>
+            </a:r>
+          </a:p>
+          <a:p>
+            <a:r>
+              <a:t>- Model performance for precise targeting vs. broader recall.</a:t>
+            </a:r>
+          </a:p>
+          <a:p>
+            <a:r>
+              <a:t>- Precision-Recall Curve and AUC interpretation.</a:t>
             </a:r>
           </a:p>
         </p:txBody>
@@ -3323,7 +6918,7 @@
 </file>
 
 <file path=ppt/slides/slide12.xml><?xml version="1.0" encoding="utf-8"?>
-<p:sld xmlns:a="http://schemas.openxmlformats.org/drawingml/2006/main" xmlns:p="http://schemas.openxmlformats.org/presentationml/2006/main" xmlns:r="http://schemas.openxmlformats.org/officeDocument/2006/relationships">
+<p:sld xmlns:a="http://schemas.openxmlformats.org/drawingml/2006/main" xmlns:r="http://schemas.openxmlformats.org/officeDocument/2006/relationships" xmlns:p="http://schemas.openxmlformats.org/presentationml/2006/main">
   <p:cSld>
     <p:spTree>
       <p:nvGrpSpPr>
@@ -3331,7 +6926,14 @@
         <p:cNvGrpSpPr/>
         <p:nvPr/>
       </p:nvGrpSpPr>
-      <p:grpSpPr/>
+      <p:grpSpPr>
+        <a:xfrm>
+          <a:off x="0" y="0"/>
+          <a:ext cx="0" cy="0"/>
+          <a:chOff x="0" y="0"/>
+          <a:chExt cx="0" cy="0"/>
+        </a:xfrm>
+      </p:grpSpPr>
       <p:sp>
         <p:nvSpPr>
           <p:cNvPr id="2" name="Title 1"/>
@@ -3365,42 +6967,70 @@
         </p:nvSpPr>
         <p:spPr/>
         <p:txBody>
-          <a:bodyPr/>
+          <a:bodyPr>
+            <a:noAutofit/>
+          </a:bodyPr>
           <a:lstStyle/>
           <a:p>
             <a:r>
+              <a:rPr sz="2800" dirty="0"/>
               <a:t>Summary:</a:t>
             </a:r>
           </a:p>
           <a:p>
-            <a:r>
-              <a:t>- Effective prediction of user conversion likelihood.</a:t>
-            </a:r>
-          </a:p>
-          <a:p>
-            <a:r>
-              <a:t>- Model supports targeted and budget-optimized strategies.</a:t>
-            </a:r>
-          </a:p>
-          <a:p/>
-          <a:p>
-            <a:r>
+            <a:pPr lvl="1"/>
+            <a:r>
+              <a:rPr lang="en-US" sz="2000" dirty="0"/>
+              <a:t>Training score is moderate, with higher recall but lower precision. </a:t>
+            </a:r>
+          </a:p>
+          <a:p>
+            <a:pPr lvl="1"/>
+            <a:r>
+              <a:rPr lang="en-US" sz="2000" dirty="0"/>
+              <a:t>Model over predicts minority class. </a:t>
+            </a:r>
+          </a:p>
+          <a:p>
+            <a:pPr marL="457200" lvl="1" indent="0">
+              <a:buNone/>
+            </a:pPr>
+            <a:endParaRPr sz="2000" dirty="0"/>
+          </a:p>
+          <a:p>
+            <a:r>
+              <a:rPr lang="en-US" sz="2800" dirty="0"/>
+              <a:t>Potential </a:t>
+            </a:r>
+            <a:r>
+              <a:rPr sz="2800" dirty="0"/>
               <a:t>Next Steps:</a:t>
             </a:r>
-          </a:p>
-          <a:p>
-            <a:r>
-              <a:t>- Fine-tune model for further accuracy.</a:t>
-            </a:r>
-          </a:p>
-          <a:p>
-            <a:r>
-              <a:t>- Explore additional features and external data sources.</a:t>
-            </a:r>
-          </a:p>
-          <a:p>
-            <a:r>
-              <a:t>- Implement A/B testing in ad campaigns to validate performance.</a:t>
+            <a:endParaRPr lang="en-US" sz="2800" dirty="0"/>
+          </a:p>
+          <a:p>
+            <a:pPr lvl="1"/>
+            <a:r>
+              <a:rPr lang="en-US" sz="2000" dirty="0"/>
+              <a:t>Resampling and apply class weights</a:t>
+            </a:r>
+          </a:p>
+          <a:p>
+            <a:pPr lvl="1"/>
+            <a:r>
+              <a:rPr lang="en-US" sz="2000" dirty="0"/>
+              <a:t>Additional feature engineering, such as mapping countries to continents/GDP, categorizing regions by income level, etc. </a:t>
+            </a:r>
+          </a:p>
+          <a:p>
+            <a:pPr lvl="1"/>
+            <a:r>
+              <a:rPr lang="en-US" sz="2000" dirty="0"/>
+              <a:t>Implement K-fold cross validations and f</a:t>
+            </a:r>
+            <a:r>
+              <a:rPr sz="2000" dirty="0"/>
+              <a:t>ine-tune model for further accuracy.</a:t>
             </a:r>
           </a:p>
         </p:txBody>
@@ -3414,15 +7044,332 @@
 </file>
 
 <file path=ppt/slides/slide2.xml><?xml version="1.0" encoding="utf-8"?>
-<p:sld xmlns:a="http://schemas.openxmlformats.org/drawingml/2006/main" xmlns:p="http://schemas.openxmlformats.org/presentationml/2006/main" xmlns:r="http://schemas.openxmlformats.org/officeDocument/2006/relationships">
+<p:sld xmlns:a="http://schemas.openxmlformats.org/drawingml/2006/main" xmlns:r="http://schemas.openxmlformats.org/officeDocument/2006/relationships" xmlns:p="http://schemas.openxmlformats.org/presentationml/2006/main">
   <p:cSld>
+    <p:bg>
+      <p:bgPr>
+        <a:solidFill>
+          <a:schemeClr val="bg1"/>
+        </a:solidFill>
+        <a:effectLst/>
+      </p:bgPr>
+    </p:bg>
     <p:spTree>
       <p:nvGrpSpPr>
         <p:cNvPr id="1" name=""/>
         <p:cNvGrpSpPr/>
         <p:nvPr/>
       </p:nvGrpSpPr>
-      <p:grpSpPr/>
+      <p:grpSpPr>
+        <a:xfrm>
+          <a:off x="0" y="0"/>
+          <a:ext cx="0" cy="0"/>
+          <a:chOff x="0" y="0"/>
+          <a:chExt cx="0" cy="0"/>
+        </a:xfrm>
+      </p:grpSpPr>
+      <p:sp useBgFill="1">
+        <p:nvSpPr>
+          <p:cNvPr id="9" name="Rectangle 8">
+            <a:extLst>
+              <a:ext uri="{FF2B5EF4-FFF2-40B4-BE49-F238E27FC236}">
+                <a16:creationId xmlns:a16="http://schemas.microsoft.com/office/drawing/2014/main" id="{BACC6370-2D7E-4714-9D71-7542949D7D5D}"/>
+              </a:ext>
+              <a:ext uri="{C183D7F6-B498-43B3-948B-1728B52AA6E4}">
+                <adec:decorative xmlns:adec="http://schemas.microsoft.com/office/drawing/2017/decorative" val="1"/>
+              </a:ext>
+            </a:extLst>
+          </p:cNvPr>
+          <p:cNvSpPr>
+            <a:spLocks noGrp="1" noRot="1" noChangeAspect="1" noMove="1" noResize="1" noEditPoints="1" noAdjustHandles="1" noChangeArrowheads="1" noChangeShapeType="1" noTextEdit="1"/>
+          </p:cNvSpPr>
+          <p:nvPr>
+            <p:extLst>
+              <p:ext uri="{386F3935-93C4-4BCD-93E2-E3B085C9AB24}">
+                <p16:designElem xmlns:p16="http://schemas.microsoft.com/office/powerpoint/2015/main" val="1"/>
+              </p:ext>
+            </p:extLst>
+          </p:nvPr>
+        </p:nvSpPr>
+        <p:spPr>
+          <a:xfrm>
+            <a:off x="0" y="0"/>
+            <a:ext cx="9144000" cy="6858000"/>
+          </a:xfrm>
+          <a:prstGeom prst="rect">
+            <a:avLst/>
+          </a:prstGeom>
+          <a:ln w="12700" cap="flat" cmpd="sng" algn="ctr">
+            <a:noFill/>
+            <a:prstDash val="solid"/>
+            <a:miter lim="800000"/>
+          </a:ln>
+          <a:effectLst/>
+          <a:extLst>
+            <a:ext uri="{91240B29-F687-4F45-9708-019B960494DF}">
+              <a14:hiddenLine xmlns:a14="http://schemas.microsoft.com/office/drawing/2010/main" w="12700" cap="flat" cmpd="sng" algn="ctr">
+                <a:solidFill>
+                  <a:schemeClr val="accent1">
+                    <a:shade val="50000"/>
+                  </a:schemeClr>
+                </a:solidFill>
+                <a:prstDash val="solid"/>
+                <a:miter lim="800000"/>
+              </a14:hiddenLine>
+            </a:ext>
+          </a:extLst>
+        </p:spPr>
+        <p:style>
+          <a:lnRef idx="2">
+            <a:schemeClr val="accent1">
+              <a:shade val="50000"/>
+            </a:schemeClr>
+          </a:lnRef>
+          <a:fillRef idx="1">
+            <a:schemeClr val="accent1"/>
+          </a:fillRef>
+          <a:effectRef idx="0">
+            <a:schemeClr val="accent1"/>
+          </a:effectRef>
+          <a:fontRef idx="minor">
+            <a:schemeClr val="lt1"/>
+          </a:fontRef>
+        </p:style>
+        <p:txBody>
+          <a:bodyPr rtlCol="0" anchor="ctr"/>
+          <a:lstStyle/>
+          <a:p>
+            <a:pPr algn="ctr"/>
+            <a:endParaRPr lang="en-US"/>
+          </a:p>
+        </p:txBody>
+      </p:sp>
+      <p:sp>
+        <p:nvSpPr>
+          <p:cNvPr id="11" name="Rectangle 10">
+            <a:extLst>
+              <a:ext uri="{FF2B5EF4-FFF2-40B4-BE49-F238E27FC236}">
+                <a16:creationId xmlns:a16="http://schemas.microsoft.com/office/drawing/2014/main" id="{F68B3F68-107C-434F-AA38-110D5EA91B85}"/>
+              </a:ext>
+              <a:ext uri="{C183D7F6-B498-43B3-948B-1728B52AA6E4}">
+                <adec:decorative xmlns:adec="http://schemas.microsoft.com/office/drawing/2017/decorative" val="1"/>
+              </a:ext>
+            </a:extLst>
+          </p:cNvPr>
+          <p:cNvSpPr>
+            <a:spLocks noGrp="1" noRot="1" noChangeAspect="1" noMove="1" noResize="1" noEditPoints="1" noAdjustHandles="1" noChangeArrowheads="1" noChangeShapeType="1" noTextEdit="1"/>
+          </p:cNvSpPr>
+          <p:nvPr>
+            <p:extLst>
+              <p:ext uri="{386F3935-93C4-4BCD-93E2-E3B085C9AB24}">
+                <p16:designElem xmlns:p16="http://schemas.microsoft.com/office/powerpoint/2015/main" val="1"/>
+              </p:ext>
+            </p:extLst>
+          </p:nvPr>
+        </p:nvSpPr>
+        <p:spPr>
+          <a:xfrm flipH="1">
+            <a:off x="1" y="0"/>
+            <a:ext cx="9143999" cy="1575955"/>
+          </a:xfrm>
+          <a:prstGeom prst="rect">
+            <a:avLst/>
+          </a:prstGeom>
+          <a:gradFill>
+            <a:gsLst>
+              <a:gs pos="0">
+                <a:srgbClr val="000000">
+                  <a:alpha val="96000"/>
+                </a:srgbClr>
+              </a:gs>
+              <a:gs pos="100000">
+                <a:schemeClr val="accent1">
+                  <a:lumMod val="75000"/>
+                </a:schemeClr>
+              </a:gs>
+            </a:gsLst>
+            <a:lin ang="8400000" scaled="0"/>
+          </a:gradFill>
+          <a:ln>
+            <a:noFill/>
+          </a:ln>
+        </p:spPr>
+        <p:style>
+          <a:lnRef idx="2">
+            <a:schemeClr val="accent1">
+              <a:shade val="50000"/>
+            </a:schemeClr>
+          </a:lnRef>
+          <a:fillRef idx="1">
+            <a:schemeClr val="accent1"/>
+          </a:fillRef>
+          <a:effectRef idx="0">
+            <a:schemeClr val="accent1"/>
+          </a:effectRef>
+          <a:fontRef idx="minor">
+            <a:schemeClr val="lt1"/>
+          </a:fontRef>
+        </p:style>
+        <p:txBody>
+          <a:bodyPr rtlCol="0" anchor="ctr"/>
+          <a:lstStyle/>
+          <a:p>
+            <a:pPr algn="ctr"/>
+            <a:endParaRPr lang="en-US"/>
+          </a:p>
+        </p:txBody>
+      </p:sp>
+      <p:sp>
+        <p:nvSpPr>
+          <p:cNvPr id="13" name="Rectangle 12">
+            <a:extLst>
+              <a:ext uri="{FF2B5EF4-FFF2-40B4-BE49-F238E27FC236}">
+                <a16:creationId xmlns:a16="http://schemas.microsoft.com/office/drawing/2014/main" id="{AAD0DBB9-1A4B-4391-81D4-CB19F9AB918A}"/>
+              </a:ext>
+              <a:ext uri="{C183D7F6-B498-43B3-948B-1728B52AA6E4}">
+                <adec:decorative xmlns:adec="http://schemas.microsoft.com/office/drawing/2017/decorative" val="1"/>
+              </a:ext>
+            </a:extLst>
+          </p:cNvPr>
+          <p:cNvSpPr>
+            <a:spLocks noGrp="1" noRot="1" noChangeAspect="1" noMove="1" noResize="1" noEditPoints="1" noAdjustHandles="1" noChangeArrowheads="1" noChangeShapeType="1" noTextEdit="1"/>
+          </p:cNvSpPr>
+          <p:nvPr>
+            <p:extLst>
+              <p:ext uri="{386F3935-93C4-4BCD-93E2-E3B085C9AB24}">
+                <p16:designElem xmlns:p16="http://schemas.microsoft.com/office/powerpoint/2015/main" val="1"/>
+              </p:ext>
+            </p:extLst>
+          </p:nvPr>
+        </p:nvSpPr>
+        <p:spPr>
+          <a:xfrm rot="10800000" flipH="1">
+            <a:off x="6096642" y="0"/>
+            <a:ext cx="3047358" cy="1576412"/>
+          </a:xfrm>
+          <a:prstGeom prst="rect">
+            <a:avLst/>
+          </a:prstGeom>
+          <a:gradFill>
+            <a:gsLst>
+              <a:gs pos="19000">
+                <a:schemeClr val="accent1">
+                  <a:lumMod val="50000"/>
+                  <a:alpha val="68000"/>
+                </a:schemeClr>
+              </a:gs>
+              <a:gs pos="100000">
+                <a:schemeClr val="accent1">
+                  <a:alpha val="79000"/>
+                </a:schemeClr>
+              </a:gs>
+            </a:gsLst>
+            <a:lin ang="19200000" scaled="0"/>
+          </a:gradFill>
+          <a:ln>
+            <a:noFill/>
+          </a:ln>
+        </p:spPr>
+        <p:style>
+          <a:lnRef idx="2">
+            <a:schemeClr val="accent1">
+              <a:shade val="50000"/>
+            </a:schemeClr>
+          </a:lnRef>
+          <a:fillRef idx="1">
+            <a:schemeClr val="accent1"/>
+          </a:fillRef>
+          <a:effectRef idx="0">
+            <a:schemeClr val="accent1"/>
+          </a:effectRef>
+          <a:fontRef idx="minor">
+            <a:schemeClr val="lt1"/>
+          </a:fontRef>
+        </p:style>
+        <p:txBody>
+          <a:bodyPr rtlCol="0" anchor="ctr"/>
+          <a:lstStyle/>
+          <a:p>
+            <a:pPr algn="ctr"/>
+            <a:endParaRPr lang="en-US"/>
+          </a:p>
+        </p:txBody>
+      </p:sp>
+      <p:sp>
+        <p:nvSpPr>
+          <p:cNvPr id="15" name="Rectangle 14">
+            <a:extLst>
+              <a:ext uri="{FF2B5EF4-FFF2-40B4-BE49-F238E27FC236}">
+                <a16:creationId xmlns:a16="http://schemas.microsoft.com/office/drawing/2014/main" id="{063BBA22-50EA-4C4D-BE05-F1CE4E63AA56}"/>
+              </a:ext>
+              <a:ext uri="{C183D7F6-B498-43B3-948B-1728B52AA6E4}">
+                <adec:decorative xmlns:adec="http://schemas.microsoft.com/office/drawing/2017/decorative" val="1"/>
+              </a:ext>
+            </a:extLst>
+          </p:cNvPr>
+          <p:cNvSpPr>
+            <a:spLocks noGrp="1" noRot="1" noChangeAspect="1" noMove="1" noResize="1" noEditPoints="1" noAdjustHandles="1" noChangeArrowheads="1" noChangeShapeType="1" noTextEdit="1"/>
+          </p:cNvSpPr>
+          <p:nvPr>
+            <p:extLst>
+              <p:ext uri="{386F3935-93C4-4BCD-93E2-E3B085C9AB24}">
+                <p16:designElem xmlns:p16="http://schemas.microsoft.com/office/powerpoint/2015/main" val="1"/>
+              </p:ext>
+            </p:extLst>
+          </p:nvPr>
+        </p:nvSpPr>
+        <p:spPr>
+          <a:xfrm rot="5400000">
+            <a:off x="3783777" y="-3783778"/>
+            <a:ext cx="1576446" cy="9144002"/>
+          </a:xfrm>
+          <a:prstGeom prst="rect">
+            <a:avLst/>
+          </a:prstGeom>
+          <a:gradFill>
+            <a:gsLst>
+              <a:gs pos="23000">
+                <a:schemeClr val="accent1">
+                  <a:alpha val="0"/>
+                </a:schemeClr>
+              </a:gs>
+              <a:gs pos="99000">
+                <a:srgbClr val="000000">
+                  <a:alpha val="74000"/>
+                </a:srgbClr>
+              </a:gs>
+            </a:gsLst>
+            <a:lin ang="20400000" scaled="0"/>
+          </a:gradFill>
+          <a:ln>
+            <a:noFill/>
+          </a:ln>
+        </p:spPr>
+        <p:style>
+          <a:lnRef idx="2">
+            <a:schemeClr val="accent1">
+              <a:shade val="50000"/>
+            </a:schemeClr>
+          </a:lnRef>
+          <a:fillRef idx="1">
+            <a:schemeClr val="accent1"/>
+          </a:fillRef>
+          <a:effectRef idx="0">
+            <a:schemeClr val="accent1"/>
+          </a:effectRef>
+          <a:fontRef idx="minor">
+            <a:schemeClr val="lt1"/>
+          </a:fontRef>
+        </p:style>
+        <p:txBody>
+          <a:bodyPr rtlCol="0" anchor="ctr"/>
+          <a:lstStyle/>
+          <a:p>
+            <a:pPr algn="ctr"/>
+            <a:endParaRPr lang="en-US" dirty="0"/>
+          </a:p>
+        </p:txBody>
+      </p:sp>
       <p:sp>
         <p:nvSpPr>
           <p:cNvPr id="2" name="Title 1"/>
@@ -3433,59 +7380,57 @@
             <p:ph type="title"/>
           </p:nvPr>
         </p:nvSpPr>
-        <p:spPr/>
-        <p:txBody>
-          <a:bodyPr/>
+        <p:spPr>
+          <a:xfrm>
+            <a:off x="1028697" y="348865"/>
+            <a:ext cx="7533018" cy="877729"/>
+          </a:xfrm>
+        </p:spPr>
+        <p:txBody>
+          <a:bodyPr anchor="ctr">
+            <a:normAutofit/>
+          </a:bodyPr>
           <a:lstStyle/>
           <a:p>
             <a:r>
+              <a:rPr lang="en-US" sz="3500">
+                <a:solidFill>
+                  <a:srgbClr val="FFFFFF"/>
+                </a:solidFill>
+              </a:rPr>
               <a:t>Background &amp; Objectives</a:t>
             </a:r>
           </a:p>
         </p:txBody>
       </p:sp>
-      <p:sp>
-        <p:nvSpPr>
-          <p:cNvPr id="3" name="Content Placeholder 2"/>
-          <p:cNvSpPr>
-            <a:spLocks noGrp="1"/>
-          </p:cNvSpPr>
-          <p:nvPr>
-            <p:ph idx="1"/>
-          </p:nvPr>
-        </p:nvSpPr>
-        <p:spPr/>
-        <p:txBody>
-          <a:bodyPr/>
-          <a:lstStyle/>
-          <a:p>
-            <a:r>
-              <a:t>Background:</a:t>
-            </a:r>
-          </a:p>
-          <a:p>
-            <a:r>
-              <a:t>- Need for predicting conversion likelihood in marketing to optimize ad spending and budget.</a:t>
-            </a:r>
-          </a:p>
-          <a:p/>
-          <a:p>
-            <a:r>
-              <a:t>Objectives:</a:t>
-            </a:r>
-          </a:p>
-          <a:p>
-            <a:r>
-              <a:t>- Build a model to predict transaction likelihood.</a:t>
-            </a:r>
-          </a:p>
-          <a:p>
-            <a:r>
-              <a:t>- Apply model results for targeted ad and budget optimizations in Google Ads.</a:t>
-            </a:r>
-          </a:p>
-        </p:txBody>
-      </p:sp>
+      <p:graphicFrame>
+        <p:nvGraphicFramePr>
+          <p:cNvPr id="4" name="Diagram 3">
+            <a:extLst>
+              <a:ext uri="{FF2B5EF4-FFF2-40B4-BE49-F238E27FC236}">
+                <a16:creationId xmlns:a16="http://schemas.microsoft.com/office/drawing/2014/main" id="{955AF453-E628-7398-0425-2A041364D557}"/>
+              </a:ext>
+            </a:extLst>
+          </p:cNvPr>
+          <p:cNvGraphicFramePr/>
+          <p:nvPr>
+            <p:extLst>
+              <p:ext uri="{D42A27DB-BD31-4B8C-83A1-F6EECF244321}">
+                <p14:modId xmlns:p14="http://schemas.microsoft.com/office/powerpoint/2010/main" val="4058777250"/>
+              </p:ext>
+            </p:extLst>
+          </p:nvPr>
+        </p:nvGraphicFramePr>
+        <p:xfrm>
+          <a:off x="483042" y="1822867"/>
+          <a:ext cx="8195871" cy="4192805"/>
+        </p:xfrm>
+        <a:graphic>
+          <a:graphicData uri="http://schemas.openxmlformats.org/drawingml/2006/diagram">
+            <dgm:relIds xmlns:dgm="http://schemas.openxmlformats.org/drawingml/2006/diagram" xmlns:r="http://schemas.openxmlformats.org/officeDocument/2006/relationships" r:dm="rId2" r:lo="rId3" r:qs="rId4" r:cs="rId5"/>
+          </a:graphicData>
+        </a:graphic>
+      </p:graphicFrame>
     </p:spTree>
   </p:cSld>
   <p:clrMapOvr>
@@ -3495,7 +7440,7 @@
 </file>
 
 <file path=ppt/slides/slide3.xml><?xml version="1.0" encoding="utf-8"?>
-<p:sld xmlns:a="http://schemas.openxmlformats.org/drawingml/2006/main" xmlns:p="http://schemas.openxmlformats.org/presentationml/2006/main" xmlns:r="http://schemas.openxmlformats.org/officeDocument/2006/relationships">
+<p:sld xmlns:a="http://schemas.openxmlformats.org/drawingml/2006/main" xmlns:r="http://schemas.openxmlformats.org/officeDocument/2006/relationships" xmlns:p="http://schemas.openxmlformats.org/presentationml/2006/main">
   <p:cSld>
     <p:spTree>
       <p:nvGrpSpPr>
@@ -3503,7 +7448,14 @@
         <p:cNvGrpSpPr/>
         <p:nvPr/>
       </p:nvGrpSpPr>
-      <p:grpSpPr/>
+      <p:grpSpPr>
+        <a:xfrm>
+          <a:off x="0" y="0"/>
+          <a:ext cx="0" cy="0"/>
+          <a:chOff x="0" y="0"/>
+          <a:chExt cx="0" cy="0"/>
+        </a:xfrm>
+      </p:grpSpPr>
       <p:sp>
         <p:nvSpPr>
           <p:cNvPr id="2" name="Title 1"/>
@@ -3516,12 +7468,28 @@
         </p:nvSpPr>
         <p:spPr/>
         <p:txBody>
-          <a:bodyPr/>
+          <a:bodyPr>
+            <a:normAutofit fontScale="90000"/>
+          </a:bodyPr>
           <a:lstStyle/>
           <a:p>
             <a:r>
-              <a:t>Key Use Cases in Google Ads</a:t>
-            </a:r>
+              <a:rPr dirty="0"/>
+              <a:t>Key Use Cases </a:t>
+            </a:r>
+            <a:r>
+              <a:rPr lang="en-US" dirty="0"/>
+              <a:t>o</a:t>
+            </a:r>
+            <a:r>
+              <a:rPr dirty="0"/>
+              <a:t>n Google </a:t>
+            </a:r>
+            <a:r>
+              <a:rPr lang="en-US" dirty="0"/>
+              <a:t>Marketing Platform</a:t>
+            </a:r>
+            <a:endParaRPr dirty="0"/>
           </a:p>
         </p:txBody>
       </p:sp>
@@ -3537,53 +7505,94 @@
         </p:nvSpPr>
         <p:spPr/>
         <p:txBody>
-          <a:bodyPr/>
+          <a:bodyPr>
+            <a:normAutofit fontScale="70000" lnSpcReduction="20000"/>
+          </a:bodyPr>
           <a:lstStyle/>
           <a:p>
             <a:r>
+              <a:rPr dirty="0"/>
               <a:t>Spend Optimization:</a:t>
             </a:r>
           </a:p>
           <a:p>
-            <a:r>
-              <a:t>- Goal: Target high-likelihood converters with increased bids.</a:t>
-            </a:r>
-          </a:p>
-          <a:p>
-            <a:r>
-              <a:t>- Metric: Precision-focused for specific user targeting.</a:t>
-            </a:r>
-          </a:p>
-          <a:p/>
-          <a:p>
-            <a:r>
+            <a:pPr lvl="1"/>
+            <a:r>
+              <a:rPr dirty="0"/>
+              <a:t>Goal: </a:t>
+            </a:r>
+            <a:r>
+              <a:rPr lang="en-US" dirty="0"/>
+              <a:t>Target</a:t>
+            </a:r>
+            <a:r>
+              <a:rPr dirty="0"/>
+              <a:t> high-likelihood converters with </a:t>
+            </a:r>
+            <a:r>
+              <a:rPr lang="en-US" dirty="0"/>
+              <a:t>increased bids, optimized email campaigns or targeted video ads.</a:t>
+            </a:r>
+          </a:p>
+          <a:p>
+            <a:pPr lvl="1"/>
+            <a:r>
+              <a:rPr dirty="0"/>
+              <a:t>Metric: Precision</a:t>
+            </a:r>
+            <a:r>
+              <a:rPr lang="en-US" dirty="0"/>
+              <a:t>.</a:t>
+            </a:r>
+          </a:p>
+          <a:p>
+            <a:endParaRPr lang="en-US" dirty="0"/>
+          </a:p>
+          <a:p>
+            <a:r>
+              <a:rPr dirty="0"/>
               <a:t>Budget Optimization:</a:t>
             </a:r>
           </a:p>
           <a:p>
             <a:r>
+              <a:rPr dirty="0"/>
               <a:t>- Goal: Prioritize budget toward high-likelihood users.</a:t>
             </a:r>
           </a:p>
           <a:p>
             <a:r>
-              <a:t>- Metric: Recall-focused for broad user segmentation.</a:t>
-            </a:r>
-          </a:p>
-          <a:p/>
-          <a:p>
-            <a:r>
+              <a:rPr dirty="0"/>
+              <a:t>- Metric: Recall.</a:t>
+            </a:r>
+          </a:p>
+          <a:p>
+            <a:endParaRPr dirty="0"/>
+          </a:p>
+          <a:p>
+            <a:r>
+              <a:rPr dirty="0"/>
               <a:t>Hybrid Approach:</a:t>
             </a:r>
           </a:p>
           <a:p>
             <a:r>
+              <a:rPr dirty="0"/>
               <a:t>- Goal: Target high-likelihood users and retarget non-converters.</a:t>
             </a:r>
           </a:p>
           <a:p>
             <a:r>
-              <a:t>- Metric: Balances both precision and recall.</a:t>
+              <a:rPr dirty="0"/>
+              <a:t>- Metric: </a:t>
+            </a:r>
+            <a:r>
+              <a:rPr lang="en-US" dirty="0"/>
+              <a:t>Both </a:t>
+            </a:r>
+            <a:r>
+              <a:rPr dirty="0"/>
+              <a:t>precision and recall.</a:t>
             </a:r>
           </a:p>
         </p:txBody>
@@ -3597,7 +7606,7 @@
 </file>
 
 <file path=ppt/slides/slide4.xml><?xml version="1.0" encoding="utf-8"?>
-<p:sld xmlns:a="http://schemas.openxmlformats.org/drawingml/2006/main" xmlns:p="http://schemas.openxmlformats.org/presentationml/2006/main" xmlns:r="http://schemas.openxmlformats.org/officeDocument/2006/relationships">
+<p:sld xmlns:a="http://schemas.openxmlformats.org/drawingml/2006/main" xmlns:r="http://schemas.openxmlformats.org/officeDocument/2006/relationships" xmlns:p="http://schemas.openxmlformats.org/presentationml/2006/main">
   <p:cSld>
     <p:spTree>
       <p:nvGrpSpPr>
@@ -3605,7 +7614,14 @@
         <p:cNvGrpSpPr/>
         <p:nvPr/>
       </p:nvGrpSpPr>
-      <p:grpSpPr/>
+      <p:grpSpPr>
+        <a:xfrm>
+          <a:off x="0" y="0"/>
+          <a:ext cx="0" cy="0"/>
+          <a:chOff x="0" y="0"/>
+          <a:chExt cx="0" cy="0"/>
+        </a:xfrm>
+      </p:grpSpPr>
       <p:sp>
         <p:nvSpPr>
           <p:cNvPr id="2" name="Title 1"/>
@@ -3622,6 +7638,7 @@
           <a:lstStyle/>
           <a:p>
             <a:r>
+              <a:rPr lang="en-US"/>
               <a:t>Data Overview</a:t>
             </a:r>
           </a:p>
@@ -3637,27 +7654,67 @@
             <p:ph idx="1"/>
           </p:nvPr>
         </p:nvSpPr>
-        <p:spPr/>
-        <p:txBody>
-          <a:bodyPr/>
+        <p:spPr>
+          <a:xfrm>
+            <a:off x="457200" y="1600200"/>
+            <a:ext cx="5331012" cy="4525963"/>
+          </a:xfrm>
+        </p:spPr>
+        <p:txBody>
+          <a:bodyPr>
+            <a:normAutofit/>
+          </a:bodyPr>
           <a:lstStyle/>
           <a:p>
             <a:r>
+              <a:rPr lang="en-US" sz="2400" dirty="0"/>
               <a:t>Dataset: Google Analytics Merchandise data (example data structure shown).</a:t>
             </a:r>
           </a:p>
           <a:p>
             <a:r>
-              <a:t>Core Variables: User behavior, session info, device, medium, landing page, transaction.</a:t>
-            </a:r>
-          </a:p>
-          <a:p>
-            <a:r>
-              <a:t>Data Size: ~71,796 entries, 20 columns.</a:t>
-            </a:r>
-          </a:p>
-        </p:txBody>
-      </p:sp>
+              <a:rPr lang="en-US" sz="2400" dirty="0"/>
+              <a:t>Core Variables: User behavior, temporal, session info, device, medium, landing page, transaction.</a:t>
+            </a:r>
+          </a:p>
+          <a:p>
+            <a:r>
+              <a:rPr lang="en-US" sz="2400" dirty="0"/>
+              <a:t>Data Size: 71,796 entries, 20 columns, 4 columns contain Null.</a:t>
+            </a:r>
+          </a:p>
+        </p:txBody>
+      </p:sp>
+      <p:pic>
+        <p:nvPicPr>
+          <p:cNvPr id="7" name="Picture 6">
+            <a:extLst>
+              <a:ext uri="{FF2B5EF4-FFF2-40B4-BE49-F238E27FC236}">
+                <a16:creationId xmlns:a16="http://schemas.microsoft.com/office/drawing/2014/main" id="{FFDEE971-BAA4-73B7-6F2E-37BBDFEABC19}"/>
+              </a:ext>
+            </a:extLst>
+          </p:cNvPr>
+          <p:cNvPicPr>
+            <a:picLocks noChangeAspect="1"/>
+          </p:cNvPicPr>
+          <p:nvPr/>
+        </p:nvPicPr>
+        <p:blipFill>
+          <a:blip r:embed="rId2"/>
+          <a:stretch>
+            <a:fillRect/>
+          </a:stretch>
+        </p:blipFill>
+        <p:spPr>
+          <a:xfrm>
+            <a:off x="5842000" y="1600200"/>
+            <a:ext cx="2844800" cy="4597400"/>
+          </a:xfrm>
+          <a:prstGeom prst="rect">
+            <a:avLst/>
+          </a:prstGeom>
+        </p:spPr>
+      </p:pic>
     </p:spTree>
   </p:cSld>
   <p:clrMapOvr>
@@ -3667,7 +7724,7 @@
 </file>
 
 <file path=ppt/slides/slide5.xml><?xml version="1.0" encoding="utf-8"?>
-<p:sld xmlns:a="http://schemas.openxmlformats.org/drawingml/2006/main" xmlns:p="http://schemas.openxmlformats.org/presentationml/2006/main" xmlns:r="http://schemas.openxmlformats.org/officeDocument/2006/relationships">
+<p:sld xmlns:a="http://schemas.openxmlformats.org/drawingml/2006/main" xmlns:r="http://schemas.openxmlformats.org/officeDocument/2006/relationships" xmlns:p="http://schemas.openxmlformats.org/presentationml/2006/main">
   <p:cSld>
     <p:spTree>
       <p:nvGrpSpPr>
@@ -3675,7 +7732,14 @@
         <p:cNvGrpSpPr/>
         <p:nvPr/>
       </p:nvGrpSpPr>
-      <p:grpSpPr/>
+      <p:grpSpPr>
+        <a:xfrm>
+          <a:off x="0" y="0"/>
+          <a:ext cx="0" cy="0"/>
+          <a:chOff x="0" y="0"/>
+          <a:chExt cx="0" cy="0"/>
+        </a:xfrm>
+      </p:grpSpPr>
       <p:sp>
         <p:nvSpPr>
           <p:cNvPr id="2" name="Title 1"/>
@@ -3709,7 +7773,9 @@
         </p:nvSpPr>
         <p:spPr/>
         <p:txBody>
-          <a:bodyPr/>
+          <a:bodyPr>
+            <a:normAutofit fontScale="92500" lnSpcReduction="20000"/>
+          </a:bodyPr>
           <a:lstStyle/>
           <a:p>
             <a:r>
@@ -3721,7 +7787,9 @@
               <a:t>- Unique users, sessions, media, devices, sources.</a:t>
             </a:r>
           </a:p>
-          <a:p/>
+          <a:p>
+            <a:endParaRPr/>
+          </a:p>
           <a:p>
             <a:r>
               <a:t>Conversion Trends:</a:t>
@@ -3737,7 +7805,9 @@
               <a:t>- Source and medium with highest user volumes.</a:t>
             </a:r>
           </a:p>
-          <a:p/>
+          <a:p>
+            <a:endParaRPr/>
+          </a:p>
           <a:p>
             <a:r>
               <a:t>Observations:</a:t>
@@ -3759,18 +7829,37 @@
 </file>
 
 <file path=ppt/slides/slide6.xml><?xml version="1.0" encoding="utf-8"?>
-<p:sld xmlns:a="http://schemas.openxmlformats.org/drawingml/2006/main" xmlns:p="http://schemas.openxmlformats.org/presentationml/2006/main" xmlns:r="http://schemas.openxmlformats.org/officeDocument/2006/relationships">
+<p:sld xmlns:a="http://schemas.openxmlformats.org/drawingml/2006/main" xmlns:r="http://schemas.openxmlformats.org/officeDocument/2006/relationships" xmlns:p="http://schemas.openxmlformats.org/presentationml/2006/main">
   <p:cSld>
     <p:spTree>
       <p:nvGrpSpPr>
-        <p:cNvPr id="1" name=""/>
+        <p:cNvPr id="1" name="">
+          <a:extLst>
+            <a:ext uri="{FF2B5EF4-FFF2-40B4-BE49-F238E27FC236}">
+              <a16:creationId xmlns:a16="http://schemas.microsoft.com/office/drawing/2014/main" id="{585BF99E-56B8-714A-2D47-29980D71B844}"/>
+            </a:ext>
+          </a:extLst>
+        </p:cNvPr>
         <p:cNvGrpSpPr/>
         <p:nvPr/>
       </p:nvGrpSpPr>
-      <p:grpSpPr/>
-      <p:sp>
-        <p:nvSpPr>
-          <p:cNvPr id="2" name="Title 1"/>
+      <p:grpSpPr>
+        <a:xfrm>
+          <a:off x="0" y="0"/>
+          <a:ext cx="0" cy="0"/>
+          <a:chOff x="0" y="0"/>
+          <a:chExt cx="0" cy="0"/>
+        </a:xfrm>
+      </p:grpSpPr>
+      <p:sp>
+        <p:nvSpPr>
+          <p:cNvPr id="2" name="Title 1">
+            <a:extLst>
+              <a:ext uri="{FF2B5EF4-FFF2-40B4-BE49-F238E27FC236}">
+                <a16:creationId xmlns:a16="http://schemas.microsoft.com/office/drawing/2014/main" id="{A8C81741-EF5C-2B0F-C697-00DC03F91BC2}"/>
+              </a:ext>
+            </a:extLst>
+          </p:cNvPr>
           <p:cNvSpPr>
             <a:spLocks noGrp="1"/>
           </p:cNvSpPr>
@@ -3784,65 +7873,277 @@
           <a:lstStyle/>
           <a:p>
             <a:r>
-              <a:t>Data Preprocessing</a:t>
-            </a:r>
-          </a:p>
-        </p:txBody>
-      </p:sp>
-      <p:sp>
-        <p:nvSpPr>
-          <p:cNvPr id="3" name="Content Placeholder 2"/>
-          <p:cNvSpPr>
-            <a:spLocks noGrp="1"/>
-          </p:cNvSpPr>
-          <p:nvPr>
-            <p:ph idx="1"/>
-          </p:nvPr>
-        </p:nvSpPr>
-        <p:spPr/>
-        <p:txBody>
-          <a:bodyPr/>
+              <a:t>Exploratory Data Analysis (EDA)</a:t>
+            </a:r>
+          </a:p>
+        </p:txBody>
+      </p:sp>
+      <p:pic>
+        <p:nvPicPr>
+          <p:cNvPr id="7" name="Picture 6" descr="A red rectangular object with numbers and a blue line&#10;&#10;Description automatically generated">
+            <a:extLst>
+              <a:ext uri="{FF2B5EF4-FFF2-40B4-BE49-F238E27FC236}">
+                <a16:creationId xmlns:a16="http://schemas.microsoft.com/office/drawing/2014/main" id="{B77F4D1F-FB38-DB18-8754-0BBDBD4EE314}"/>
+              </a:ext>
+            </a:extLst>
+          </p:cNvPr>
+          <p:cNvPicPr>
+            <a:picLocks noChangeAspect="1"/>
+          </p:cNvPicPr>
+          <p:nvPr/>
+        </p:nvPicPr>
+        <p:blipFill>
+          <a:blip r:embed="rId2"/>
+          <a:stretch>
+            <a:fillRect/>
+          </a:stretch>
+        </p:blipFill>
+        <p:spPr>
+          <a:xfrm>
+            <a:off x="453321" y="1243689"/>
+            <a:ext cx="2177405" cy="1615619"/>
+          </a:xfrm>
+          <a:prstGeom prst="rect">
+            <a:avLst/>
+          </a:prstGeom>
+        </p:spPr>
+      </p:pic>
+      <p:sp>
+        <p:nvSpPr>
+          <p:cNvPr id="14" name="TextBox 13">
+            <a:extLst>
+              <a:ext uri="{FF2B5EF4-FFF2-40B4-BE49-F238E27FC236}">
+                <a16:creationId xmlns:a16="http://schemas.microsoft.com/office/drawing/2014/main" id="{7927F0E1-BA52-7E31-03A7-F9911C6E3CDA}"/>
+              </a:ext>
+            </a:extLst>
+          </p:cNvPr>
+          <p:cNvSpPr txBox="1"/>
+          <p:nvPr/>
+        </p:nvSpPr>
+        <p:spPr>
+          <a:xfrm>
+            <a:off x="453321" y="2873832"/>
+            <a:ext cx="3047075" cy="584775"/>
+          </a:xfrm>
+          <a:prstGeom prst="rect">
+            <a:avLst/>
+          </a:prstGeom>
+          <a:noFill/>
+        </p:spPr>
+        <p:txBody>
+          <a:bodyPr wrap="square" rtlCol="0">
+            <a:spAutoFit/>
+          </a:bodyPr>
           <a:lstStyle/>
           <a:p>
             <a:r>
-              <a:t>Handling Missing and Low-Frequency Data:</a:t>
-            </a:r>
-          </a:p>
-          <a:p>
-            <a:r>
-              <a:t>- Imputed missing medium values and grouped low-frequency sources.</a:t>
-            </a:r>
-          </a:p>
-          <a:p/>
-          <a:p>
-            <a:r>
-              <a:t>Feature Engineering:</a:t>
-            </a:r>
-          </a:p>
-          <a:p>
-            <a:r>
-              <a:t>- Categorized landing pages and created binary indicators for visit sequences.</a:t>
-            </a:r>
-          </a:p>
-          <a:p/>
-          <a:p>
-            <a:r>
-              <a:t>Encoding:</a:t>
-            </a:r>
-          </a:p>
-          <a:p>
-            <a:r>
-              <a:t>- One-hot encoding for categorical features with &lt;10 levels.</a:t>
-            </a:r>
-          </a:p>
-          <a:p>
-            <a:r>
-              <a:t>- Target encoding for categorical features with &gt;10 levels.</a:t>
-            </a:r>
-          </a:p>
-        </p:txBody>
-      </p:sp>
+              <a:rPr lang="en-US" sz="1600" dirty="0"/>
+              <a:t>Highly imbalanced dataset with &lt;2% transactions.</a:t>
+            </a:r>
+          </a:p>
+        </p:txBody>
+      </p:sp>
+      <p:sp>
+        <p:nvSpPr>
+          <p:cNvPr id="15" name="TextBox 14">
+            <a:extLst>
+              <a:ext uri="{FF2B5EF4-FFF2-40B4-BE49-F238E27FC236}">
+                <a16:creationId xmlns:a16="http://schemas.microsoft.com/office/drawing/2014/main" id="{B9DB50BF-131C-8F33-5D41-5F3DA71A5212}"/>
+              </a:ext>
+            </a:extLst>
+          </p:cNvPr>
+          <p:cNvSpPr txBox="1"/>
+          <p:nvPr/>
+        </p:nvSpPr>
+        <p:spPr>
+          <a:xfrm>
+            <a:off x="5436244" y="2873832"/>
+            <a:ext cx="3047075" cy="584775"/>
+          </a:xfrm>
+          <a:prstGeom prst="rect">
+            <a:avLst/>
+          </a:prstGeom>
+          <a:noFill/>
+        </p:spPr>
+        <p:txBody>
+          <a:bodyPr wrap="square" rtlCol="0">
+            <a:spAutoFit/>
+          </a:bodyPr>
+          <a:lstStyle/>
+          <a:p>
+            <a:r>
+              <a:rPr lang="en-US" sz="1600" dirty="0"/>
+              <a:t>Business likely to acquire customers via organic.</a:t>
+            </a:r>
+          </a:p>
+        </p:txBody>
+      </p:sp>
+      <p:sp>
+        <p:nvSpPr>
+          <p:cNvPr id="16" name="TextBox 15">
+            <a:extLst>
+              <a:ext uri="{FF2B5EF4-FFF2-40B4-BE49-F238E27FC236}">
+                <a16:creationId xmlns:a16="http://schemas.microsoft.com/office/drawing/2014/main" id="{1F8A1555-CBD6-DCA4-A4AB-0076C79DFDBC}"/>
+              </a:ext>
+            </a:extLst>
+          </p:cNvPr>
+          <p:cNvSpPr txBox="1"/>
+          <p:nvPr/>
+        </p:nvSpPr>
+        <p:spPr>
+          <a:xfrm>
+            <a:off x="453320" y="5614311"/>
+            <a:ext cx="3047075" cy="584775"/>
+          </a:xfrm>
+          <a:prstGeom prst="rect">
+            <a:avLst/>
+          </a:prstGeom>
+          <a:noFill/>
+        </p:spPr>
+        <p:txBody>
+          <a:bodyPr wrap="square" rtlCol="0">
+            <a:spAutoFit/>
+          </a:bodyPr>
+          <a:lstStyle/>
+          <a:p>
+            <a:r>
+              <a:rPr lang="en-US" sz="1600" dirty="0"/>
+              <a:t>Most transactions happened during weekday.</a:t>
+            </a:r>
+          </a:p>
+        </p:txBody>
+      </p:sp>
+      <p:sp>
+        <p:nvSpPr>
+          <p:cNvPr id="17" name="TextBox 16">
+            <a:extLst>
+              <a:ext uri="{FF2B5EF4-FFF2-40B4-BE49-F238E27FC236}">
+                <a16:creationId xmlns:a16="http://schemas.microsoft.com/office/drawing/2014/main" id="{A80D933D-8572-A8D8-E362-368C4AAD8BCC}"/>
+              </a:ext>
+            </a:extLst>
+          </p:cNvPr>
+          <p:cNvSpPr txBox="1"/>
+          <p:nvPr/>
+        </p:nvSpPr>
+        <p:spPr>
+          <a:xfrm>
+            <a:off x="5424573" y="5614311"/>
+            <a:ext cx="3047075" cy="584775"/>
+          </a:xfrm>
+          <a:prstGeom prst="rect">
+            <a:avLst/>
+          </a:prstGeom>
+          <a:noFill/>
+        </p:spPr>
+        <p:txBody>
+          <a:bodyPr wrap="square" rtlCol="0">
+            <a:spAutoFit/>
+          </a:bodyPr>
+          <a:lstStyle/>
+          <a:p>
+            <a:r>
+              <a:rPr lang="en-US" sz="1600" dirty="0"/>
+              <a:t>Almost 90% of transactions made using desktop.</a:t>
+            </a:r>
+          </a:p>
+        </p:txBody>
+      </p:sp>
+      <p:pic>
+        <p:nvPicPr>
+          <p:cNvPr id="27" name="Picture 26" descr="A graph of different colored bars&#10;&#10;Description automatically generated">
+            <a:extLst>
+              <a:ext uri="{FF2B5EF4-FFF2-40B4-BE49-F238E27FC236}">
+                <a16:creationId xmlns:a16="http://schemas.microsoft.com/office/drawing/2014/main" id="{7DA16A18-600C-FADD-EB7B-CA12E7AD5FA1}"/>
+              </a:ext>
+            </a:extLst>
+          </p:cNvPr>
+          <p:cNvPicPr>
+            <a:picLocks noChangeAspect="1"/>
+          </p:cNvPicPr>
+          <p:nvPr/>
+        </p:nvPicPr>
+        <p:blipFill>
+          <a:blip r:embed="rId3"/>
+          <a:stretch>
+            <a:fillRect/>
+          </a:stretch>
+        </p:blipFill>
+        <p:spPr>
+          <a:xfrm>
+            <a:off x="453320" y="3931400"/>
+            <a:ext cx="2256071" cy="1746902"/>
+          </a:xfrm>
+          <a:prstGeom prst="rect">
+            <a:avLst/>
+          </a:prstGeom>
+        </p:spPr>
+      </p:pic>
+      <p:pic>
+        <p:nvPicPr>
+          <p:cNvPr id="29" name="Picture 28">
+            <a:extLst>
+              <a:ext uri="{FF2B5EF4-FFF2-40B4-BE49-F238E27FC236}">
+                <a16:creationId xmlns:a16="http://schemas.microsoft.com/office/drawing/2014/main" id="{762250C3-FD31-C84B-476C-A1FC2B8BE81D}"/>
+              </a:ext>
+            </a:extLst>
+          </p:cNvPr>
+          <p:cNvPicPr>
+            <a:picLocks noChangeAspect="1"/>
+          </p:cNvPicPr>
+          <p:nvPr/>
+        </p:nvPicPr>
+        <p:blipFill>
+          <a:blip r:embed="rId4"/>
+          <a:stretch>
+            <a:fillRect/>
+          </a:stretch>
+        </p:blipFill>
+        <p:spPr>
+          <a:xfrm>
+            <a:off x="5424573" y="3931400"/>
+            <a:ext cx="1997838" cy="1746902"/>
+          </a:xfrm>
+          <a:prstGeom prst="rect">
+            <a:avLst/>
+          </a:prstGeom>
+        </p:spPr>
+      </p:pic>
+      <p:pic>
+        <p:nvPicPr>
+          <p:cNvPr id="31" name="Picture 30" descr="A yellow circle with a number of percentages&#10;&#10;Description automatically generated">
+            <a:extLst>
+              <a:ext uri="{FF2B5EF4-FFF2-40B4-BE49-F238E27FC236}">
+                <a16:creationId xmlns:a16="http://schemas.microsoft.com/office/drawing/2014/main" id="{A3DB9016-E9E0-2958-E835-3993BCDE1645}"/>
+              </a:ext>
+            </a:extLst>
+          </p:cNvPr>
+          <p:cNvPicPr>
+            <a:picLocks noChangeAspect="1"/>
+          </p:cNvPicPr>
+          <p:nvPr/>
+        </p:nvPicPr>
+        <p:blipFill>
+          <a:blip r:embed="rId5"/>
+          <a:stretch>
+            <a:fillRect/>
+          </a:stretch>
+        </p:blipFill>
+        <p:spPr>
+          <a:xfrm>
+            <a:off x="5405330" y="1260932"/>
+            <a:ext cx="1777754" cy="1612900"/>
+          </a:xfrm>
+          <a:prstGeom prst="rect">
+            <a:avLst/>
+          </a:prstGeom>
+        </p:spPr>
+      </p:pic>
     </p:spTree>
+    <p:extLst>
+      <p:ext uri="{BB962C8B-B14F-4D97-AF65-F5344CB8AC3E}">
+        <p14:creationId xmlns:p14="http://schemas.microsoft.com/office/powerpoint/2010/main" val="695785627"/>
+      </p:ext>
+    </p:extLst>
   </p:cSld>
   <p:clrMapOvr>
     <a:masterClrMapping/>
@@ -3851,7 +8152,7 @@
 </file>
 
 <file path=ppt/slides/slide7.xml><?xml version="1.0" encoding="utf-8"?>
-<p:sld xmlns:a="http://schemas.openxmlformats.org/drawingml/2006/main" xmlns:p="http://schemas.openxmlformats.org/presentationml/2006/main" xmlns:r="http://schemas.openxmlformats.org/officeDocument/2006/relationships">
+<p:sld xmlns:a="http://schemas.openxmlformats.org/drawingml/2006/main" xmlns:r="http://schemas.openxmlformats.org/officeDocument/2006/relationships" xmlns:p="http://schemas.openxmlformats.org/presentationml/2006/main">
   <p:cSld>
     <p:spTree>
       <p:nvGrpSpPr>
@@ -3859,7 +8160,14 @@
         <p:cNvGrpSpPr/>
         <p:nvPr/>
       </p:nvGrpSpPr>
-      <p:grpSpPr/>
+      <p:grpSpPr>
+        <a:xfrm>
+          <a:off x="0" y="0"/>
+          <a:ext cx="0" cy="0"/>
+          <a:chOff x="0" y="0"/>
+          <a:chExt cx="0" cy="0"/>
+        </a:xfrm>
+      </p:grpSpPr>
       <p:sp>
         <p:nvSpPr>
           <p:cNvPr id="2" name="Title 1"/>
@@ -3876,7 +8184,8 @@
           <a:lstStyle/>
           <a:p>
             <a:r>
-              <a:t>Modeling Approach</a:t>
+              <a:rPr dirty="0"/>
+              <a:t>Data Preprocessing</a:t>
             </a:r>
           </a:p>
         </p:txBody>
@@ -3893,38 +8202,85 @@
         </p:nvSpPr>
         <p:spPr/>
         <p:txBody>
-          <a:bodyPr/>
+          <a:bodyPr>
+            <a:normAutofit fontScale="85000" lnSpcReduction="20000"/>
+          </a:bodyPr>
           <a:lstStyle/>
           <a:p>
             <a:r>
-              <a:t>Model Selection:</a:t>
-            </a:r>
-          </a:p>
-          <a:p>
-            <a:r>
-              <a:t>- Random Forest Classifier</a:t>
-            </a:r>
-          </a:p>
-          <a:p/>
-          <a:p>
-            <a:r>
-              <a:t>Feature Selection:</a:t>
-            </a:r>
-          </a:p>
-          <a:p>
-            <a:r>
-              <a:t>- 20 key variables, including user type, session details, source, browser, etc.</a:t>
-            </a:r>
-          </a:p>
-          <a:p/>
-          <a:p>
-            <a:r>
-              <a:t>Target Variable:</a:t>
-            </a:r>
-          </a:p>
-          <a:p>
-            <a:r>
-              <a:t>- Conversion (transaction indicator)</a:t>
+              <a:rPr dirty="0"/>
+              <a:t>Handling Missing and Low-Frequency Data:</a:t>
+            </a:r>
+            <a:endParaRPr lang="en-US" dirty="0"/>
+          </a:p>
+          <a:p>
+            <a:pPr lvl="1"/>
+            <a:r>
+              <a:rPr lang="en-US" dirty="0"/>
+              <a:t>Leave missing values intact</a:t>
+            </a:r>
+          </a:p>
+          <a:p>
+            <a:pPr lvl="1"/>
+            <a:r>
+              <a:rPr lang="en-US" dirty="0"/>
+              <a:t>Group </a:t>
+            </a:r>
+            <a:r>
+              <a:rPr dirty="0"/>
+              <a:t>low-frequency </a:t>
+            </a:r>
+            <a:r>
+              <a:rPr lang="en-US" dirty="0"/>
+              <a:t>values</a:t>
+            </a:r>
+            <a:endParaRPr dirty="0"/>
+          </a:p>
+          <a:p>
+            <a:endParaRPr dirty="0"/>
+          </a:p>
+          <a:p>
+            <a:r>
+              <a:rPr dirty="0"/>
+              <a:t>Feature Engineering:</a:t>
+            </a:r>
+          </a:p>
+          <a:p>
+            <a:pPr lvl="1"/>
+            <a:r>
+              <a:rPr dirty="0"/>
+              <a:t>Categorized landing pages and created binary indicators for visit sequences</a:t>
+            </a:r>
+            <a:r>
+              <a:rPr lang="en-US" dirty="0"/>
+              <a:t> (second and third)</a:t>
+            </a:r>
+            <a:r>
+              <a:rPr dirty="0"/>
+              <a:t>.</a:t>
+            </a:r>
+          </a:p>
+          <a:p>
+            <a:endParaRPr dirty="0"/>
+          </a:p>
+          <a:p>
+            <a:r>
+              <a:rPr dirty="0"/>
+              <a:t>Encoding:</a:t>
+            </a:r>
+          </a:p>
+          <a:p>
+            <a:pPr lvl="1"/>
+            <a:r>
+              <a:rPr dirty="0"/>
+              <a:t>One-hot encoding for categorical features with &lt;10 levels.</a:t>
+            </a:r>
+          </a:p>
+          <a:p>
+            <a:pPr lvl="1"/>
+            <a:r>
+              <a:rPr dirty="0"/>
+              <a:t>Target encoding for categorical features with &gt;10 levels.</a:t>
             </a:r>
           </a:p>
         </p:txBody>
@@ -3938,7 +8294,7 @@
 </file>
 
 <file path=ppt/slides/slide8.xml><?xml version="1.0" encoding="utf-8"?>
-<p:sld xmlns:a="http://schemas.openxmlformats.org/drawingml/2006/main" xmlns:p="http://schemas.openxmlformats.org/presentationml/2006/main" xmlns:r="http://schemas.openxmlformats.org/officeDocument/2006/relationships">
+<p:sld xmlns:a="http://schemas.openxmlformats.org/drawingml/2006/main" xmlns:r="http://schemas.openxmlformats.org/officeDocument/2006/relationships" xmlns:p="http://schemas.openxmlformats.org/presentationml/2006/main">
   <p:cSld>
     <p:spTree>
       <p:nvGrpSpPr>
@@ -3946,7 +8302,14 @@
         <p:cNvGrpSpPr/>
         <p:nvPr/>
       </p:nvGrpSpPr>
-      <p:grpSpPr/>
+      <p:grpSpPr>
+        <a:xfrm>
+          <a:off x="0" y="0"/>
+          <a:ext cx="0" cy="0"/>
+          <a:chOff x="0" y="0"/>
+          <a:chExt cx="0" cy="0"/>
+        </a:xfrm>
+      </p:grpSpPr>
       <p:sp>
         <p:nvSpPr>
           <p:cNvPr id="2" name="Title 1"/>
@@ -3963,7 +8326,7 @@
           <a:lstStyle/>
           <a:p>
             <a:r>
-              <a:t>Dealing with Class Imbalance</a:t>
+              <a:t>Modeling Approach</a:t>
             </a:r>
           </a:p>
         </p:txBody>
@@ -3980,32 +8343,81 @@
         </p:nvSpPr>
         <p:spPr/>
         <p:txBody>
-          <a:bodyPr/>
+          <a:bodyPr>
+            <a:normAutofit fontScale="92500" lnSpcReduction="10000"/>
+          </a:bodyPr>
           <a:lstStyle/>
           <a:p>
             <a:r>
-              <a:t>Class Imbalance:</a:t>
-            </a:r>
-          </a:p>
-          <a:p>
-            <a:r>
-              <a:t>- Original imbalance in transaction (0:49528, 1:729).</a:t>
-            </a:r>
-          </a:p>
-          <a:p/>
-          <a:p>
-            <a:r>
-              <a:t>Solution:</a:t>
-            </a:r>
-          </a:p>
-          <a:p>
-            <a:r>
-              <a:t>- Applied SMOTE to resample minority class.</a:t>
-            </a:r>
-          </a:p>
-          <a:p>
-            <a:r>
-              <a:t>- Balanced dataset post-SMOTE (49528 for both classes).</a:t>
+              <a:rPr dirty="0"/>
+              <a:t>Model Selection:</a:t>
+            </a:r>
+          </a:p>
+          <a:p>
+            <a:pPr lvl="1"/>
+            <a:r>
+              <a:rPr dirty="0"/>
+              <a:t>Random Forest Classifier</a:t>
+            </a:r>
+          </a:p>
+          <a:p>
+            <a:endParaRPr dirty="0"/>
+          </a:p>
+          <a:p>
+            <a:r>
+              <a:rPr dirty="0"/>
+              <a:t>Feature Selection:</a:t>
+            </a:r>
+          </a:p>
+          <a:p>
+            <a:pPr lvl="1"/>
+            <a:r>
+              <a:rPr dirty="0"/>
+              <a:t>20 key variables, including user type,</a:t>
+            </a:r>
+            <a:r>
+              <a:rPr lang="en-US" dirty="0"/>
+              <a:t> temporal,</a:t>
+            </a:r>
+            <a:r>
+              <a:rPr dirty="0"/>
+              <a:t> session details, source, browser,</a:t>
+            </a:r>
+            <a:r>
+              <a:rPr lang="en-US" dirty="0"/>
+              <a:t> landing pages,</a:t>
+            </a:r>
+            <a:r>
+              <a:rPr dirty="0"/>
+              <a:t> etc.</a:t>
+            </a:r>
+          </a:p>
+          <a:p>
+            <a:endParaRPr dirty="0"/>
+          </a:p>
+          <a:p>
+            <a:r>
+              <a:rPr dirty="0"/>
+              <a:t>Target Variable:</a:t>
+            </a:r>
+          </a:p>
+          <a:p>
+            <a:pPr lvl="1"/>
+            <a:r>
+              <a:rPr lang="en-US" dirty="0"/>
+              <a:t>Transaction</a:t>
+            </a:r>
+            <a:r>
+              <a:rPr dirty="0"/>
+              <a:t> (</a:t>
+            </a:r>
+            <a:r>
+              <a:rPr lang="en-US" dirty="0"/>
+              <a:t>conversion</a:t>
+            </a:r>
+            <a:r>
+              <a:rPr dirty="0"/>
+              <a:t>)</a:t>
             </a:r>
           </a:p>
         </p:txBody>
@@ -4019,7 +8431,7 @@
 </file>
 
 <file path=ppt/slides/slide9.xml><?xml version="1.0" encoding="utf-8"?>
-<p:sld xmlns:a="http://schemas.openxmlformats.org/drawingml/2006/main" xmlns:p="http://schemas.openxmlformats.org/presentationml/2006/main" xmlns:r="http://schemas.openxmlformats.org/officeDocument/2006/relationships">
+<p:sld xmlns:a="http://schemas.openxmlformats.org/drawingml/2006/main" xmlns:r="http://schemas.openxmlformats.org/officeDocument/2006/relationships" xmlns:p="http://schemas.openxmlformats.org/presentationml/2006/main">
   <p:cSld>
     <p:spTree>
       <p:nvGrpSpPr>
@@ -4027,7 +8439,14 @@
         <p:cNvGrpSpPr/>
         <p:nvPr/>
       </p:nvGrpSpPr>
-      <p:grpSpPr/>
+      <p:grpSpPr>
+        <a:xfrm>
+          <a:off x="0" y="0"/>
+          <a:ext cx="0" cy="0"/>
+          <a:chOff x="0" y="0"/>
+          <a:chExt cx="0" cy="0"/>
+        </a:xfrm>
+      </p:grpSpPr>
       <p:sp>
         <p:nvSpPr>
           <p:cNvPr id="2" name="Title 1"/>
@@ -4044,7 +8463,7 @@
           <a:lstStyle/>
           <a:p>
             <a:r>
-              <a:t>Model Training and Results</a:t>
+              <a:t>Dealing with Class Imbalance</a:t>
             </a:r>
           </a:p>
         </p:txBody>
@@ -4059,44 +8478,115 @@
             <p:ph idx="1"/>
           </p:nvPr>
         </p:nvSpPr>
-        <p:spPr/>
-        <p:txBody>
-          <a:bodyPr/>
+        <p:spPr>
+          <a:xfrm>
+            <a:off x="457200" y="1407015"/>
+            <a:ext cx="8229600" cy="2340289"/>
+          </a:xfrm>
+        </p:spPr>
+        <p:txBody>
+          <a:bodyPr>
+            <a:normAutofit/>
+          </a:bodyPr>
           <a:lstStyle/>
           <a:p>
             <a:r>
-              <a:t>Training Model:</a:t>
-            </a:r>
-          </a:p>
-          <a:p>
-            <a:r>
-              <a:t>- Random Forest on resampled data.</a:t>
-            </a:r>
-          </a:p>
-          <a:p/>
-          <a:p>
-            <a:r>
-              <a:t>Evaluation on Training Set:</a:t>
-            </a:r>
-          </a:p>
-          <a:p>
-            <a:r>
-              <a:t>- Precision, Recall, F1 Score, AUC.</a:t>
-            </a:r>
-          </a:p>
-          <a:p/>
-          <a:p>
-            <a:r>
-              <a:t>Observations:</a:t>
-            </a:r>
-          </a:p>
-          <a:p>
-            <a:r>
-              <a:t>- Model precision and recall scores indicating potential for both targeted spend and broader budget strategies.</a:t>
-            </a:r>
-          </a:p>
-        </p:txBody>
-      </p:sp>
+              <a:rPr sz="2000" dirty="0"/>
+              <a:t>Class Imbalance:</a:t>
+            </a:r>
+          </a:p>
+          <a:p>
+            <a:pPr lvl="1"/>
+            <a:r>
+              <a:rPr sz="1800" dirty="0"/>
+              <a:t>Original imbalance in transaction (0:49528, 1:729).</a:t>
+            </a:r>
+          </a:p>
+          <a:p>
+            <a:endParaRPr sz="2000" dirty="0"/>
+          </a:p>
+          <a:p>
+            <a:r>
+              <a:rPr sz="2000" dirty="0"/>
+              <a:t>Solution:</a:t>
+            </a:r>
+          </a:p>
+          <a:p>
+            <a:pPr lvl="1"/>
+            <a:r>
+              <a:rPr sz="1800" dirty="0"/>
+              <a:t>Applied SMOTE to resample minority class.</a:t>
+            </a:r>
+          </a:p>
+          <a:p>
+            <a:pPr lvl="1"/>
+            <a:r>
+              <a:rPr sz="1800" dirty="0"/>
+              <a:t>Balanced dataset post-SMOTE (49528 for both classes).</a:t>
+            </a:r>
+          </a:p>
+        </p:txBody>
+      </p:sp>
+      <p:pic>
+        <p:nvPicPr>
+          <p:cNvPr id="5" name="Picture 4" descr="A graph with red and blue dots&#10;&#10;Description automatically generated">
+            <a:extLst>
+              <a:ext uri="{FF2B5EF4-FFF2-40B4-BE49-F238E27FC236}">
+                <a16:creationId xmlns:a16="http://schemas.microsoft.com/office/drawing/2014/main" id="{15714CF9-38D5-81DB-4937-94364BAAFDFF}"/>
+              </a:ext>
+            </a:extLst>
+          </p:cNvPr>
+          <p:cNvPicPr>
+            <a:picLocks noChangeAspect="1"/>
+          </p:cNvPicPr>
+          <p:nvPr/>
+        </p:nvPicPr>
+        <p:blipFill>
+          <a:blip r:embed="rId2"/>
+          <a:stretch>
+            <a:fillRect/>
+          </a:stretch>
+        </p:blipFill>
+        <p:spPr>
+          <a:xfrm>
+            <a:off x="5119351" y="3747304"/>
+            <a:ext cx="3464417" cy="2732762"/>
+          </a:xfrm>
+          <a:prstGeom prst="rect">
+            <a:avLst/>
+          </a:prstGeom>
+        </p:spPr>
+      </p:pic>
+      <p:pic>
+        <p:nvPicPr>
+          <p:cNvPr id="7" name="Picture 6" descr="A graph with purple and red dots&#10;&#10;Description automatically generated">
+            <a:extLst>
+              <a:ext uri="{FF2B5EF4-FFF2-40B4-BE49-F238E27FC236}">
+                <a16:creationId xmlns:a16="http://schemas.microsoft.com/office/drawing/2014/main" id="{B887ABD3-7A44-4B98-B7AA-2F73D50AFAC9}"/>
+              </a:ext>
+            </a:extLst>
+          </p:cNvPr>
+          <p:cNvPicPr>
+            <a:picLocks noChangeAspect="1"/>
+          </p:cNvPicPr>
+          <p:nvPr/>
+        </p:nvPicPr>
+        <p:blipFill>
+          <a:blip r:embed="rId3"/>
+          <a:stretch>
+            <a:fillRect/>
+          </a:stretch>
+        </p:blipFill>
+        <p:spPr>
+          <a:xfrm>
+            <a:off x="560231" y="3747303"/>
+            <a:ext cx="3501937" cy="2732761"/>
+          </a:xfrm>
+          <a:prstGeom prst="rect">
+            <a:avLst/>
+          </a:prstGeom>
+        </p:spPr>
+      </p:pic>
     </p:spTree>
   </p:cSld>
   <p:clrMapOvr>
@@ -4423,4 +8913,319 @@
   </a:objectDefaults>
   <a:extraClrSchemeLst/>
 </a:theme>
+</file>
+
+<file path=ppt/theme/theme2.xml><?xml version="1.0" encoding="utf-8"?>
+<a:theme xmlns:a="http://schemas.openxmlformats.org/drawingml/2006/main" name="Office Theme">
+  <a:themeElements>
+    <a:clrScheme name="Office">
+      <a:dk1>
+        <a:sysClr val="windowText" lastClr="000000"/>
+      </a:dk1>
+      <a:lt1>
+        <a:sysClr val="window" lastClr="FFFFFF"/>
+      </a:lt1>
+      <a:dk2>
+        <a:srgbClr val="0E2841"/>
+      </a:dk2>
+      <a:lt2>
+        <a:srgbClr val="E8E8E8"/>
+      </a:lt2>
+      <a:accent1>
+        <a:srgbClr val="156082"/>
+      </a:accent1>
+      <a:accent2>
+        <a:srgbClr val="E97132"/>
+      </a:accent2>
+      <a:accent3>
+        <a:srgbClr val="196B24"/>
+      </a:accent3>
+      <a:accent4>
+        <a:srgbClr val="0F9ED5"/>
+      </a:accent4>
+      <a:accent5>
+        <a:srgbClr val="A02B93"/>
+      </a:accent5>
+      <a:accent6>
+        <a:srgbClr val="4EA72E"/>
+      </a:accent6>
+      <a:hlink>
+        <a:srgbClr val="467886"/>
+      </a:hlink>
+      <a:folHlink>
+        <a:srgbClr val="96607D"/>
+      </a:folHlink>
+    </a:clrScheme>
+    <a:fontScheme name="Office">
+      <a:majorFont>
+        <a:latin typeface="Aptos Display" panose="02110004020202020204"/>
+        <a:ea typeface=""/>
+        <a:cs typeface=""/>
+        <a:font script="Jpan" typeface="游ゴシック Light"/>
+        <a:font script="Hang" typeface="맑은 고딕"/>
+        <a:font script="Hans" typeface="等线 Light"/>
+        <a:font script="Hant" typeface="新細明體"/>
+        <a:font script="Arab" typeface="Times New Roman"/>
+        <a:font script="Hebr" typeface="Times New Roman"/>
+        <a:font script="Thai" typeface="Angsana New"/>
+        <a:font script="Ethi" typeface="Nyala"/>
+        <a:font script="Beng" typeface="Vrinda"/>
+        <a:font script="Gujr" typeface="Shruti"/>
+        <a:font script="Khmr" typeface="MoolBoran"/>
+        <a:font script="Knda" typeface="Tunga"/>
+        <a:font script="Guru" typeface="Raavi"/>
+        <a:font script="Cans" typeface="Euphemia"/>
+        <a:font script="Cher" typeface="Plantagenet Cherokee"/>
+        <a:font script="Yiii" typeface="Microsoft Yi Baiti"/>
+        <a:font script="Tibt" typeface="Microsoft Himalaya"/>
+        <a:font script="Thaa" typeface="MV Boli"/>
+        <a:font script="Deva" typeface="Mangal"/>
+        <a:font script="Telu" typeface="Gautami"/>
+        <a:font script="Taml" typeface="Latha"/>
+        <a:font script="Syrc" typeface="Estrangelo Edessa"/>
+        <a:font script="Orya" typeface="Kalinga"/>
+        <a:font script="Mlym" typeface="Kartika"/>
+        <a:font script="Laoo" typeface="DokChampa"/>
+        <a:font script="Sinh" typeface="Iskoola Pota"/>
+        <a:font script="Mong" typeface="Mongolian Baiti"/>
+        <a:font script="Viet" typeface="Times New Roman"/>
+        <a:font script="Uigh" typeface="Microsoft Uighur"/>
+        <a:font script="Geor" typeface="Sylfaen"/>
+        <a:font script="Armn" typeface="Arial"/>
+        <a:font script="Bugi" typeface="Leelawadee UI"/>
+        <a:font script="Bopo" typeface="Microsoft JhengHei"/>
+        <a:font script="Java" typeface="Javanese Text"/>
+        <a:font script="Lisu" typeface="Segoe UI"/>
+        <a:font script="Mymr" typeface="Myanmar Text"/>
+        <a:font script="Nkoo" typeface="Ebrima"/>
+        <a:font script="Olck" typeface="Nirmala UI"/>
+        <a:font script="Osma" typeface="Ebrima"/>
+        <a:font script="Phag" typeface="Phagspa"/>
+        <a:font script="Syrn" typeface="Estrangelo Edessa"/>
+        <a:font script="Syrj" typeface="Estrangelo Edessa"/>
+        <a:font script="Syre" typeface="Estrangelo Edessa"/>
+        <a:font script="Sora" typeface="Nirmala UI"/>
+        <a:font script="Tale" typeface="Microsoft Tai Le"/>
+        <a:font script="Talu" typeface="Microsoft New Tai Lue"/>
+        <a:font script="Tfng" typeface="Ebrima"/>
+      </a:majorFont>
+      <a:minorFont>
+        <a:latin typeface="Aptos" panose="02110004020202020204"/>
+        <a:ea typeface=""/>
+        <a:cs typeface=""/>
+        <a:font script="Jpan" typeface="游ゴシック"/>
+        <a:font script="Hang" typeface="맑은 고딕"/>
+        <a:font script="Hans" typeface="等线"/>
+        <a:font script="Hant" typeface="新細明體"/>
+        <a:font script="Arab" typeface="Arial"/>
+        <a:font script="Hebr" typeface="Arial"/>
+        <a:font script="Thai" typeface="Cordia New"/>
+        <a:font script="Ethi" typeface="Nyala"/>
+        <a:font script="Beng" typeface="Vrinda"/>
+        <a:font script="Gujr" typeface="Shruti"/>
+        <a:font script="Khmr" typeface="DaunPenh"/>
+        <a:font script="Knda" typeface="Tunga"/>
+        <a:font script="Guru" typeface="Raavi"/>
+        <a:font script="Cans" typeface="Euphemia"/>
+        <a:font script="Cher" typeface="Plantagenet Cherokee"/>
+        <a:font script="Yiii" typeface="Microsoft Yi Baiti"/>
+        <a:font script="Tibt" typeface="Microsoft Himalaya"/>
+        <a:font script="Thaa" typeface="MV Boli"/>
+        <a:font script="Deva" typeface="Mangal"/>
+        <a:font script="Telu" typeface="Gautami"/>
+        <a:font script="Taml" typeface="Latha"/>
+        <a:font script="Syrc" typeface="Estrangelo Edessa"/>
+        <a:font script="Orya" typeface="Kalinga"/>
+        <a:font script="Mlym" typeface="Kartika"/>
+        <a:font script="Laoo" typeface="DokChampa"/>
+        <a:font script="Sinh" typeface="Iskoola Pota"/>
+        <a:font script="Mong" typeface="Mongolian Baiti"/>
+        <a:font script="Viet" typeface="Arial"/>
+        <a:font script="Uigh" typeface="Microsoft Uighur"/>
+        <a:font script="Geor" typeface="Sylfaen"/>
+        <a:font script="Armn" typeface="Arial"/>
+        <a:font script="Bugi" typeface="Leelawadee UI"/>
+        <a:font script="Bopo" typeface="Microsoft JhengHei"/>
+        <a:font script="Java" typeface="Javanese Text"/>
+        <a:font script="Lisu" typeface="Segoe UI"/>
+        <a:font script="Mymr" typeface="Myanmar Text"/>
+        <a:font script="Nkoo" typeface="Ebrima"/>
+        <a:font script="Olck" typeface="Nirmala UI"/>
+        <a:font script="Osma" typeface="Ebrima"/>
+        <a:font script="Phag" typeface="Phagspa"/>
+        <a:font script="Syrn" typeface="Estrangelo Edessa"/>
+        <a:font script="Syrj" typeface="Estrangelo Edessa"/>
+        <a:font script="Syre" typeface="Estrangelo Edessa"/>
+        <a:font script="Sora" typeface="Nirmala UI"/>
+        <a:font script="Tale" typeface="Microsoft Tai Le"/>
+        <a:font script="Talu" typeface="Microsoft New Tai Lue"/>
+        <a:font script="Tfng" typeface="Ebrima"/>
+      </a:minorFont>
+    </a:fontScheme>
+    <a:fmtScheme name="Office">
+      <a:fillStyleLst>
+        <a:solidFill>
+          <a:schemeClr val="phClr"/>
+        </a:solidFill>
+        <a:gradFill rotWithShape="1">
+          <a:gsLst>
+            <a:gs pos="0">
+              <a:schemeClr val="phClr">
+                <a:lumMod val="110000"/>
+                <a:satMod val="105000"/>
+                <a:tint val="67000"/>
+              </a:schemeClr>
+            </a:gs>
+            <a:gs pos="50000">
+              <a:schemeClr val="phClr">
+                <a:lumMod val="105000"/>
+                <a:satMod val="103000"/>
+                <a:tint val="73000"/>
+              </a:schemeClr>
+            </a:gs>
+            <a:gs pos="100000">
+              <a:schemeClr val="phClr">
+                <a:lumMod val="105000"/>
+                <a:satMod val="109000"/>
+                <a:tint val="81000"/>
+              </a:schemeClr>
+            </a:gs>
+          </a:gsLst>
+          <a:lin ang="5400000" scaled="0"/>
+        </a:gradFill>
+        <a:gradFill rotWithShape="1">
+          <a:gsLst>
+            <a:gs pos="0">
+              <a:schemeClr val="phClr">
+                <a:satMod val="103000"/>
+                <a:lumMod val="102000"/>
+                <a:tint val="94000"/>
+              </a:schemeClr>
+            </a:gs>
+            <a:gs pos="50000">
+              <a:schemeClr val="phClr">
+                <a:satMod val="110000"/>
+                <a:lumMod val="100000"/>
+                <a:shade val="100000"/>
+              </a:schemeClr>
+            </a:gs>
+            <a:gs pos="100000">
+              <a:schemeClr val="phClr">
+                <a:lumMod val="99000"/>
+                <a:satMod val="120000"/>
+                <a:shade val="78000"/>
+              </a:schemeClr>
+            </a:gs>
+          </a:gsLst>
+          <a:lin ang="5400000" scaled="0"/>
+        </a:gradFill>
+      </a:fillStyleLst>
+      <a:lnStyleLst>
+        <a:ln w="12700" cap="flat" cmpd="sng" algn="ctr">
+          <a:solidFill>
+            <a:schemeClr val="phClr"/>
+          </a:solidFill>
+          <a:prstDash val="solid"/>
+          <a:miter lim="800000"/>
+        </a:ln>
+        <a:ln w="19050" cap="flat" cmpd="sng" algn="ctr">
+          <a:solidFill>
+            <a:schemeClr val="phClr"/>
+          </a:solidFill>
+          <a:prstDash val="solid"/>
+          <a:miter lim="800000"/>
+        </a:ln>
+        <a:ln w="25400" cap="flat" cmpd="sng" algn="ctr">
+          <a:solidFill>
+            <a:schemeClr val="phClr"/>
+          </a:solidFill>
+          <a:prstDash val="solid"/>
+          <a:miter lim="800000"/>
+        </a:ln>
+      </a:lnStyleLst>
+      <a:effectStyleLst>
+        <a:effectStyle>
+          <a:effectLst/>
+        </a:effectStyle>
+        <a:effectStyle>
+          <a:effectLst/>
+        </a:effectStyle>
+        <a:effectStyle>
+          <a:effectLst>
+            <a:outerShdw blurRad="57150" dist="19050" dir="5400000" algn="ctr" rotWithShape="0">
+              <a:srgbClr val="000000">
+                <a:alpha val="63000"/>
+              </a:srgbClr>
+            </a:outerShdw>
+          </a:effectLst>
+        </a:effectStyle>
+      </a:effectStyleLst>
+      <a:bgFillStyleLst>
+        <a:solidFill>
+          <a:schemeClr val="phClr"/>
+        </a:solidFill>
+        <a:solidFill>
+          <a:schemeClr val="phClr">
+            <a:tint val="95000"/>
+            <a:satMod val="170000"/>
+          </a:schemeClr>
+        </a:solidFill>
+        <a:gradFill rotWithShape="1">
+          <a:gsLst>
+            <a:gs pos="0">
+              <a:schemeClr val="phClr">
+                <a:tint val="93000"/>
+                <a:satMod val="150000"/>
+                <a:shade val="98000"/>
+                <a:lumMod val="102000"/>
+              </a:schemeClr>
+            </a:gs>
+            <a:gs pos="50000">
+              <a:schemeClr val="phClr">
+                <a:tint val="98000"/>
+                <a:satMod val="130000"/>
+                <a:shade val="90000"/>
+                <a:lumMod val="103000"/>
+              </a:schemeClr>
+            </a:gs>
+            <a:gs pos="100000">
+              <a:schemeClr val="phClr">
+                <a:shade val="63000"/>
+                <a:satMod val="120000"/>
+              </a:schemeClr>
+            </a:gs>
+          </a:gsLst>
+          <a:lin ang="5400000" scaled="0"/>
+        </a:gradFill>
+      </a:bgFillStyleLst>
+    </a:fmtScheme>
+  </a:themeElements>
+  <a:objectDefaults>
+    <a:lnDef>
+      <a:spPr/>
+      <a:bodyPr/>
+      <a:lstStyle/>
+      <a:style>
+        <a:lnRef idx="2">
+          <a:schemeClr val="accent1"/>
+        </a:lnRef>
+        <a:fillRef idx="0">
+          <a:schemeClr val="accent1"/>
+        </a:fillRef>
+        <a:effectRef idx="1">
+          <a:schemeClr val="accent1"/>
+        </a:effectRef>
+        <a:fontRef idx="minor">
+          <a:schemeClr val="tx1"/>
+        </a:fontRef>
+      </a:style>
+    </a:lnDef>
+  </a:objectDefaults>
+  <a:extraClrSchemeLst/>
+  <a:extLst>
+    <a:ext uri="{05A4C25C-085E-4340-85A3-A5531E510DB2}">
+      <thm15:themeFamily xmlns:thm15="http://schemas.microsoft.com/office/thememl/2012/main" name="Office Theme" id="{2E142A2C-CD16-42D6-873A-C26D2A0506FA}" vid="{1BDDFF52-6CD6-40A5-AB3C-68EB2F1E4D0A}"/>
+    </a:ext>
+  </a:extLst>
+</a:theme>
 </file>